--- a/Builder-Design-Pattern.pptx
+++ b/Builder-Design-Pattern.pptx
@@ -7,12 +7,14 @@
   <p:sldIdLst>
     <p:sldId id="256" r:id="rId2"/>
     <p:sldId id="257" r:id="rId3"/>
-    <p:sldId id="258" r:id="rId4"/>
-    <p:sldId id="259" r:id="rId5"/>
-    <p:sldId id="260" r:id="rId6"/>
-    <p:sldId id="261" r:id="rId7"/>
-    <p:sldId id="262" r:id="rId8"/>
-    <p:sldId id="263" r:id="rId9"/>
+    <p:sldId id="266" r:id="rId4"/>
+    <p:sldId id="264" r:id="rId5"/>
+    <p:sldId id="259" r:id="rId6"/>
+    <p:sldId id="260" r:id="rId7"/>
+    <p:sldId id="261" r:id="rId8"/>
+    <p:sldId id="262" r:id="rId9"/>
+    <p:sldId id="263" r:id="rId10"/>
+    <p:sldId id="265" r:id="rId11"/>
   </p:sldIdLst>
   <p:sldSz cx="12192000" cy="6858000"/>
   <p:notesSz cx="6858000" cy="9144000"/>
@@ -119,6 +121,118 @@
 </p:presentation>
 </file>
 
+<file path=ppt/ink/ink1.xml><?xml version="1.0" encoding="utf-8"?>
+<inkml:ink xmlns:inkml="http://www.w3.org/2003/InkML">
+  <inkml:definitions>
+    <inkml:context xml:id="ctx0">
+      <inkml:inkSource xml:id="inkSrc0">
+        <inkml:traceFormat>
+          <inkml:channel name="X" type="integer" min="-2.14748E9" max="2.14748E9" units="cm"/>
+          <inkml:channel name="Y" type="integer" min="-2.14748E9" max="2.14748E9" units="cm"/>
+          <inkml:channel name="F" type="integer" max="32767" units="dev"/>
+        </inkml:traceFormat>
+        <inkml:channelProperties>
+          <inkml:channelProperty channel="X" name="resolution" value="1000" units="1/cm"/>
+          <inkml:channelProperty channel="Y" name="resolution" value="1000" units="1/cm"/>
+          <inkml:channelProperty channel="F" name="resolution" value="0" units="1/dev"/>
+        </inkml:channelProperties>
+      </inkml:inkSource>
+      <inkml:timestamp xml:id="ts0" timeString="2024-09-20T07:24:13.919"/>
+    </inkml:context>
+    <inkml:brush xml:id="br0">
+      <inkml:brushProperty name="width" value="0.035" units="cm"/>
+      <inkml:brushProperty name="height" value="0.035" units="cm"/>
+      <inkml:brushProperty name="color" value="#E71224"/>
+    </inkml:brush>
+  </inkml:definitions>
+  <inkml:trace contextRef="#ctx0" brushRef="#br0">1210 1079 24575,'1'-14'0,"1"-1"0,1 1 0,0 0 0,1 0 0,11-26 0,-1 3 0,2-10 0,1 0 0,3 1 0,2 0 0,40-60 0,-7 7 0,-39 66 0,28-42 0,-37 65 0,1 0 0,-1 1 0,2 0 0,-1 1 0,1-1 0,0 2 0,1-1 0,12-6 0,49-26 0,2 4 0,1 3 0,82-25 0,38-11 0,-140 52 0,0 3 0,1 2 0,65-6 0,-73 12 0,50-12 0,-59 9 0,1 2 0,59-4 0,412 11 0,-222 2 0,-213 2 0,0 4 0,0 2 0,75 23 0,-35-1 0,152 64 0,-201-70 0,-59-23 0,267 109 0,-209-81 0,-2 2 0,67 47 0,-107-61 0,-2 1 0,0 2 0,-1 0 0,-1 1 0,-1 0 0,17 32 0,-7-13 0,52 76 0,-69-98 0,-1 0 0,-1 1 0,-1 0 0,10 37 0,2 6 0,-9-35 0,-1 0 0,-1 0 0,-2 1 0,-1 0 0,3 48 0,-5-35 0,3-1 0,0 0 0,28 81 0,-19-72 0,17 98 0,-11-10 0,-10-76 0,7 123 0,-42 243 0,19-362 0,2-29 0,-2 0 0,-1 0 0,-12 43 0,-11 7 0,14-50 0,2 1 0,-10 57 0,-22 101 0,11-57 0,2-16 0,-48 126 0,54-176 0,-5 43 0,24-86 0,-1 0 0,-21 55 0,19-61 0,1 0 0,-8 46 0,-5 15 0,-38 116 0,55-183 0,-1 0 0,0-1 0,-1 0 0,-2 0 0,1 0 0,-2-1 0,0-1 0,-19 26 0,-5-2 0,23-26 0,-1-1 0,-1 0 0,-14 12 0,5-5 0,1 1 0,1 0 0,-28 42 0,31-39 0,-1-1 0,-1-1 0,-41 39 0,38-42 0,1 1 0,1 1 0,-32 46 0,-4 6 0,-18-1 0,41-42 0,17-16 0,0-1 0,-2 0 0,1-1 0,-1-1 0,-1-1 0,0 0 0,-1-2 0,0 0 0,0-1 0,0-1 0,-1 0 0,0-2 0,-24 3 0,-55 16 0,75-15 0,0-2 0,0-1 0,-39 3 0,-90 5 0,-31 0 0,-94 0 0,-45 0 0,53 0 0,-4 0 0,230-13 0,-387-17 0,133-14 0,280 29 0,0 0 0,1-2 0,0 0 0,0-1 0,0-1 0,1-1 0,-1 0 0,1-1 0,-14-10 0,-183-112 0,-242-133 0,257 152 0,119 70 0,55 30 0,1-1 0,0-1 0,1-1 0,1 0 0,0-2 0,-30-29 0,38 30 0,0 0 0,1-1 0,1 0 0,0-1 0,1 0 0,1-1 0,1 0 0,0 0 0,2-1 0,0 0 0,1 0 0,1-1 0,0 1 0,0-23 0,-34-235 0,4 52 0,26-215 0,11 254 0,0 95 0,3 1 0,5 0 0,4 0 0,3 1 0,40-114 0,30-77 0,-28 78 0,118-267 0,23 33 0,-192 418 0,1 1 0,0 0 0,2 0 0,0 1 0,0 1 0,2 0 0,0 1 0,0 0 0,2 1 0,-1 1 0,25-15 0,-9 9 0,2 1 0,0 1 0,0 2 0,1 1 0,49-11 0,-16 15-1365,-46 9-5461</inkml:trace>
+</inkml:ink>
+</file>
+
+<file path=ppt/ink/ink2.xml><?xml version="1.0" encoding="utf-8"?>
+<inkml:ink xmlns:inkml="http://www.w3.org/2003/InkML">
+  <inkml:definitions>
+    <inkml:context xml:id="ctx0">
+      <inkml:inkSource xml:id="inkSrc0">
+        <inkml:traceFormat>
+          <inkml:channel name="X" type="integer" min="-2.14748E9" max="2.14748E9" units="cm"/>
+          <inkml:channel name="Y" type="integer" min="-2.14748E9" max="2.14748E9" units="cm"/>
+          <inkml:channel name="F" type="integer" max="32767" units="dev"/>
+        </inkml:traceFormat>
+        <inkml:channelProperties>
+          <inkml:channelProperty channel="X" name="resolution" value="1000" units="1/cm"/>
+          <inkml:channelProperty channel="Y" name="resolution" value="1000" units="1/cm"/>
+          <inkml:channelProperty channel="F" name="resolution" value="0" units="1/dev"/>
+        </inkml:channelProperties>
+      </inkml:inkSource>
+      <inkml:timestamp xml:id="ts0" timeString="2024-09-20T07:24:38.346"/>
+    </inkml:context>
+    <inkml:brush xml:id="br0">
+      <inkml:brushProperty name="width" value="0.035" units="cm"/>
+      <inkml:brushProperty name="height" value="0.035" units="cm"/>
+      <inkml:brushProperty name="color" value="#E71224"/>
+    </inkml:brush>
+  </inkml:definitions>
+  <inkml:trace contextRef="#ctx0" brushRef="#br0">9372 2260 24575,'-1'0'0,"-235"-8"0,203 4 0,1-1 0,-1-2 0,1-1 0,1-1 0,-34-15 0,-3-10 0,-89-59 0,90 52 0,-82-39 0,37 28 0,-157-96 0,233 125 0,-227-135 0,224 138 0,-1 2 0,-1 2 0,-1 1 0,-84-17 0,20 9 0,-23-4 0,87 18 0,1-1 0,0-1 0,-40-18 0,-66-19 0,-473-138 0,161-24 0,405 181 0,14 7 0,-42-16 0,-120-43 0,-162-60 0,-384-106 0,491 159 0,-167-62 0,358 127 0,-2 2 0,0 3 0,-1 3 0,-104-8 0,-284 10 0,438 13 0,-217-3 0,-220 7 0,435-3 0,1 2 0,-1 1 0,1 0 0,0 2 0,-36 14 0,-89 54 0,-4 1 0,66-45 0,-2-4 0,-119 19 0,-54 16 0,231-50 0,0 0 0,0 1 0,1 2 0,1 1 0,1 1 0,0 1 0,1 0 0,-36 38 0,-12 5 0,42-37 0,1 1 0,2 2 0,-35 41 0,48-50 0,-19 26 0,-30 51 0,49-71 0,-12 20 0,2 0 0,-27 74 0,14-22 0,19-52 0,-20 75 0,1 72 0,-27 104 0,30-143 0,8-28 0,15-66 0,2 2 0,2-1 0,4 1 0,6 87 0,-1-18 0,-2-41 0,4 0 0,22 113 0,23 72 0,-13-4 0,7 30 0,-6-80 0,-24-128 0,3 0 0,32 97 0,-43-170 0,1 0 0,1-1 0,0 0 0,2 0 0,-1 0 0,2-1 0,0-1 0,1 0 0,0-1 0,1 0 0,1 0 0,0-2 0,0 0 0,1 0 0,1-1 0,23 10 0,2 1 0,0-2 0,2-1 0,0-3 0,1-1 0,81 13 0,-103-24 0,47 8 0,0-4 0,0-2 0,73-5 0,-125-4 0,0 0 0,-1 0 0,0-2 0,0 0 0,0 0 0,0-2 0,16-10 0,49-22 0,-47 25 0,-1-2 0,0-1 0,55-41 0,33-19 0,-88 57 0,-1-2 0,-1-1 0,-1-2 0,53-58 0,-51 50 0,1 1 0,2 2 0,41-29 0,37-22 0,-83 57 0,1 1 0,1 2 0,1 2 0,1 0 0,1 3 0,50-19 0,-54 27 0,6-4 0,0 2 0,1 2 0,1 2 0,0 1 0,41-1 0,-49 6 0,55-10 0,-53 6 0,48-2 0,68 9 0,113-4 0,-168-10 0,-53 5 0,55-1 0,-64 6 0,1-1 0,-1-2 0,35-10 0,-36 7 0,1 1 0,-1 2 0,44-1 0,-2 5 0,109 4 0,-139 4 0,-1 1 0,59 20 0,-68-17 0,41 12 0,-25-7 0,72 15 0,-92-27 0,-1 2 0,0 0 0,-1 2 0,41 17 0,218 126 0,-221-112 0,-30-18 0,0 0 0,2-3 0,49 19 0,-59-26 0,-1 1 0,0 1 0,0 1 0,37 29 0,-33-22 0,1-2 0,39 19 0,-22-14 0,-39-18 0,0-1 0,1 0 0,-1 0 0,1-1 0,0-1 0,0 0 0,1 0 0,20 2 0,17 0 0,82 22 0,-52-10 0,-35 0 0,-40-15 0,-1 0 0,1 0 0,0-1 0,0 1 0,0-1 0,0 1 0,0-1 0,0 0 0,1 0 0,-1-1 0,0 1 0,1-1 0,-1 1 0,0-1 0,1 0 0,-1 0 0,0 0 0,1-1 0,-1 1 0,0-1 0,0 0 0,0 0 0,1 0 0,3-2 0,36-30 0,-26 19 0,0 1 0,37-20 0,-14 6 0,-36 23 0,1 1 0,0-1 0,0 1 0,0 0 0,0 0 0,0 0 0,1 1 0,-1-1 0,1 1 0,8-1 0,-13 3 0,23-4 0,-1 0 0,1-2 0,35-12 0,-45 13 0,1 1 0,0 0 0,30-2 0,-31 4 0,-1 0 0,1 0 0,0-2 0,-1 1 0,14-7 0,-10 3 0,0 1 0,1 1 0,0 1 0,0 0 0,0 1 0,23-1 0,116 5 0,-66 2 0,-51-4 0,-1 3 0,0 0 0,-1 3 0,52 12 0,37 7 0,-19-5 0,-51-7 0,1-3 0,1-2 0,92-1 0,640-6 0,-771-2 0,-1 0 0,1-1 0,-1-1 0,0-1 0,-1-1 0,26-11 0,-25 9 0,1 1 0,0 0 0,0 2 0,1 0 0,28-2 0,-3 1 0,-1-2 0,0-2 0,0-2 0,74-30 0,-103 35 0,0-1 0,0 0 0,-1-1 0,0-1 0,0 0 0,-1-1 0,-1-1 0,0 0 0,0-1 0,-1 0 0,-1-1 0,0 0 0,-1-1 0,-1 0 0,14-28 0,-15 23 0,0 1 0,-2-1 0,0-1 0,-1 1 0,-1-1 0,-1 0 0,-1 0 0,-1 0 0,-1-22 0,-1-9 0,2-5 0,-3 1 0,-2 0 0,-3-1 0,-16-64 0,-4-1 0,20 86 0,0 1 0,-2 1 0,-2 0 0,-23-51 0,23 61 0,2-1 0,-13-50 0,15 45 0,-22-52 0,14 50 0,-102-255 0,111 265-273,0 0 0,2-1 0,0 0 0,0-44 0,4 44-6553</inkml:trace>
+</inkml:ink>
+</file>
+
+<file path=ppt/ink/ink3.xml><?xml version="1.0" encoding="utf-8"?>
+<inkml:ink xmlns:inkml="http://www.w3.org/2003/InkML">
+  <inkml:definitions>
+    <inkml:context xml:id="ctx0">
+      <inkml:inkSource xml:id="inkSrc0">
+        <inkml:traceFormat>
+          <inkml:channel name="X" type="integer" min="-2.14748E9" max="2.14748E9" units="cm"/>
+          <inkml:channel name="Y" type="integer" min="-2.14748E9" max="2.14748E9" units="cm"/>
+          <inkml:channel name="F" type="integer" max="32767" units="dev"/>
+        </inkml:traceFormat>
+        <inkml:channelProperties>
+          <inkml:channelProperty channel="X" name="resolution" value="1000" units="1/cm"/>
+          <inkml:channelProperty channel="Y" name="resolution" value="1000" units="1/cm"/>
+          <inkml:channelProperty channel="F" name="resolution" value="0" units="1/dev"/>
+        </inkml:channelProperties>
+      </inkml:inkSource>
+      <inkml:timestamp xml:id="ts0" timeString="2024-09-20T07:51:54.229"/>
+    </inkml:context>
+    <inkml:brush xml:id="br0">
+      <inkml:brushProperty name="width" value="0.035" units="cm"/>
+      <inkml:brushProperty name="height" value="0.035" units="cm"/>
+      <inkml:brushProperty name="color" value="#E71224"/>
+    </inkml:brush>
+  </inkml:definitions>
+  <inkml:trace contextRef="#ctx0" brushRef="#br0">1646 411 24575,'28'-27'0,"2"2"0,1 1 0,62-37 0,111-44 0,-81 44 0,-87 44 0,1 1 0,0 2 0,1 2 0,0 1 0,1 2 0,40-4 0,22 3 0,115 5 0,-180 4 0,0 3 0,0 0 0,0 2 0,51 13 0,141 36 0,-125-32 0,123 43 0,59 54 0,48 16 0,-287-117 0,0 2 0,68 41 0,80 63 0,-126-78 0,42 27 0,-2-4 0,133 110 0,-185-123 0,-2 2 0,84 117 0,-109-132 0,-2 2 0,-2 0 0,-1 1 0,-3 2 0,-2 0 0,21 78 0,-22-50 0,-4 0 0,-3 0 0,3 132 0,-14-111 0,-4 0 0,-4-1 0,-4 0 0,-26 95 0,23-131 0,-4 0 0,-2-1 0,-2-1 0,-3-1 0,-2-1 0,-3-2 0,-53 71 0,-18 11 0,-92 114 0,138-182 0,-117 132 0,136-160 0,-3-2 0,-81 59 0,74-64 0,-2-3 0,-1-1 0,-1-3 0,-1-2 0,-1-3 0,-100 25 0,83-31 0,-1-3 0,-99 3 0,-147-15 0,156-2 0,-1-6 0,-181-34 0,335 42 0,-379-66 0,330 56 0,-293-63 0,214 42 0,2-5 0,-232-98 0,-289-156 0,581 259 0,1-3 0,1-3 0,-106-77 0,151 95 0,1-1 0,0-1 0,2-2 0,1 0 0,1-1 0,1-2 0,1 0 0,1-1 0,2-1 0,1 0 0,-18-47 0,21 28 0,2-1 0,2 0 0,-4-96 0,13 139 0,-5-49 0,3 0 0,3 0 0,1 0 0,3 0 0,3 0 0,2 1 0,2 0 0,27-72 0,35-70 0,-15 36 0,102-194 0,-121 280 0,97-166 0,-110 197 0,3 1 0,1 2 0,51-50 0,-39 47 0,-24 22 0,1 2 0,1 0 0,36-25 0,-19 17 0,-30 20 0,0 1 0,1 0 0,0 1 0,0 0 0,0 0 0,1 1 0,18-6 0,-19 8 0,1-1 0,-1 0 0,0-1 0,0 0 0,0 0 0,-1 0 0,1-1 0,-1-1 0,14-11 0,-6 7 0,0 0 0,0 1 0,1 1 0,0 0 0,1 1 0,-1 1 0,1 1 0,1 1 0,34-5 0,-38 8 0,4 0 0,0-1 0,0-1 0,-1-1 0,1 0 0,30-12 0,-39 12-97,0 0-1,0-1 1,0 0-1,0-1 1,-1 0-1,0 0 1,-1-1-1,1 0 1,-1 0-1,0-1 1,-1 0-1,0-1 0,7-11 1,-4 2-6729</inkml:trace>
+</inkml:ink>
+</file>
+
+<file path=ppt/ink/ink4.xml><?xml version="1.0" encoding="utf-8"?>
+<inkml:ink xmlns:inkml="http://www.w3.org/2003/InkML">
+  <inkml:definitions>
+    <inkml:context xml:id="ctx0">
+      <inkml:inkSource xml:id="inkSrc0">
+        <inkml:traceFormat>
+          <inkml:channel name="X" type="integer" min="-2.14748E9" max="2.14748E9" units="cm"/>
+          <inkml:channel name="Y" type="integer" min="-2.14748E9" max="2.14748E9" units="cm"/>
+          <inkml:channel name="F" type="integer" max="32767" units="dev"/>
+        </inkml:traceFormat>
+        <inkml:channelProperties>
+          <inkml:channelProperty channel="X" name="resolution" value="1000" units="1/cm"/>
+          <inkml:channelProperty channel="Y" name="resolution" value="1000" units="1/cm"/>
+          <inkml:channelProperty channel="F" name="resolution" value="0" units="1/dev"/>
+        </inkml:channelProperties>
+      </inkml:inkSource>
+      <inkml:timestamp xml:id="ts0" timeString="2024-09-20T07:51:59.417"/>
+    </inkml:context>
+    <inkml:brush xml:id="br0">
+      <inkml:brushProperty name="width" value="0.035" units="cm"/>
+      <inkml:brushProperty name="height" value="0.035" units="cm"/>
+      <inkml:brushProperty name="color" value="#E71224"/>
+    </inkml:brush>
+  </inkml:definitions>
+  <inkml:trace contextRef="#ctx0" brushRef="#br0">1851 130 24575,'118'-6'0,"188"-32"0,-90 7 0,906-23 0,-609 74 0,-269 7 0,-170-14 0,-38-6 0,59 4 0,-68-9 0,0 2 0,0 0 0,0 2 0,-1 1 0,30 13 0,125 60 0,-172-76 0,135 71 0,156 109 0,-231-133 0,-1 3 0,92 96 0,-85-73 0,108 142 0,-152-175 0,-2 1 0,-2 2 0,-2 1 0,-1 0 0,20 68 0,-28-49 0,-2 0 0,-4 2 0,-3-1 0,-1 72 0,-4-94 0,-1 1 0,-2 0 0,-3-1 0,-1 1 0,-17 65 0,-49 99 0,-147 301 0,144-363 0,-7-3 0,-156 212 0,102-175 0,-438 553 0,541-699 0,-1-1 0,-2-1 0,-1-2 0,-2-2 0,-1-1 0,-1-2 0,-2-2 0,-1-2 0,0-1 0,-2-3 0,-77 25 0,-8-10 0,-2-6 0,-1-6 0,-227 11 0,260-34 0,0-4 0,-146-26 0,-189-65 0,-69-67 0,133-16 0,214 96 0,80 40 0,1-5 0,3-2 0,-74-66 0,31 25 0,-75-65 0,-84-71 0,47 42 0,191 150 0,2-1 0,1-2 0,2-2 0,2-1 0,-47-81 0,57 84 0,2 0 0,1-2 0,2 0 0,2-1 0,1 0 0,2-1 0,-6-58 0,13 57 0,2 0 0,2 0 0,2 0 0,1 0 0,2 0 0,3 1 0,0 0 0,21-52 0,41-97 0,109-351 0,-152 433 0,4 1 0,52-110 0,-50 139 0,4 3 0,59-90 0,-73 130 0,87-139 0,-103 160 0,2 0 0,0 0 0,1 1 0,0 0 0,1 1 0,0 0 0,1 1 0,0 0 0,17-10 0,20-9 0,71-31 0,-96 49 0,69-24 0,10-5 0,-77 30 0,0 1 0,1 1 0,0 1 0,48-6 0,6-2 0,-21 4-102,-38 8 177,-1 0 0,38-14 0,-52 15-210,0-1-1,0-1 1,0 1 0,0-1 0,-1 0-1,0-1 1,0 1 0,0-2 0,-1 1-1,9-11 1,-6 4-6691</inkml:trace>
+</inkml:ink>
+</file>
+
 <file path=ppt/slideLayouts/slideLayout1.xml><?xml version="1.0" encoding="utf-8"?>
 <p:sldLayout xmlns:a="http://schemas.openxmlformats.org/drawingml/2006/main" xmlns:r="http://schemas.openxmlformats.org/officeDocument/2006/relationships" xmlns:p="http://schemas.openxmlformats.org/presentationml/2006/main" type="title" preserve="1">
   <p:cSld name="Titelfolie">
@@ -268,7 +382,7 @@
           <a:p>
             <a:fld id="{3BCABD5B-4322-4492-B4C0-5F6A8BB4905E}" type="datetimeFigureOut">
               <a:rPr lang="de-AT" smtClean="0"/>
-              <a:t>16.09.2024</a:t>
+              <a:t>20.09.2024</a:t>
             </a:fld>
             <a:endParaRPr lang="de-AT"/>
           </a:p>
@@ -468,7 +582,7 @@
           <a:p>
             <a:fld id="{3BCABD5B-4322-4492-B4C0-5F6A8BB4905E}" type="datetimeFigureOut">
               <a:rPr lang="de-AT" smtClean="0"/>
-              <a:t>16.09.2024</a:t>
+              <a:t>20.09.2024</a:t>
             </a:fld>
             <a:endParaRPr lang="de-AT"/>
           </a:p>
@@ -678,7 +792,7 @@
           <a:p>
             <a:fld id="{3BCABD5B-4322-4492-B4C0-5F6A8BB4905E}" type="datetimeFigureOut">
               <a:rPr lang="de-AT" smtClean="0"/>
-              <a:t>16.09.2024</a:t>
+              <a:t>20.09.2024</a:t>
             </a:fld>
             <a:endParaRPr lang="de-AT"/>
           </a:p>
@@ -878,7 +992,7 @@
           <a:p>
             <a:fld id="{3BCABD5B-4322-4492-B4C0-5F6A8BB4905E}" type="datetimeFigureOut">
               <a:rPr lang="de-AT" smtClean="0"/>
-              <a:t>16.09.2024</a:t>
+              <a:t>20.09.2024</a:t>
             </a:fld>
             <a:endParaRPr lang="de-AT"/>
           </a:p>
@@ -1154,7 +1268,7 @@
           <a:p>
             <a:fld id="{3BCABD5B-4322-4492-B4C0-5F6A8BB4905E}" type="datetimeFigureOut">
               <a:rPr lang="de-AT" smtClean="0"/>
-              <a:t>16.09.2024</a:t>
+              <a:t>20.09.2024</a:t>
             </a:fld>
             <a:endParaRPr lang="de-AT"/>
           </a:p>
@@ -1422,7 +1536,7 @@
           <a:p>
             <a:fld id="{3BCABD5B-4322-4492-B4C0-5F6A8BB4905E}" type="datetimeFigureOut">
               <a:rPr lang="de-AT" smtClean="0"/>
-              <a:t>16.09.2024</a:t>
+              <a:t>20.09.2024</a:t>
             </a:fld>
             <a:endParaRPr lang="de-AT"/>
           </a:p>
@@ -1837,7 +1951,7 @@
           <a:p>
             <a:fld id="{3BCABD5B-4322-4492-B4C0-5F6A8BB4905E}" type="datetimeFigureOut">
               <a:rPr lang="de-AT" smtClean="0"/>
-              <a:t>16.09.2024</a:t>
+              <a:t>20.09.2024</a:t>
             </a:fld>
             <a:endParaRPr lang="de-AT"/>
           </a:p>
@@ -1979,7 +2093,7 @@
           <a:p>
             <a:fld id="{3BCABD5B-4322-4492-B4C0-5F6A8BB4905E}" type="datetimeFigureOut">
               <a:rPr lang="de-AT" smtClean="0"/>
-              <a:t>16.09.2024</a:t>
+              <a:t>20.09.2024</a:t>
             </a:fld>
             <a:endParaRPr lang="de-AT"/>
           </a:p>
@@ -2092,7 +2206,7 @@
           <a:p>
             <a:fld id="{3BCABD5B-4322-4492-B4C0-5F6A8BB4905E}" type="datetimeFigureOut">
               <a:rPr lang="de-AT" smtClean="0"/>
-              <a:t>16.09.2024</a:t>
+              <a:t>20.09.2024</a:t>
             </a:fld>
             <a:endParaRPr lang="de-AT"/>
           </a:p>
@@ -2405,7 +2519,7 @@
           <a:p>
             <a:fld id="{3BCABD5B-4322-4492-B4C0-5F6A8BB4905E}" type="datetimeFigureOut">
               <a:rPr lang="de-AT" smtClean="0"/>
-              <a:t>16.09.2024</a:t>
+              <a:t>20.09.2024</a:t>
             </a:fld>
             <a:endParaRPr lang="de-AT"/>
           </a:p>
@@ -2694,7 +2808,7 @@
           <a:p>
             <a:fld id="{3BCABD5B-4322-4492-B4C0-5F6A8BB4905E}" type="datetimeFigureOut">
               <a:rPr lang="de-AT" smtClean="0"/>
-              <a:t>16.09.2024</a:t>
+              <a:t>20.09.2024</a:t>
             </a:fld>
             <a:endParaRPr lang="de-AT"/>
           </a:p>
@@ -2937,7 +3051,7 @@
           <a:p>
             <a:fld id="{3BCABD5B-4322-4492-B4C0-5F6A8BB4905E}" type="datetimeFigureOut">
               <a:rPr lang="de-AT" smtClean="0"/>
-              <a:t>16.09.2024</a:t>
+              <a:t>20.09.2024</a:t>
             </a:fld>
             <a:endParaRPr lang="de-AT"/>
           </a:p>
@@ -3865,6 +3979,125 @@
 </p:sld>
 </file>
 
+<file path=ppt/slides/slide10.xml><?xml version="1.0" encoding="utf-8"?>
+<p:sld xmlns:a="http://schemas.openxmlformats.org/drawingml/2006/main" xmlns:r="http://schemas.openxmlformats.org/officeDocument/2006/relationships" xmlns:p="http://schemas.openxmlformats.org/presentationml/2006/main">
+  <p:cSld>
+    <p:spTree>
+      <p:nvGrpSpPr>
+        <p:cNvPr id="1" name=""/>
+        <p:cNvGrpSpPr/>
+        <p:nvPr/>
+      </p:nvGrpSpPr>
+      <p:grpSpPr>
+        <a:xfrm>
+          <a:off x="0" y="0"/>
+          <a:ext cx="0" cy="0"/>
+          <a:chOff x="0" y="0"/>
+          <a:chExt cx="0" cy="0"/>
+        </a:xfrm>
+      </p:grpSpPr>
+      <p:sp>
+        <p:nvSpPr>
+          <p:cNvPr id="2" name="Titel 1">
+            <a:extLst>
+              <a:ext uri="{FF2B5EF4-FFF2-40B4-BE49-F238E27FC236}">
+                <a16:creationId xmlns:a16="http://schemas.microsoft.com/office/drawing/2014/main" id="{7FA67194-D06C-CF97-62C1-4BAF0A2A4457}"/>
+              </a:ext>
+            </a:extLst>
+          </p:cNvPr>
+          <p:cNvSpPr>
+            <a:spLocks noGrp="1"/>
+          </p:cNvSpPr>
+          <p:nvPr>
+            <p:ph type="title"/>
+          </p:nvPr>
+        </p:nvSpPr>
+        <p:spPr/>
+        <p:txBody>
+          <a:bodyPr/>
+          <a:lstStyle/>
+          <a:p>
+            <a:r>
+              <a:rPr lang="de-AT" dirty="0"/>
+              <a:t>Quellen</a:t>
+            </a:r>
+          </a:p>
+        </p:txBody>
+      </p:sp>
+      <p:sp>
+        <p:nvSpPr>
+          <p:cNvPr id="3" name="Inhaltsplatzhalter 2">
+            <a:extLst>
+              <a:ext uri="{FF2B5EF4-FFF2-40B4-BE49-F238E27FC236}">
+                <a16:creationId xmlns:a16="http://schemas.microsoft.com/office/drawing/2014/main" id="{56971805-ED61-CF46-2175-A699E532993E}"/>
+              </a:ext>
+            </a:extLst>
+          </p:cNvPr>
+          <p:cNvSpPr>
+            <a:spLocks noGrp="1"/>
+          </p:cNvSpPr>
+          <p:nvPr>
+            <p:ph idx="1"/>
+          </p:nvPr>
+        </p:nvSpPr>
+        <p:spPr/>
+        <p:txBody>
+          <a:bodyPr/>
+          <a:lstStyle/>
+          <a:p>
+            <a:r>
+              <a:rPr lang="de-AT" dirty="0">
+                <a:hlinkClick r:id="rId2"/>
+              </a:rPr>
+              <a:t>https://www.ionos.de/digitalguide/websites/web-entwicklung/was-sind-design-patterns/</a:t>
+            </a:r>
+            <a:endParaRPr lang="de-AT" dirty="0"/>
+          </a:p>
+          <a:p>
+            <a:r>
+              <a:rPr lang="de-AT" dirty="0">
+                <a:hlinkClick r:id="rId3"/>
+              </a:rPr>
+              <a:t>https://refactoring.guru/design-patterns/builder</a:t>
+            </a:r>
+            <a:endParaRPr lang="de-AT" dirty="0"/>
+          </a:p>
+          <a:p>
+            <a:r>
+              <a:rPr lang="de-AT" dirty="0">
+                <a:hlinkClick r:id="rId4"/>
+              </a:rPr>
+              <a:t>https://seism0saurus.de/posts/design-pattern-builder/</a:t>
+            </a:r>
+            <a:endParaRPr lang="de-AT" dirty="0"/>
+          </a:p>
+          <a:p>
+            <a:r>
+              <a:rPr lang="de-AT" dirty="0">
+                <a:hlinkClick r:id="rId5"/>
+              </a:rPr>
+              <a:t>https://www.geeksforgeeks.org/builder-design-pattern/</a:t>
+            </a:r>
+            <a:endParaRPr lang="de-AT" dirty="0"/>
+          </a:p>
+          <a:p>
+            <a:endParaRPr lang="de-AT" dirty="0"/>
+          </a:p>
+        </p:txBody>
+      </p:sp>
+    </p:spTree>
+    <p:extLst>
+      <p:ext uri="{BB962C8B-B14F-4D97-AF65-F5344CB8AC3E}">
+        <p14:creationId xmlns:p14="http://schemas.microsoft.com/office/powerpoint/2010/main" val="1772238068"/>
+      </p:ext>
+    </p:extLst>
+  </p:cSld>
+  <p:clrMapOvr>
+    <a:masterClrMapping/>
+  </p:clrMapOvr>
+</p:sld>
+</file>
+
 <file path=ppt/slides/slide2.xml><?xml version="1.0" encoding="utf-8"?>
 <p:sld xmlns:a="http://schemas.openxmlformats.org/drawingml/2006/main" xmlns:r="http://schemas.openxmlformats.org/officeDocument/2006/relationships" xmlns:p="http://schemas.openxmlformats.org/presentationml/2006/main">
   <p:cSld>
@@ -4511,21 +4744,21 @@
           <a:lstStyle/>
           <a:p>
             <a:r>
-              <a:rPr lang="de-DE" sz="1700"/>
+              <a:rPr lang="de-DE" sz="1700" dirty="0"/>
               <a:t>Gruppe: Erzeugungsmuster</a:t>
             </a:r>
           </a:p>
           <a:p>
             <a:r>
-              <a:rPr lang="de-DE" sz="1700"/>
+              <a:rPr lang="de-DE" sz="1700" dirty="0"/>
               <a:t>Ziel: Objekte über Hilfsklassen erstellt(nicht normalen Konstruktor)</a:t>
             </a:r>
           </a:p>
           <a:p>
-            <a:endParaRPr lang="de-DE" sz="1700"/>
-          </a:p>
-          <a:p>
-            <a:endParaRPr lang="de-AT" sz="1700"/>
+            <a:endParaRPr lang="de-DE" sz="1700" dirty="0"/>
+          </a:p>
+          <a:p>
+            <a:endParaRPr lang="de-AT" sz="1700" dirty="0"/>
           </a:p>
         </p:txBody>
       </p:sp>
@@ -4610,7 +4843,7 @@
           <p:cNvPr id="2" name="Titel 1">
             <a:extLst>
               <a:ext uri="{FF2B5EF4-FFF2-40B4-BE49-F238E27FC236}">
-                <a16:creationId xmlns:a16="http://schemas.microsoft.com/office/drawing/2014/main" id="{DB3A7654-4EE8-D039-7B6F-2B259CA4C8DE}"/>
+                <a16:creationId xmlns:a16="http://schemas.microsoft.com/office/drawing/2014/main" id="{DB3EDC5A-9912-40AB-7328-BD9F118BBE78}"/>
               </a:ext>
             </a:extLst>
           </p:cNvPr>
@@ -4628,7 +4861,7 @@
           <a:p>
             <a:r>
               <a:rPr lang="de-AT" dirty="0"/>
-              <a:t>Vier verschiedene Akteure </a:t>
+              <a:t>Vor und Nachteile des Builder-Design-Pattern</a:t>
             </a:r>
           </a:p>
         </p:txBody>
@@ -4638,7 +4871,7 @@
           <p:cNvPr id="3" name="Inhaltsplatzhalter 2">
             <a:extLst>
               <a:ext uri="{FF2B5EF4-FFF2-40B4-BE49-F238E27FC236}">
-                <a16:creationId xmlns:a16="http://schemas.microsoft.com/office/drawing/2014/main" id="{7EB7EDD1-ED26-8811-318E-8E7B811DD66D}"/>
+                <a16:creationId xmlns:a16="http://schemas.microsoft.com/office/drawing/2014/main" id="{5A5C9D78-5DB0-41B6-230B-930EBD1E9E50}"/>
               </a:ext>
             </a:extLst>
           </p:cNvPr>
@@ -4646,7 +4879,7 @@
             <a:spLocks noGrp="1"/>
           </p:cNvSpPr>
           <p:nvPr>
-            <p:ph idx="1"/>
+            <p:ph sz="half" idx="1"/>
           </p:nvPr>
         </p:nvSpPr>
         <p:spPr/>
@@ -4654,35 +4887,84 @@
           <a:bodyPr/>
           <a:lstStyle/>
           <a:p>
+            <a:pPr marL="0" indent="0">
+              <a:buNone/>
+            </a:pPr>
+            <a:r>
+              <a:rPr lang="de-AT" b="1" dirty="0"/>
+              <a:t>Vorteile:</a:t>
+            </a:r>
+          </a:p>
+          <a:p>
             <a:r>
               <a:rPr lang="de-AT" dirty="0"/>
-              <a:t>Direktor </a:t>
+              <a:t>Erzeugen des Objektes ist vom Objekt entkoppelt und kann einfacher gestaltet werden</a:t>
             </a:r>
           </a:p>
           <a:p>
             <a:r>
               <a:rPr lang="de-AT" dirty="0"/>
-              <a:t>Erbauer</a:t>
+              <a:t>Der Kunde hat mehr Flexibilität bei der Zusammenstellung</a:t>
+            </a:r>
+          </a:p>
+          <a:p>
+            <a:pPr marL="0" indent="0">
+              <a:buNone/>
+            </a:pPr>
+            <a:endParaRPr lang="de-AT" dirty="0"/>
+          </a:p>
+          <a:p>
+            <a:pPr marL="0" indent="0">
+              <a:buNone/>
+            </a:pPr>
+            <a:endParaRPr lang="de-AT" dirty="0"/>
+          </a:p>
+        </p:txBody>
+      </p:sp>
+      <p:sp>
+        <p:nvSpPr>
+          <p:cNvPr id="4" name="Inhaltsplatzhalter 3">
+            <a:extLst>
+              <a:ext uri="{FF2B5EF4-FFF2-40B4-BE49-F238E27FC236}">
+                <a16:creationId xmlns:a16="http://schemas.microsoft.com/office/drawing/2014/main" id="{A75FF908-8A01-FADE-A017-60B4AF18506E}"/>
+              </a:ext>
+            </a:extLst>
+          </p:cNvPr>
+          <p:cNvSpPr>
+            <a:spLocks noGrp="1"/>
+          </p:cNvSpPr>
+          <p:nvPr>
+            <p:ph sz="half" idx="2"/>
+          </p:nvPr>
+        </p:nvSpPr>
+        <p:spPr/>
+        <p:txBody>
+          <a:bodyPr/>
+          <a:lstStyle/>
+          <a:p>
+            <a:pPr marL="0" indent="0">
+              <a:buNone/>
+            </a:pPr>
+            <a:r>
+              <a:rPr lang="de-AT" b="1" dirty="0"/>
+              <a:t>Nachteile:</a:t>
             </a:r>
           </a:p>
           <a:p>
             <a:r>
               <a:rPr lang="de-AT" dirty="0"/>
-              <a:t>Konkreter Erbauer</a:t>
+              <a:t>Durch die Flexibilität und Entkopplung wird die Komplexität erhöht</a:t>
             </a:r>
           </a:p>
           <a:p>
-            <a:r>
-              <a:rPr lang="de-AT" dirty="0"/>
-              <a:t>Produkt</a:t>
-            </a:r>
+            <a:endParaRPr lang="de-AT" dirty="0"/>
           </a:p>
         </p:txBody>
       </p:sp>
     </p:spTree>
     <p:extLst>
       <p:ext uri="{BB962C8B-B14F-4D97-AF65-F5344CB8AC3E}">
-        <p14:creationId xmlns:p14="http://schemas.microsoft.com/office/powerpoint/2010/main" val="3164638762"/>
+        <p14:creationId xmlns:p14="http://schemas.microsoft.com/office/powerpoint/2010/main" val="1932317565"/>
       </p:ext>
     </p:extLst>
   </p:cSld>
@@ -4695,6 +4977,14 @@
 <file path=ppt/slides/slide4.xml><?xml version="1.0" encoding="utf-8"?>
 <p:sld xmlns:a="http://schemas.openxmlformats.org/drawingml/2006/main" xmlns:r="http://schemas.openxmlformats.org/officeDocument/2006/relationships" xmlns:p="http://schemas.openxmlformats.org/presentationml/2006/main">
   <p:cSld>
+    <p:bg>
+      <p:bgPr>
+        <a:solidFill>
+          <a:schemeClr val="bg1"/>
+        </a:solidFill>
+        <a:effectLst/>
+      </p:bgPr>
+    </p:bg>
     <p:spTree>
       <p:nvGrpSpPr>
         <p:cNvPr id="1" name=""/>
@@ -4709,12 +4999,135 @@
           <a:chExt cx="0" cy="0"/>
         </a:xfrm>
       </p:grpSpPr>
+      <p:sp useBgFill="1">
+        <p:nvSpPr>
+          <p:cNvPr id="10" name="Rectangle 9">
+            <a:extLst>
+              <a:ext uri="{FF2B5EF4-FFF2-40B4-BE49-F238E27FC236}">
+                <a16:creationId xmlns:a16="http://schemas.microsoft.com/office/drawing/2014/main" id="{A3363022-C969-41E9-8EB2-E4C94908C1FA}"/>
+              </a:ext>
+              <a:ext uri="{C183D7F6-B498-43B3-948B-1728B52AA6E4}">
+                <adec:decorative xmlns:adec="http://schemas.microsoft.com/office/drawing/2017/decorative" val="1"/>
+              </a:ext>
+            </a:extLst>
+          </p:cNvPr>
+          <p:cNvSpPr>
+            <a:spLocks noGrp="1" noRot="1" noChangeAspect="1" noMove="1" noResize="1" noEditPoints="1" noAdjustHandles="1" noChangeArrowheads="1" noChangeShapeType="1" noTextEdit="1"/>
+          </p:cNvSpPr>
+          <p:nvPr>
+            <p:extLst>
+              <p:ext uri="{386F3935-93C4-4BCD-93E2-E3B085C9AB24}">
+                <p16:designElem xmlns:p16="http://schemas.microsoft.com/office/powerpoint/2015/main" val="1"/>
+              </p:ext>
+            </p:extLst>
+          </p:nvPr>
+        </p:nvSpPr>
+        <p:spPr>
+          <a:xfrm>
+            <a:off x="0" y="-1"/>
+            <a:ext cx="12191695" cy="6852025"/>
+          </a:xfrm>
+          <a:prstGeom prst="rect">
+            <a:avLst/>
+          </a:prstGeom>
+          <a:ln>
+            <a:noFill/>
+          </a:ln>
+        </p:spPr>
+        <p:style>
+          <a:lnRef idx="2">
+            <a:schemeClr val="accent1">
+              <a:shade val="50000"/>
+            </a:schemeClr>
+          </a:lnRef>
+          <a:fillRef idx="1">
+            <a:schemeClr val="accent1"/>
+          </a:fillRef>
+          <a:effectRef idx="0">
+            <a:schemeClr val="accent1"/>
+          </a:effectRef>
+          <a:fontRef idx="minor">
+            <a:schemeClr val="lt1"/>
+          </a:fontRef>
+        </p:style>
+        <p:txBody>
+          <a:bodyPr rtlCol="0" anchor="ctr"/>
+          <a:lstStyle/>
+          <a:p>
+            <a:pPr algn="ctr"/>
+            <a:endParaRPr lang="en-US"/>
+          </a:p>
+        </p:txBody>
+      </p:sp>
+      <p:sp>
+        <p:nvSpPr>
+          <p:cNvPr id="12" name="Rectangle 11">
+            <a:extLst>
+              <a:ext uri="{FF2B5EF4-FFF2-40B4-BE49-F238E27FC236}">
+                <a16:creationId xmlns:a16="http://schemas.microsoft.com/office/drawing/2014/main" id="{8D1AD6B3-BE88-4CEB-BA17-790657CC4729}"/>
+              </a:ext>
+              <a:ext uri="{C183D7F6-B498-43B3-948B-1728B52AA6E4}">
+                <adec:decorative xmlns:adec="http://schemas.microsoft.com/office/drawing/2017/decorative" val="1"/>
+              </a:ext>
+            </a:extLst>
+          </p:cNvPr>
+          <p:cNvSpPr>
+            <a:spLocks noGrp="1" noRot="1" noChangeAspect="1" noMove="1" noResize="1" noEditPoints="1" noAdjustHandles="1" noChangeArrowheads="1" noChangeShapeType="1" noTextEdit="1"/>
+          </p:cNvSpPr>
+          <p:nvPr>
+            <p:extLst>
+              <p:ext uri="{386F3935-93C4-4BCD-93E2-E3B085C9AB24}">
+                <p16:designElem xmlns:p16="http://schemas.microsoft.com/office/powerpoint/2015/main" val="1"/>
+              </p:ext>
+            </p:extLst>
+          </p:nvPr>
+        </p:nvSpPr>
+        <p:spPr>
+          <a:xfrm>
+            <a:off x="305" y="0"/>
+            <a:ext cx="12191695" cy="6858000"/>
+          </a:xfrm>
+          <a:prstGeom prst="rect">
+            <a:avLst/>
+          </a:prstGeom>
+          <a:solidFill>
+            <a:schemeClr val="bg1"/>
+          </a:solidFill>
+          <a:ln>
+            <a:noFill/>
+          </a:ln>
+        </p:spPr>
+        <p:style>
+          <a:lnRef idx="2">
+            <a:schemeClr val="accent1">
+              <a:shade val="50000"/>
+            </a:schemeClr>
+          </a:lnRef>
+          <a:fillRef idx="1">
+            <a:schemeClr val="accent1"/>
+          </a:fillRef>
+          <a:effectRef idx="0">
+            <a:schemeClr val="accent1"/>
+          </a:effectRef>
+          <a:fontRef idx="minor">
+            <a:schemeClr val="lt1"/>
+          </a:fontRef>
+        </p:style>
+        <p:txBody>
+          <a:bodyPr rtlCol="0" anchor="ctr"/>
+          <a:lstStyle/>
+          <a:p>
+            <a:pPr algn="ctr"/>
+            <a:endParaRPr lang="en-US"/>
+          </a:p>
+        </p:txBody>
+      </p:sp>
       <p:sp>
         <p:nvSpPr>
           <p:cNvPr id="2" name="Titel 1">
             <a:extLst>
               <a:ext uri="{FF2B5EF4-FFF2-40B4-BE49-F238E27FC236}">
-                <a16:creationId xmlns:a16="http://schemas.microsoft.com/office/drawing/2014/main" id="{ADFE0223-8267-6951-0680-8EA83F4AFCAE}"/>
+                <a16:creationId xmlns:a16="http://schemas.microsoft.com/office/drawing/2014/main" id="{0F8760A0-FD0F-71B7-0DA7-09D863786614}"/>
               </a:ext>
             </a:extLst>
           </p:cNvPr>
@@ -4722,27 +5135,39 @@
             <a:spLocks noGrp="1"/>
           </p:cNvSpPr>
           <p:nvPr>
-            <p:ph type="title"/>
+            <p:ph type="ctrTitle"/>
           </p:nvPr>
         </p:nvSpPr>
-        <p:spPr/>
+        <p:spPr>
+          <a:xfrm>
+            <a:off x="6590662" y="4267832"/>
+            <a:ext cx="4805996" cy="1297115"/>
+          </a:xfrm>
+        </p:spPr>
         <p:txBody>
-          <a:bodyPr/>
+          <a:bodyPr anchor="t">
+            <a:normAutofit/>
+          </a:bodyPr>
           <a:lstStyle/>
           <a:p>
+            <a:pPr algn="l"/>
             <a:r>
-              <a:rPr lang="de-AT" dirty="0"/>
-              <a:t>Direktor</a:t>
+              <a:rPr lang="de-AT" sz="4000" dirty="0">
+                <a:solidFill>
+                  <a:schemeClr val="tx2"/>
+                </a:solidFill>
+              </a:rPr>
+              <a:t>Vier Akteure</a:t>
             </a:r>
           </a:p>
         </p:txBody>
       </p:sp>
       <p:sp>
         <p:nvSpPr>
-          <p:cNvPr id="3" name="Inhaltsplatzhalter 2">
-            <a:extLst>
-              <a:ext uri="{FF2B5EF4-FFF2-40B4-BE49-F238E27FC236}">
-                <a16:creationId xmlns:a16="http://schemas.microsoft.com/office/drawing/2014/main" id="{0B53D1E8-7ECA-94B2-31E0-B9392C7E5950}"/>
+          <p:cNvPr id="3" name="Untertitel 2">
+            <a:extLst>
+              <a:ext uri="{FF2B5EF4-FFF2-40B4-BE49-F238E27FC236}">
+                <a16:creationId xmlns:a16="http://schemas.microsoft.com/office/drawing/2014/main" id="{0A121F28-B768-94DE-BC86-493E5DEF7547}"/>
               </a:ext>
             </a:extLst>
           </p:cNvPr>
@@ -4750,34 +5175,2153 @@
             <a:spLocks noGrp="1"/>
           </p:cNvSpPr>
           <p:nvPr>
-            <p:ph idx="1"/>
+            <p:ph type="subTitle" idx="1"/>
           </p:nvPr>
         </p:nvSpPr>
-        <p:spPr/>
+        <p:spPr>
+          <a:xfrm>
+            <a:off x="6590966" y="3428999"/>
+            <a:ext cx="4805691" cy="838831"/>
+          </a:xfrm>
+        </p:spPr>
         <p:txBody>
-          <a:bodyPr/>
+          <a:bodyPr anchor="b">
+            <a:normAutofit/>
+          </a:bodyPr>
           <a:lstStyle/>
           <a:p>
-            <a:r>
-              <a:rPr lang="de-AT" dirty="0"/>
-              <a:t>Konstruiert das komplexe Objekt</a:t>
-            </a:r>
-          </a:p>
-          <a:p>
-            <a:r>
-              <a:rPr lang="de-AT" dirty="0"/>
-              <a:t>Erhält Anforderungen vom Kunden </a:t>
-            </a:r>
-          </a:p>
-          <a:p>
-            <a:endParaRPr lang="de-AT" dirty="0"/>
+            <a:pPr algn="l"/>
+            <a:endParaRPr lang="de-AT" sz="2000">
+              <a:solidFill>
+                <a:schemeClr val="tx2"/>
+              </a:solidFill>
+            </a:endParaRPr>
           </a:p>
         </p:txBody>
       </p:sp>
+      <p:pic>
+        <p:nvPicPr>
+          <p:cNvPr id="7" name="Graphic 6" descr="Benutzer">
+            <a:extLst>
+              <a:ext uri="{FF2B5EF4-FFF2-40B4-BE49-F238E27FC236}">
+                <a16:creationId xmlns:a16="http://schemas.microsoft.com/office/drawing/2014/main" id="{17242083-A116-ED7C-C41A-EC53D5FE9381}"/>
+              </a:ext>
+            </a:extLst>
+          </p:cNvPr>
+          <p:cNvPicPr>
+            <a:picLocks noChangeAspect="1"/>
+          </p:cNvPicPr>
+          <p:nvPr/>
+        </p:nvPicPr>
+        <p:blipFill>
+          <a:blip r:embed="rId2">
+            <a:extLst>
+              <a:ext uri="{28A0092B-C50C-407E-A947-70E740481C1C}">
+                <a14:useLocalDpi xmlns:a14="http://schemas.microsoft.com/office/drawing/2010/main" val="0"/>
+              </a:ext>
+              <a:ext uri="{96DAC541-7B7A-43D3-8B79-37D633B846F1}">
+                <asvg:svgBlip xmlns:asvg="http://schemas.microsoft.com/office/drawing/2016/SVG/main" r:embed="rId3"/>
+              </a:ext>
+            </a:extLst>
+          </a:blip>
+          <a:stretch>
+            <a:fillRect/>
+          </a:stretch>
+        </p:blipFill>
+        <p:spPr>
+          <a:xfrm>
+            <a:off x="340470" y="1815320"/>
+            <a:ext cx="4141760" cy="4141760"/>
+          </a:xfrm>
+          <a:custGeom>
+            <a:avLst/>
+            <a:gdLst/>
+            <a:ahLst/>
+            <a:cxnLst/>
+            <a:rect l="l" t="t" r="r" b="b"/>
+            <a:pathLst>
+              <a:path w="4141760" h="4377846">
+                <a:moveTo>
+                  <a:pt x="0" y="0"/>
+                </a:moveTo>
+                <a:lnTo>
+                  <a:pt x="4141760" y="0"/>
+                </a:lnTo>
+                <a:lnTo>
+                  <a:pt x="4141760" y="4377846"/>
+                </a:lnTo>
+                <a:lnTo>
+                  <a:pt x="0" y="4377846"/>
+                </a:lnTo>
+                <a:close/>
+              </a:path>
+            </a:pathLst>
+          </a:custGeom>
+        </p:spPr>
+      </p:pic>
+      <p:grpSp>
+        <p:nvGrpSpPr>
+          <p:cNvPr id="14" name="Group 13">
+            <a:extLst>
+              <a:ext uri="{FF2B5EF4-FFF2-40B4-BE49-F238E27FC236}">
+                <a16:creationId xmlns:a16="http://schemas.microsoft.com/office/drawing/2014/main" id="{89D1390B-7E13-4B4F-9CB2-391063412E54}"/>
+              </a:ext>
+              <a:ext uri="{C183D7F6-B498-43B3-948B-1728B52AA6E4}">
+                <adec:decorative xmlns:adec="http://schemas.microsoft.com/office/drawing/2017/decorative" val="1"/>
+              </a:ext>
+            </a:extLst>
+          </p:cNvPr>
+          <p:cNvGrpSpPr>
+            <a:grpSpLocks noGrp="1" noUngrp="1" noRot="1" noChangeAspect="1" noMove="1" noResize="1"/>
+          </p:cNvGrpSpPr>
+          <p:nvPr>
+            <p:extLst>
+              <p:ext uri="{386F3935-93C4-4BCD-93E2-E3B085C9AB24}">
+                <p16:designElem xmlns:p16="http://schemas.microsoft.com/office/powerpoint/2015/main" val="1"/>
+              </p:ext>
+            </p:extLst>
+          </p:nvPr>
+        </p:nvGrpSpPr>
+        <p:grpSpPr>
+          <a:xfrm>
+            <a:off x="-4253" y="-5977"/>
+            <a:ext cx="6238675" cy="6863979"/>
+            <a:chOff x="305" y="-5977"/>
+            <a:chExt cx="6238675" cy="6863979"/>
+          </a:xfrm>
+        </p:grpSpPr>
+        <p:sp>
+          <p:nvSpPr>
+            <p:cNvPr id="15" name="Freeform: Shape 14">
+              <a:extLst>
+                <a:ext uri="{FF2B5EF4-FFF2-40B4-BE49-F238E27FC236}">
+                  <a16:creationId xmlns:a16="http://schemas.microsoft.com/office/drawing/2014/main" id="{9E720206-AA49-4786-A932-A2650DE09183}"/>
+                </a:ext>
+                <a:ext uri="{C183D7F6-B498-43B3-948B-1728B52AA6E4}">
+                  <adec:decorative xmlns:adec="http://schemas.microsoft.com/office/drawing/2017/decorative" val="1"/>
+                </a:ext>
+              </a:extLst>
+            </p:cNvPr>
+            <p:cNvSpPr/>
+            <p:nvPr>
+              <p:extLst>
+                <p:ext uri="{386F3935-93C4-4BCD-93E2-E3B085C9AB24}">
+                  <p16:designElem xmlns:p16="http://schemas.microsoft.com/office/powerpoint/2015/main" val="1"/>
+                </p:ext>
+              </p:extLst>
+            </p:nvPr>
+          </p:nvSpPr>
+          <p:spPr>
+            <a:xfrm flipH="1">
+              <a:off x="305" y="34854"/>
+              <a:ext cx="6028697" cy="6817170"/>
+            </a:xfrm>
+            <a:custGeom>
+              <a:avLst/>
+              <a:gdLst>
+                <a:gd name="connsiteX0" fmla="*/ 6028697 w 6028697"/>
+                <a:gd name="connsiteY0" fmla="*/ 6155323 h 6817170"/>
+                <a:gd name="connsiteX1" fmla="*/ 6028697 w 6028697"/>
+                <a:gd name="connsiteY1" fmla="*/ 6817170 h 6817170"/>
+                <a:gd name="connsiteX2" fmla="*/ 5157862 w 6028697"/>
+                <a:gd name="connsiteY2" fmla="*/ 6817170 h 6817170"/>
+                <a:gd name="connsiteX3" fmla="*/ 5347156 w 6028697"/>
+                <a:gd name="connsiteY3" fmla="*/ 6687553 h 6817170"/>
+                <a:gd name="connsiteX4" fmla="*/ 5487470 w 6028697"/>
+                <a:gd name="connsiteY4" fmla="*/ 6581714 h 6817170"/>
+                <a:gd name="connsiteX5" fmla="*/ 5627642 w 6028697"/>
+                <a:gd name="connsiteY5" fmla="*/ 6472328 h 6817170"/>
+                <a:gd name="connsiteX6" fmla="*/ 5911392 w 6028697"/>
+                <a:gd name="connsiteY6" fmla="*/ 6245328 h 6817170"/>
+                <a:gd name="connsiteX7" fmla="*/ 4481066 w 6028697"/>
+                <a:gd name="connsiteY7" fmla="*/ 478 h 6817170"/>
+                <a:gd name="connsiteX8" fmla="*/ 4672258 w 6028697"/>
+                <a:gd name="connsiteY8" fmla="*/ 7519 h 6817170"/>
+                <a:gd name="connsiteX9" fmla="*/ 5429869 w 6028697"/>
+                <a:gd name="connsiteY9" fmla="*/ 125134 h 6817170"/>
+                <a:gd name="connsiteX10" fmla="*/ 5976319 w 6028697"/>
+                <a:gd name="connsiteY10" fmla="*/ 314893 h 6817170"/>
+                <a:gd name="connsiteX11" fmla="*/ 6028697 w 6028697"/>
+                <a:gd name="connsiteY11" fmla="*/ 339901 h 6817170"/>
+                <a:gd name="connsiteX12" fmla="*/ 6028697 w 6028697"/>
+                <a:gd name="connsiteY12" fmla="*/ 732458 h 6817170"/>
+                <a:gd name="connsiteX13" fmla="*/ 5990985 w 6028697"/>
+                <a:gd name="connsiteY13" fmla="*/ 712211 h 6817170"/>
+                <a:gd name="connsiteX14" fmla="*/ 5341339 w 6028697"/>
+                <a:gd name="connsiteY14" fmla="*/ 475281 h 6817170"/>
+                <a:gd name="connsiteX15" fmla="*/ 4651969 w 6028697"/>
+                <a:gd name="connsiteY15" fmla="*/ 377104 h 6817170"/>
+                <a:gd name="connsiteX16" fmla="*/ 3953093 w 6028697"/>
+                <a:gd name="connsiteY16" fmla="*/ 402498 h 6817170"/>
+                <a:gd name="connsiteX17" fmla="*/ 3267413 w 6028697"/>
+                <a:gd name="connsiteY17" fmla="*/ 546643 h 6817170"/>
+                <a:gd name="connsiteX18" fmla="*/ 1439498 w 6028697"/>
+                <a:gd name="connsiteY18" fmla="*/ 1568141 h 6817170"/>
+                <a:gd name="connsiteX19" fmla="*/ 960671 w 6028697"/>
+                <a:gd name="connsiteY19" fmla="*/ 2082013 h 6817170"/>
+                <a:gd name="connsiteX20" fmla="*/ 581866 w 6028697"/>
+                <a:gd name="connsiteY20" fmla="*/ 2672638 h 6817170"/>
+                <a:gd name="connsiteX21" fmla="*/ 324789 w 6028697"/>
+                <a:gd name="connsiteY21" fmla="*/ 3325262 h 6817170"/>
+                <a:gd name="connsiteX22" fmla="*/ 231151 w 6028697"/>
+                <a:gd name="connsiteY22" fmla="*/ 4022292 h 6817170"/>
+                <a:gd name="connsiteX23" fmla="*/ 270592 w 6028697"/>
+                <a:gd name="connsiteY23" fmla="*/ 4362792 h 6817170"/>
+                <a:gd name="connsiteX24" fmla="*/ 387213 w 6028697"/>
+                <a:gd name="connsiteY24" fmla="*/ 4681585 h 6817170"/>
+                <a:gd name="connsiteX25" fmla="*/ 468507 w 6028697"/>
+                <a:gd name="connsiteY25" fmla="*/ 4831546 h 6817170"/>
+                <a:gd name="connsiteX26" fmla="*/ 561862 w 6028697"/>
+                <a:gd name="connsiteY26" fmla="*/ 4976826 h 6817170"/>
+                <a:gd name="connsiteX27" fmla="*/ 777511 w 6028697"/>
+                <a:gd name="connsiteY27" fmla="*/ 5257597 h 6817170"/>
+                <a:gd name="connsiteX28" fmla="*/ 1010895 w 6028697"/>
+                <a:gd name="connsiteY28" fmla="*/ 5540494 h 6817170"/>
+                <a:gd name="connsiteX29" fmla="*/ 1126948 w 6028697"/>
+                <a:gd name="connsiteY29" fmla="*/ 5688186 h 6817170"/>
+                <a:gd name="connsiteX30" fmla="*/ 1182706 w 6028697"/>
+                <a:gd name="connsiteY30" fmla="*/ 5760543 h 6817170"/>
+                <a:gd name="connsiteX31" fmla="*/ 1237327 w 6028697"/>
+                <a:gd name="connsiteY31" fmla="*/ 5830060 h 6817170"/>
+                <a:gd name="connsiteX32" fmla="*/ 1706649 w 6028697"/>
+                <a:gd name="connsiteY32" fmla="*/ 6342797 h 6817170"/>
+                <a:gd name="connsiteX33" fmla="*/ 1956207 w 6028697"/>
+                <a:gd name="connsiteY33" fmla="*/ 6573484 h 6817170"/>
+                <a:gd name="connsiteX34" fmla="*/ 2217681 w 6028697"/>
+                <a:gd name="connsiteY34" fmla="*/ 6786297 h 6817170"/>
+                <a:gd name="connsiteX35" fmla="*/ 2260820 w 6028697"/>
+                <a:gd name="connsiteY35" fmla="*/ 6817170 h 6817170"/>
+                <a:gd name="connsiteX36" fmla="*/ 1429497 w 6028697"/>
+                <a:gd name="connsiteY36" fmla="*/ 6817170 h 6817170"/>
+                <a:gd name="connsiteX37" fmla="*/ 1327275 w 6028697"/>
+                <a:gd name="connsiteY37" fmla="*/ 6713800 h 6817170"/>
+                <a:gd name="connsiteX38" fmla="*/ 1080556 w 6028697"/>
+                <a:gd name="connsiteY38" fmla="*/ 6414443 h 6817170"/>
+                <a:gd name="connsiteX39" fmla="*/ 865189 w 6028697"/>
+                <a:gd name="connsiteY39" fmla="*/ 6097496 h 6817170"/>
+                <a:gd name="connsiteX40" fmla="*/ 814823 w 6028697"/>
+                <a:gd name="connsiteY40" fmla="*/ 6016911 h 6817170"/>
+                <a:gd name="connsiteX41" fmla="*/ 766729 w 6028697"/>
+                <a:gd name="connsiteY41" fmla="*/ 5938453 h 6817170"/>
+                <a:gd name="connsiteX42" fmla="*/ 671672 w 6028697"/>
+                <a:gd name="connsiteY42" fmla="*/ 5786648 h 6817170"/>
+                <a:gd name="connsiteX43" fmla="*/ 474608 w 6028697"/>
+                <a:gd name="connsiteY43" fmla="*/ 5474664 h 6817170"/>
+                <a:gd name="connsiteX44" fmla="*/ 282652 w 6028697"/>
+                <a:gd name="connsiteY44" fmla="*/ 5146508 h 6817170"/>
+                <a:gd name="connsiteX45" fmla="*/ 196108 w 6028697"/>
+                <a:gd name="connsiteY45" fmla="*/ 4972712 h 6817170"/>
+                <a:gd name="connsiteX46" fmla="*/ 122474 w 6028697"/>
+                <a:gd name="connsiteY46" fmla="*/ 4791821 h 6817170"/>
+                <a:gd name="connsiteX47" fmla="*/ 65724 w 6028697"/>
+                <a:gd name="connsiteY47" fmla="*/ 4603129 h 6817170"/>
+                <a:gd name="connsiteX48" fmla="*/ 44727 w 6028697"/>
+                <a:gd name="connsiteY48" fmla="*/ 4506937 h 6817170"/>
+                <a:gd name="connsiteX49" fmla="*/ 35505 w 6028697"/>
+                <a:gd name="connsiteY49" fmla="*/ 4458699 h 6817170"/>
+                <a:gd name="connsiteX50" fmla="*/ 27845 w 6028697"/>
+                <a:gd name="connsiteY50" fmla="*/ 4410320 h 6817170"/>
+                <a:gd name="connsiteX51" fmla="*/ 37 w 6028697"/>
+                <a:gd name="connsiteY51" fmla="*/ 4022292 h 6817170"/>
+                <a:gd name="connsiteX52" fmla="*/ 78777 w 6028697"/>
+                <a:gd name="connsiteY52" fmla="*/ 3267236 h 6817170"/>
+                <a:gd name="connsiteX53" fmla="*/ 315424 w 6028697"/>
+                <a:gd name="connsiteY53" fmla="*/ 2543673 h 6817170"/>
+                <a:gd name="connsiteX54" fmla="*/ 1202710 w 6028697"/>
+                <a:gd name="connsiteY54" fmla="*/ 1314895 h 6817170"/>
+                <a:gd name="connsiteX55" fmla="*/ 1791065 w 6028697"/>
+                <a:gd name="connsiteY55" fmla="*/ 833514 h 6817170"/>
+                <a:gd name="connsiteX56" fmla="*/ 3908404 w 6028697"/>
+                <a:gd name="connsiteY56" fmla="*/ 29794 h 6817170"/>
+                <a:gd name="connsiteX57" fmla="*/ 4481066 w 6028697"/>
+                <a:gd name="connsiteY57" fmla="*/ 478 h 6817170"/>
+              </a:gdLst>
+              <a:ahLst/>
+              <a:cxnLst>
+                <a:cxn ang="0">
+                  <a:pos x="connsiteX0" y="connsiteY0"/>
+                </a:cxn>
+                <a:cxn ang="0">
+                  <a:pos x="connsiteX1" y="connsiteY1"/>
+                </a:cxn>
+                <a:cxn ang="0">
+                  <a:pos x="connsiteX2" y="connsiteY2"/>
+                </a:cxn>
+                <a:cxn ang="0">
+                  <a:pos x="connsiteX3" y="connsiteY3"/>
+                </a:cxn>
+                <a:cxn ang="0">
+                  <a:pos x="connsiteX4" y="connsiteY4"/>
+                </a:cxn>
+                <a:cxn ang="0">
+                  <a:pos x="connsiteX5" y="connsiteY5"/>
+                </a:cxn>
+                <a:cxn ang="0">
+                  <a:pos x="connsiteX6" y="connsiteY6"/>
+                </a:cxn>
+                <a:cxn ang="0">
+                  <a:pos x="connsiteX7" y="connsiteY7"/>
+                </a:cxn>
+                <a:cxn ang="0">
+                  <a:pos x="connsiteX8" y="connsiteY8"/>
+                </a:cxn>
+                <a:cxn ang="0">
+                  <a:pos x="connsiteX9" y="connsiteY9"/>
+                </a:cxn>
+                <a:cxn ang="0">
+                  <a:pos x="connsiteX10" y="connsiteY10"/>
+                </a:cxn>
+                <a:cxn ang="0">
+                  <a:pos x="connsiteX11" y="connsiteY11"/>
+                </a:cxn>
+                <a:cxn ang="0">
+                  <a:pos x="connsiteX12" y="connsiteY12"/>
+                </a:cxn>
+                <a:cxn ang="0">
+                  <a:pos x="connsiteX13" y="connsiteY13"/>
+                </a:cxn>
+                <a:cxn ang="0">
+                  <a:pos x="connsiteX14" y="connsiteY14"/>
+                </a:cxn>
+                <a:cxn ang="0">
+                  <a:pos x="connsiteX15" y="connsiteY15"/>
+                </a:cxn>
+                <a:cxn ang="0">
+                  <a:pos x="connsiteX16" y="connsiteY16"/>
+                </a:cxn>
+                <a:cxn ang="0">
+                  <a:pos x="connsiteX17" y="connsiteY17"/>
+                </a:cxn>
+                <a:cxn ang="0">
+                  <a:pos x="connsiteX18" y="connsiteY18"/>
+                </a:cxn>
+                <a:cxn ang="0">
+                  <a:pos x="connsiteX19" y="connsiteY19"/>
+                </a:cxn>
+                <a:cxn ang="0">
+                  <a:pos x="connsiteX20" y="connsiteY20"/>
+                </a:cxn>
+                <a:cxn ang="0">
+                  <a:pos x="connsiteX21" y="connsiteY21"/>
+                </a:cxn>
+                <a:cxn ang="0">
+                  <a:pos x="connsiteX22" y="connsiteY22"/>
+                </a:cxn>
+                <a:cxn ang="0">
+                  <a:pos x="connsiteX23" y="connsiteY23"/>
+                </a:cxn>
+                <a:cxn ang="0">
+                  <a:pos x="connsiteX24" y="connsiteY24"/>
+                </a:cxn>
+                <a:cxn ang="0">
+                  <a:pos x="connsiteX25" y="connsiteY25"/>
+                </a:cxn>
+                <a:cxn ang="0">
+                  <a:pos x="connsiteX26" y="connsiteY26"/>
+                </a:cxn>
+                <a:cxn ang="0">
+                  <a:pos x="connsiteX27" y="connsiteY27"/>
+                </a:cxn>
+                <a:cxn ang="0">
+                  <a:pos x="connsiteX28" y="connsiteY28"/>
+                </a:cxn>
+                <a:cxn ang="0">
+                  <a:pos x="connsiteX29" y="connsiteY29"/>
+                </a:cxn>
+                <a:cxn ang="0">
+                  <a:pos x="connsiteX30" y="connsiteY30"/>
+                </a:cxn>
+                <a:cxn ang="0">
+                  <a:pos x="connsiteX31" y="connsiteY31"/>
+                </a:cxn>
+                <a:cxn ang="0">
+                  <a:pos x="connsiteX32" y="connsiteY32"/>
+                </a:cxn>
+                <a:cxn ang="0">
+                  <a:pos x="connsiteX33" y="connsiteY33"/>
+                </a:cxn>
+                <a:cxn ang="0">
+                  <a:pos x="connsiteX34" y="connsiteY34"/>
+                </a:cxn>
+                <a:cxn ang="0">
+                  <a:pos x="connsiteX35" y="connsiteY35"/>
+                </a:cxn>
+                <a:cxn ang="0">
+                  <a:pos x="connsiteX36" y="connsiteY36"/>
+                </a:cxn>
+                <a:cxn ang="0">
+                  <a:pos x="connsiteX37" y="connsiteY37"/>
+                </a:cxn>
+                <a:cxn ang="0">
+                  <a:pos x="connsiteX38" y="connsiteY38"/>
+                </a:cxn>
+                <a:cxn ang="0">
+                  <a:pos x="connsiteX39" y="connsiteY39"/>
+                </a:cxn>
+                <a:cxn ang="0">
+                  <a:pos x="connsiteX40" y="connsiteY40"/>
+                </a:cxn>
+                <a:cxn ang="0">
+                  <a:pos x="connsiteX41" y="connsiteY41"/>
+                </a:cxn>
+                <a:cxn ang="0">
+                  <a:pos x="connsiteX42" y="connsiteY42"/>
+                </a:cxn>
+                <a:cxn ang="0">
+                  <a:pos x="connsiteX43" y="connsiteY43"/>
+                </a:cxn>
+                <a:cxn ang="0">
+                  <a:pos x="connsiteX44" y="connsiteY44"/>
+                </a:cxn>
+                <a:cxn ang="0">
+                  <a:pos x="connsiteX45" y="connsiteY45"/>
+                </a:cxn>
+                <a:cxn ang="0">
+                  <a:pos x="connsiteX46" y="connsiteY46"/>
+                </a:cxn>
+                <a:cxn ang="0">
+                  <a:pos x="connsiteX47" y="connsiteY47"/>
+                </a:cxn>
+                <a:cxn ang="0">
+                  <a:pos x="connsiteX48" y="connsiteY48"/>
+                </a:cxn>
+                <a:cxn ang="0">
+                  <a:pos x="connsiteX49" y="connsiteY49"/>
+                </a:cxn>
+                <a:cxn ang="0">
+                  <a:pos x="connsiteX50" y="connsiteY50"/>
+                </a:cxn>
+                <a:cxn ang="0">
+                  <a:pos x="connsiteX51" y="connsiteY51"/>
+                </a:cxn>
+                <a:cxn ang="0">
+                  <a:pos x="connsiteX52" y="connsiteY52"/>
+                </a:cxn>
+                <a:cxn ang="0">
+                  <a:pos x="connsiteX53" y="connsiteY53"/>
+                </a:cxn>
+                <a:cxn ang="0">
+                  <a:pos x="connsiteX54" y="connsiteY54"/>
+                </a:cxn>
+                <a:cxn ang="0">
+                  <a:pos x="connsiteX55" y="connsiteY55"/>
+                </a:cxn>
+                <a:cxn ang="0">
+                  <a:pos x="connsiteX56" y="connsiteY56"/>
+                </a:cxn>
+                <a:cxn ang="0">
+                  <a:pos x="connsiteX57" y="connsiteY57"/>
+                </a:cxn>
+              </a:cxnLst>
+              <a:rect l="l" t="t" r="r" b="b"/>
+              <a:pathLst>
+                <a:path w="6028697" h="6817170">
+                  <a:moveTo>
+                    <a:pt x="6028697" y="6155323"/>
+                  </a:moveTo>
+                  <a:lnTo>
+                    <a:pt x="6028697" y="6817170"/>
+                  </a:lnTo>
+                  <a:lnTo>
+                    <a:pt x="5157862" y="6817170"/>
+                  </a:lnTo>
+                  <a:lnTo>
+                    <a:pt x="5347156" y="6687553"/>
+                  </a:lnTo>
+                  <a:cubicBezTo>
+                    <a:pt x="5394117" y="6653219"/>
+                    <a:pt x="5440793" y="6617608"/>
+                    <a:pt x="5487470" y="6581714"/>
+                  </a:cubicBezTo>
+                  <a:cubicBezTo>
+                    <a:pt x="5534147" y="6545820"/>
+                    <a:pt x="5580966" y="6509358"/>
+                    <a:pt x="5627642" y="6472328"/>
+                  </a:cubicBezTo>
+                  <a:lnTo>
+                    <a:pt x="5911392" y="6245328"/>
+                  </a:lnTo>
+                  <a:close/>
+                  <a:moveTo>
+                    <a:pt x="4481066" y="478"/>
+                  </a:moveTo>
+                  <a:cubicBezTo>
+                    <a:pt x="4544817" y="1422"/>
+                    <a:pt x="4608563" y="3769"/>
+                    <a:pt x="4672258" y="7519"/>
+                  </a:cubicBezTo>
+                  <a:cubicBezTo>
+                    <a:pt x="4927973" y="22364"/>
+                    <a:pt x="5181687" y="61751"/>
+                    <a:pt x="5429869" y="125134"/>
+                  </a:cubicBezTo>
+                  <a:cubicBezTo>
+                    <a:pt x="5617090" y="173104"/>
+                    <a:pt x="5799867" y="236595"/>
+                    <a:pt x="5976319" y="314893"/>
+                  </a:cubicBezTo>
+                  <a:lnTo>
+                    <a:pt x="6028697" y="339901"/>
+                  </a:lnTo>
+                  <a:lnTo>
+                    <a:pt x="6028697" y="732458"/>
+                  </a:lnTo>
+                  <a:lnTo>
+                    <a:pt x="5990985" y="712211"/>
+                  </a:lnTo>
+                  <a:cubicBezTo>
+                    <a:pt x="5783917" y="609342"/>
+                    <a:pt x="5566013" y="529876"/>
+                    <a:pt x="5341339" y="475281"/>
+                  </a:cubicBezTo>
+                  <a:cubicBezTo>
+                    <a:pt x="5115233" y="420503"/>
+                    <a:pt x="4884375" y="387624"/>
+                    <a:pt x="4651969" y="377104"/>
+                  </a:cubicBezTo>
+                  <a:cubicBezTo>
+                    <a:pt x="4418713" y="365171"/>
+                    <a:pt x="4184861" y="373670"/>
+                    <a:pt x="3953093" y="402498"/>
+                  </a:cubicBezTo>
+                  <a:cubicBezTo>
+                    <a:pt x="3721001" y="431832"/>
+                    <a:pt x="3491675" y="480040"/>
+                    <a:pt x="3267413" y="546643"/>
+                  </a:cubicBezTo>
+                  <a:cubicBezTo>
+                    <a:pt x="2591323" y="750761"/>
+                    <a:pt x="1967642" y="1099289"/>
+                    <a:pt x="1439498" y="1568141"/>
+                  </a:cubicBezTo>
+                  <a:cubicBezTo>
+                    <a:pt x="1265589" y="1725523"/>
+                    <a:pt x="1105393" y="1897434"/>
+                    <a:pt x="960671" y="2082013"/>
+                  </a:cubicBezTo>
+                  <a:cubicBezTo>
+                    <a:pt x="815775" y="2266294"/>
+                    <a:pt x="688923" y="2464081"/>
+                    <a:pt x="581866" y="2672638"/>
+                  </a:cubicBezTo>
+                  <a:cubicBezTo>
+                    <a:pt x="473765" y="2880669"/>
+                    <a:pt x="387610" y="3099397"/>
+                    <a:pt x="324789" y="3325262"/>
+                  </a:cubicBezTo>
+                  <a:cubicBezTo>
+                    <a:pt x="262714" y="3552403"/>
+                    <a:pt x="231223" y="3786822"/>
+                    <a:pt x="231151" y="4022292"/>
+                  </a:cubicBezTo>
+                  <a:cubicBezTo>
+                    <a:pt x="231413" y="4136912"/>
+                    <a:pt x="244645" y="4251136"/>
+                    <a:pt x="270592" y="4362792"/>
+                  </a:cubicBezTo>
+                  <a:cubicBezTo>
+                    <a:pt x="297885" y="4472943"/>
+                    <a:pt x="336983" y="4579833"/>
+                    <a:pt x="387213" y="4681585"/>
+                  </a:cubicBezTo>
+                  <a:cubicBezTo>
+                    <a:pt x="412042" y="4732517"/>
+                    <a:pt x="439423" y="4782457"/>
+                    <a:pt x="468507" y="4831546"/>
+                  </a:cubicBezTo>
+                  <a:cubicBezTo>
+                    <a:pt x="497591" y="4880636"/>
+                    <a:pt x="529230" y="4929015"/>
+                    <a:pt x="561862" y="4976826"/>
+                  </a:cubicBezTo>
+                  <a:cubicBezTo>
+                    <a:pt x="627975" y="5072166"/>
+                    <a:pt x="701466" y="5164668"/>
+                    <a:pt x="777511" y="5257597"/>
+                  </a:cubicBezTo>
+                  <a:cubicBezTo>
+                    <a:pt x="853556" y="5350524"/>
+                    <a:pt x="933574" y="5443594"/>
+                    <a:pt x="1010895" y="5540494"/>
+                  </a:cubicBezTo>
+                  <a:cubicBezTo>
+                    <a:pt x="1049957" y="5588732"/>
+                    <a:pt x="1088642" y="5637963"/>
+                    <a:pt x="1126948" y="5688186"/>
+                  </a:cubicBezTo>
+                  <a:lnTo>
+                    <a:pt x="1182706" y="5760543"/>
+                  </a:lnTo>
+                  <a:cubicBezTo>
+                    <a:pt x="1201007" y="5783669"/>
+                    <a:pt x="1218458" y="5807503"/>
+                    <a:pt x="1237327" y="5830060"/>
+                  </a:cubicBezTo>
+                  <a:cubicBezTo>
+                    <a:pt x="1383714" y="6009916"/>
+                    <a:pt x="1540413" y="6181116"/>
+                    <a:pt x="1706649" y="6342797"/>
+                  </a:cubicBezTo>
+                  <a:cubicBezTo>
+                    <a:pt x="1788084" y="6422531"/>
+                    <a:pt x="1871265" y="6499427"/>
+                    <a:pt x="1956207" y="6573484"/>
+                  </a:cubicBezTo>
+                  <a:cubicBezTo>
+                    <a:pt x="2041332" y="6647402"/>
+                    <a:pt x="2127733" y="6718907"/>
+                    <a:pt x="2217681" y="6786297"/>
+                  </a:cubicBezTo>
+                  <a:lnTo>
+                    <a:pt x="2260820" y="6817170"/>
+                  </a:lnTo>
+                  <a:lnTo>
+                    <a:pt x="1429497" y="6817170"/>
+                  </a:lnTo>
+                  <a:lnTo>
+                    <a:pt x="1327275" y="6713800"/>
+                  </a:lnTo>
+                  <a:cubicBezTo>
+                    <a:pt x="1239186" y="6618984"/>
+                    <a:pt x="1156797" y="6519019"/>
+                    <a:pt x="1080556" y="6414443"/>
+                  </a:cubicBezTo>
+                  <a:cubicBezTo>
+                    <a:pt x="1004653" y="6310734"/>
+                    <a:pt x="932439" y="6205177"/>
+                    <a:pt x="865189" y="6097496"/>
+                  </a:cubicBezTo>
+                  <a:cubicBezTo>
+                    <a:pt x="847881" y="6070823"/>
+                    <a:pt x="831565" y="6043725"/>
+                    <a:pt x="814823" y="6016911"/>
+                  </a:cubicBezTo>
+                  <a:lnTo>
+                    <a:pt x="766729" y="5938453"/>
+                  </a:lnTo>
+                  <a:cubicBezTo>
+                    <a:pt x="735941" y="5887947"/>
+                    <a:pt x="703878" y="5837581"/>
+                    <a:pt x="671672" y="5786648"/>
+                  </a:cubicBezTo>
+                  <a:lnTo>
+                    <a:pt x="474608" y="5474664"/>
+                  </a:lnTo>
+                  <a:cubicBezTo>
+                    <a:pt x="408778" y="5368968"/>
+                    <a:pt x="343516" y="5260008"/>
+                    <a:pt x="282652" y="5146508"/>
+                  </a:cubicBezTo>
+                  <a:cubicBezTo>
+                    <a:pt x="252290" y="5089759"/>
+                    <a:pt x="223065" y="5032015"/>
+                    <a:pt x="196108" y="4972712"/>
+                  </a:cubicBezTo>
+                  <a:cubicBezTo>
+                    <a:pt x="169152" y="4913408"/>
+                    <a:pt x="144607" y="4853111"/>
+                    <a:pt x="122474" y="4791821"/>
+                  </a:cubicBezTo>
+                  <a:cubicBezTo>
+                    <a:pt x="100342" y="4730532"/>
+                    <a:pt x="81757" y="4666830"/>
+                    <a:pt x="65724" y="4603129"/>
+                  </a:cubicBezTo>
+                  <a:cubicBezTo>
+                    <a:pt x="58205" y="4571064"/>
+                    <a:pt x="50828" y="4539143"/>
+                    <a:pt x="44727" y="4506937"/>
+                  </a:cubicBezTo>
+                  <a:lnTo>
+                    <a:pt x="35505" y="4458699"/>
+                  </a:lnTo>
+                  <a:lnTo>
+                    <a:pt x="27845" y="4410320"/>
+                  </a:lnTo>
+                  <a:cubicBezTo>
+                    <a:pt x="8635" y="4281881"/>
+                    <a:pt x="-661" y="4152150"/>
+                    <a:pt x="37" y="4022292"/>
+                  </a:cubicBezTo>
+                  <a:cubicBezTo>
+                    <a:pt x="712" y="3768592"/>
+                    <a:pt x="27094" y="3515615"/>
+                    <a:pt x="78777" y="3267236"/>
+                  </a:cubicBezTo>
+                  <a:cubicBezTo>
+                    <a:pt x="130048" y="3017876"/>
+                    <a:pt x="209439" y="2775142"/>
+                    <a:pt x="315424" y="2543673"/>
+                  </a:cubicBezTo>
+                  <a:cubicBezTo>
+                    <a:pt x="528236" y="2081161"/>
+                    <a:pt x="838234" y="1667312"/>
+                    <a:pt x="1202710" y="1314895"/>
+                  </a:cubicBezTo>
+                  <a:cubicBezTo>
+                    <a:pt x="1385514" y="1138814"/>
+                    <a:pt x="1582282" y="977831"/>
+                    <a:pt x="1791065" y="833514"/>
+                  </a:cubicBezTo>
+                  <a:cubicBezTo>
+                    <a:pt x="2420037" y="395614"/>
+                    <a:pt x="3147288" y="119557"/>
+                    <a:pt x="3908404" y="29794"/>
+                  </a:cubicBezTo>
+                  <a:cubicBezTo>
+                    <a:pt x="4098509" y="7429"/>
+                    <a:pt x="4289811" y="-2355"/>
+                    <a:pt x="4481066" y="478"/>
+                  </a:cubicBezTo>
+                  <a:close/>
+                </a:path>
+              </a:pathLst>
+            </a:custGeom>
+            <a:gradFill>
+              <a:gsLst>
+                <a:gs pos="2000">
+                  <a:schemeClr val="bg1">
+                    <a:alpha val="10000"/>
+                  </a:schemeClr>
+                </a:gs>
+                <a:gs pos="16000">
+                  <a:schemeClr val="accent6">
+                    <a:alpha val="10000"/>
+                  </a:schemeClr>
+                </a:gs>
+                <a:gs pos="100000">
+                  <a:schemeClr val="bg1">
+                    <a:alpha val="10000"/>
+                  </a:schemeClr>
+                </a:gs>
+                <a:gs pos="85000">
+                  <a:schemeClr val="accent1">
+                    <a:alpha val="10000"/>
+                  </a:schemeClr>
+                </a:gs>
+              </a:gsLst>
+              <a:lin ang="12000000" scaled="0"/>
+            </a:gradFill>
+            <a:ln>
+              <a:noFill/>
+            </a:ln>
+          </p:spPr>
+          <p:style>
+            <a:lnRef idx="2">
+              <a:schemeClr val="accent1">
+                <a:shade val="50000"/>
+              </a:schemeClr>
+            </a:lnRef>
+            <a:fillRef idx="1">
+              <a:schemeClr val="accent1"/>
+            </a:fillRef>
+            <a:effectRef idx="0">
+              <a:schemeClr val="accent1"/>
+            </a:effectRef>
+            <a:fontRef idx="minor">
+              <a:schemeClr val="lt1"/>
+            </a:fontRef>
+          </p:style>
+          <p:txBody>
+            <a:bodyPr rtlCol="0" anchor="ctr"/>
+            <a:lstStyle/>
+            <a:p>
+              <a:pPr algn="ctr"/>
+              <a:endParaRPr lang="en-US" dirty="0"/>
+            </a:p>
+          </p:txBody>
+        </p:sp>
+        <p:sp>
+          <p:nvSpPr>
+            <p:cNvPr id="16" name="Freeform: Shape 15">
+              <a:extLst>
+                <a:ext uri="{FF2B5EF4-FFF2-40B4-BE49-F238E27FC236}">
+                  <a16:creationId xmlns:a16="http://schemas.microsoft.com/office/drawing/2014/main" id="{C72F6EE6-EDE9-45A5-8F6D-02B9B7CB2C2F}"/>
+                </a:ext>
+                <a:ext uri="{C183D7F6-B498-43B3-948B-1728B52AA6E4}">
+                  <adec:decorative xmlns:adec="http://schemas.microsoft.com/office/drawing/2017/decorative" val="1"/>
+                </a:ext>
+              </a:extLst>
+            </p:cNvPr>
+            <p:cNvSpPr/>
+            <p:nvPr>
+              <p:extLst>
+                <p:ext uri="{386F3935-93C4-4BCD-93E2-E3B085C9AB24}">
+                  <p16:designElem xmlns:p16="http://schemas.microsoft.com/office/powerpoint/2015/main" val="1"/>
+                </p:ext>
+              </p:extLst>
+            </p:nvPr>
+          </p:nvSpPr>
+          <p:spPr>
+            <a:xfrm flipH="1">
+              <a:off x="305" y="1"/>
+              <a:ext cx="6165116" cy="6858001"/>
+            </a:xfrm>
+            <a:custGeom>
+              <a:avLst/>
+              <a:gdLst>
+                <a:gd name="connsiteX0" fmla="*/ 6264586 w 6264586"/>
+                <a:gd name="connsiteY0" fmla="*/ 6646464 h 6858001"/>
+                <a:gd name="connsiteX1" fmla="*/ 6264586 w 6264586"/>
+                <a:gd name="connsiteY1" fmla="*/ 6858001 h 6858001"/>
+                <a:gd name="connsiteX2" fmla="*/ 5997170 w 6264586"/>
+                <a:gd name="connsiteY2" fmla="*/ 6858001 h 6858001"/>
+                <a:gd name="connsiteX3" fmla="*/ 6121512 w 6264586"/>
+                <a:gd name="connsiteY3" fmla="*/ 6761029 h 6858001"/>
+                <a:gd name="connsiteX4" fmla="*/ 2693206 w 6264586"/>
+                <a:gd name="connsiteY4" fmla="*/ 0 h 6858001"/>
+                <a:gd name="connsiteX5" fmla="*/ 5872285 w 6264586"/>
+                <a:gd name="connsiteY5" fmla="*/ 0 h 6858001"/>
+                <a:gd name="connsiteX6" fmla="*/ 6024875 w 6264586"/>
+                <a:gd name="connsiteY6" fmla="*/ 68385 h 6858001"/>
+                <a:gd name="connsiteX7" fmla="*/ 6206432 w 6264586"/>
+                <a:gd name="connsiteY7" fmla="*/ 162336 h 6858001"/>
+                <a:gd name="connsiteX8" fmla="*/ 6264586 w 6264586"/>
+                <a:gd name="connsiteY8" fmla="*/ 196704 h 6858001"/>
+                <a:gd name="connsiteX9" fmla="*/ 6264586 w 6264586"/>
+                <a:gd name="connsiteY9" fmla="*/ 537242 h 6858001"/>
+                <a:gd name="connsiteX10" fmla="*/ 6230189 w 6264586"/>
+                <a:gd name="connsiteY10" fmla="*/ 517260 h 6858001"/>
+                <a:gd name="connsiteX11" fmla="*/ 5540536 w 6264586"/>
+                <a:gd name="connsiteY11" fmla="*/ 249543 h 6858001"/>
+                <a:gd name="connsiteX12" fmla="*/ 5178896 w 6264586"/>
+                <a:gd name="connsiteY12" fmla="*/ 178606 h 6858001"/>
+                <a:gd name="connsiteX13" fmla="*/ 4814279 w 6264586"/>
+                <a:gd name="connsiteY13" fmla="*/ 146683 h 6858001"/>
+                <a:gd name="connsiteX14" fmla="*/ 4655095 w 6264586"/>
+                <a:gd name="connsiteY14" fmla="*/ 143421 h 6858001"/>
+                <a:gd name="connsiteX15" fmla="*/ 4081069 w 6264586"/>
+                <a:gd name="connsiteY15" fmla="*/ 185983 h 6858001"/>
+                <a:gd name="connsiteX16" fmla="*/ 3720566 w 6264586"/>
+                <a:gd name="connsiteY16" fmla="*/ 256921 h 6858001"/>
+                <a:gd name="connsiteX17" fmla="*/ 3365879 w 6264586"/>
+                <a:gd name="connsiteY17" fmla="*/ 357651 h 6858001"/>
+                <a:gd name="connsiteX18" fmla="*/ 3020555 w 6264586"/>
+                <a:gd name="connsiteY18" fmla="*/ 486190 h 6858001"/>
+                <a:gd name="connsiteX19" fmla="*/ 2685163 w 6264586"/>
+                <a:gd name="connsiteY19" fmla="*/ 641542 h 6858001"/>
+                <a:gd name="connsiteX20" fmla="*/ 2047720 w 6264586"/>
+                <a:gd name="connsiteY20" fmla="*/ 1025030 h 6858001"/>
+                <a:gd name="connsiteX21" fmla="*/ 1897333 w 6264586"/>
+                <a:gd name="connsiteY21" fmla="*/ 1134983 h 6858001"/>
+                <a:gd name="connsiteX22" fmla="*/ 1835758 w 6264586"/>
+                <a:gd name="connsiteY22" fmla="*/ 1182227 h 6858001"/>
+                <a:gd name="connsiteX23" fmla="*/ 1823273 w 6264586"/>
+                <a:gd name="connsiteY23" fmla="*/ 1192016 h 6858001"/>
+                <a:gd name="connsiteX24" fmla="*/ 1750918 w 6264586"/>
+                <a:gd name="connsiteY24" fmla="*/ 1249760 h 6858001"/>
+                <a:gd name="connsiteX25" fmla="*/ 1469297 w 6264586"/>
+                <a:gd name="connsiteY25" fmla="*/ 1496906 h 6858001"/>
+                <a:gd name="connsiteX26" fmla="*/ 967769 w 6264586"/>
+                <a:gd name="connsiteY26" fmla="*/ 2056602 h 6858001"/>
+                <a:gd name="connsiteX27" fmla="*/ 754105 w 6264586"/>
+                <a:gd name="connsiteY27" fmla="*/ 2368727 h 6858001"/>
+                <a:gd name="connsiteX28" fmla="*/ 572364 w 6264586"/>
+                <a:gd name="connsiteY28" fmla="*/ 2701140 h 6858001"/>
+                <a:gd name="connsiteX29" fmla="*/ 532497 w 6264586"/>
+                <a:gd name="connsiteY29" fmla="*/ 2786265 h 6858001"/>
+                <a:gd name="connsiteX30" fmla="*/ 512918 w 6264586"/>
+                <a:gd name="connsiteY30" fmla="*/ 2828827 h 6858001"/>
+                <a:gd name="connsiteX31" fmla="*/ 494475 w 6264586"/>
+                <a:gd name="connsiteY31" fmla="*/ 2872240 h 6858001"/>
+                <a:gd name="connsiteX32" fmla="*/ 491637 w 6264586"/>
+                <a:gd name="connsiteY32" fmla="*/ 2878908 h 6858001"/>
+                <a:gd name="connsiteX33" fmla="*/ 459290 w 6264586"/>
+                <a:gd name="connsiteY33" fmla="*/ 2959635 h 6858001"/>
+                <a:gd name="connsiteX34" fmla="*/ 446805 w 6264586"/>
+                <a:gd name="connsiteY34" fmla="*/ 2992408 h 6858001"/>
+                <a:gd name="connsiteX35" fmla="*/ 426090 w 6264586"/>
+                <a:gd name="connsiteY35" fmla="*/ 3049158 h 6858001"/>
+                <a:gd name="connsiteX36" fmla="*/ 426090 w 6264586"/>
+                <a:gd name="connsiteY36" fmla="*/ 3049867 h 6858001"/>
+                <a:gd name="connsiteX37" fmla="*/ 318124 w 6264586"/>
+                <a:gd name="connsiteY37" fmla="*/ 3414202 h 6858001"/>
+                <a:gd name="connsiteX38" fmla="*/ 230729 w 6264586"/>
+                <a:gd name="connsiteY38" fmla="*/ 4169260 h 6858001"/>
+                <a:gd name="connsiteX39" fmla="*/ 268893 w 6264586"/>
+                <a:gd name="connsiteY39" fmla="*/ 4544236 h 6858001"/>
+                <a:gd name="connsiteX40" fmla="*/ 379840 w 6264586"/>
+                <a:gd name="connsiteY40" fmla="*/ 4900056 h 6858001"/>
+                <a:gd name="connsiteX41" fmla="*/ 406512 w 6264586"/>
+                <a:gd name="connsiteY41" fmla="*/ 4960211 h 6858001"/>
+                <a:gd name="connsiteX42" fmla="*/ 417862 w 6264586"/>
+                <a:gd name="connsiteY42" fmla="*/ 4984613 h 6858001"/>
+                <a:gd name="connsiteX43" fmla="*/ 428077 w 6264586"/>
+                <a:gd name="connsiteY43" fmla="*/ 5005043 h 6858001"/>
+                <a:gd name="connsiteX44" fmla="*/ 460140 w 6264586"/>
+                <a:gd name="connsiteY44" fmla="*/ 5067327 h 6858001"/>
+                <a:gd name="connsiteX45" fmla="*/ 555197 w 6264586"/>
+                <a:gd name="connsiteY45" fmla="*/ 5229773 h 6858001"/>
+                <a:gd name="connsiteX46" fmla="*/ 660611 w 6264586"/>
+                <a:gd name="connsiteY46" fmla="*/ 5387396 h 6858001"/>
+                <a:gd name="connsiteX47" fmla="*/ 774110 w 6264586"/>
+                <a:gd name="connsiteY47" fmla="*/ 5542182 h 6858001"/>
+                <a:gd name="connsiteX48" fmla="*/ 917829 w 6264586"/>
+                <a:gd name="connsiteY48" fmla="*/ 5727896 h 6858001"/>
+                <a:gd name="connsiteX49" fmla="*/ 1012885 w 6264586"/>
+                <a:gd name="connsiteY49" fmla="*/ 5849767 h 6858001"/>
+                <a:gd name="connsiteX50" fmla="*/ 1133053 w 6264586"/>
+                <a:gd name="connsiteY50" fmla="*/ 6006822 h 6858001"/>
+                <a:gd name="connsiteX51" fmla="*/ 1194343 w 6264586"/>
+                <a:gd name="connsiteY51" fmla="*/ 6090245 h 6858001"/>
+                <a:gd name="connsiteX52" fmla="*/ 1249390 w 6264586"/>
+                <a:gd name="connsiteY52" fmla="*/ 6165155 h 6858001"/>
+                <a:gd name="connsiteX53" fmla="*/ 1345724 w 6264586"/>
+                <a:gd name="connsiteY53" fmla="*/ 6292132 h 6858001"/>
+                <a:gd name="connsiteX54" fmla="*/ 1364310 w 6264586"/>
+                <a:gd name="connsiteY54" fmla="*/ 6316251 h 6858001"/>
+                <a:gd name="connsiteX55" fmla="*/ 1373673 w 6264586"/>
+                <a:gd name="connsiteY55" fmla="*/ 6327885 h 6858001"/>
+                <a:gd name="connsiteX56" fmla="*/ 1484619 w 6264586"/>
+                <a:gd name="connsiteY56" fmla="*/ 6462240 h 6858001"/>
+                <a:gd name="connsiteX57" fmla="*/ 1739000 w 6264586"/>
+                <a:gd name="connsiteY57" fmla="*/ 6737335 h 6858001"/>
+                <a:gd name="connsiteX58" fmla="*/ 1866801 w 6264586"/>
+                <a:gd name="connsiteY58" fmla="*/ 6858001 h 6858001"/>
+                <a:gd name="connsiteX59" fmla="*/ 1144149 w 6264586"/>
+                <a:gd name="connsiteY59" fmla="*/ 6858001 h 6858001"/>
+                <a:gd name="connsiteX60" fmla="*/ 1058349 w 6264586"/>
+                <a:gd name="connsiteY60" fmla="*/ 6766452 h 6858001"/>
+                <a:gd name="connsiteX61" fmla="*/ 580309 w 6264586"/>
+                <a:gd name="connsiteY61" fmla="*/ 6105000 h 6858001"/>
+                <a:gd name="connsiteX62" fmla="*/ 1 w 6264586"/>
+                <a:gd name="connsiteY62" fmla="*/ 3960094 h 6858001"/>
+                <a:gd name="connsiteX63" fmla="*/ 2599292 w 6264586"/>
+                <a:gd name="connsiteY63" fmla="*/ 37050 h 6858001"/>
+              </a:gdLst>
+              <a:ahLst/>
+              <a:cxnLst>
+                <a:cxn ang="0">
+                  <a:pos x="connsiteX0" y="connsiteY0"/>
+                </a:cxn>
+                <a:cxn ang="0">
+                  <a:pos x="connsiteX1" y="connsiteY1"/>
+                </a:cxn>
+                <a:cxn ang="0">
+                  <a:pos x="connsiteX2" y="connsiteY2"/>
+                </a:cxn>
+                <a:cxn ang="0">
+                  <a:pos x="connsiteX3" y="connsiteY3"/>
+                </a:cxn>
+                <a:cxn ang="0">
+                  <a:pos x="connsiteX4" y="connsiteY4"/>
+                </a:cxn>
+                <a:cxn ang="0">
+                  <a:pos x="connsiteX5" y="connsiteY5"/>
+                </a:cxn>
+                <a:cxn ang="0">
+                  <a:pos x="connsiteX6" y="connsiteY6"/>
+                </a:cxn>
+                <a:cxn ang="0">
+                  <a:pos x="connsiteX7" y="connsiteY7"/>
+                </a:cxn>
+                <a:cxn ang="0">
+                  <a:pos x="connsiteX8" y="connsiteY8"/>
+                </a:cxn>
+                <a:cxn ang="0">
+                  <a:pos x="connsiteX9" y="connsiteY9"/>
+                </a:cxn>
+                <a:cxn ang="0">
+                  <a:pos x="connsiteX10" y="connsiteY10"/>
+                </a:cxn>
+                <a:cxn ang="0">
+                  <a:pos x="connsiteX11" y="connsiteY11"/>
+                </a:cxn>
+                <a:cxn ang="0">
+                  <a:pos x="connsiteX12" y="connsiteY12"/>
+                </a:cxn>
+                <a:cxn ang="0">
+                  <a:pos x="connsiteX13" y="connsiteY13"/>
+                </a:cxn>
+                <a:cxn ang="0">
+                  <a:pos x="connsiteX14" y="connsiteY14"/>
+                </a:cxn>
+                <a:cxn ang="0">
+                  <a:pos x="connsiteX15" y="connsiteY15"/>
+                </a:cxn>
+                <a:cxn ang="0">
+                  <a:pos x="connsiteX16" y="connsiteY16"/>
+                </a:cxn>
+                <a:cxn ang="0">
+                  <a:pos x="connsiteX17" y="connsiteY17"/>
+                </a:cxn>
+                <a:cxn ang="0">
+                  <a:pos x="connsiteX18" y="connsiteY18"/>
+                </a:cxn>
+                <a:cxn ang="0">
+                  <a:pos x="connsiteX19" y="connsiteY19"/>
+                </a:cxn>
+                <a:cxn ang="0">
+                  <a:pos x="connsiteX20" y="connsiteY20"/>
+                </a:cxn>
+                <a:cxn ang="0">
+                  <a:pos x="connsiteX21" y="connsiteY21"/>
+                </a:cxn>
+                <a:cxn ang="0">
+                  <a:pos x="connsiteX22" y="connsiteY22"/>
+                </a:cxn>
+                <a:cxn ang="0">
+                  <a:pos x="connsiteX23" y="connsiteY23"/>
+                </a:cxn>
+                <a:cxn ang="0">
+                  <a:pos x="connsiteX24" y="connsiteY24"/>
+                </a:cxn>
+                <a:cxn ang="0">
+                  <a:pos x="connsiteX25" y="connsiteY25"/>
+                </a:cxn>
+                <a:cxn ang="0">
+                  <a:pos x="connsiteX26" y="connsiteY26"/>
+                </a:cxn>
+                <a:cxn ang="0">
+                  <a:pos x="connsiteX27" y="connsiteY27"/>
+                </a:cxn>
+                <a:cxn ang="0">
+                  <a:pos x="connsiteX28" y="connsiteY28"/>
+                </a:cxn>
+                <a:cxn ang="0">
+                  <a:pos x="connsiteX29" y="connsiteY29"/>
+                </a:cxn>
+                <a:cxn ang="0">
+                  <a:pos x="connsiteX30" y="connsiteY30"/>
+                </a:cxn>
+                <a:cxn ang="0">
+                  <a:pos x="connsiteX31" y="connsiteY31"/>
+                </a:cxn>
+                <a:cxn ang="0">
+                  <a:pos x="connsiteX32" y="connsiteY32"/>
+                </a:cxn>
+                <a:cxn ang="0">
+                  <a:pos x="connsiteX33" y="connsiteY33"/>
+                </a:cxn>
+                <a:cxn ang="0">
+                  <a:pos x="connsiteX34" y="connsiteY34"/>
+                </a:cxn>
+                <a:cxn ang="0">
+                  <a:pos x="connsiteX35" y="connsiteY35"/>
+                </a:cxn>
+                <a:cxn ang="0">
+                  <a:pos x="connsiteX36" y="connsiteY36"/>
+                </a:cxn>
+                <a:cxn ang="0">
+                  <a:pos x="connsiteX37" y="connsiteY37"/>
+                </a:cxn>
+                <a:cxn ang="0">
+                  <a:pos x="connsiteX38" y="connsiteY38"/>
+                </a:cxn>
+                <a:cxn ang="0">
+                  <a:pos x="connsiteX39" y="connsiteY39"/>
+                </a:cxn>
+                <a:cxn ang="0">
+                  <a:pos x="connsiteX40" y="connsiteY40"/>
+                </a:cxn>
+                <a:cxn ang="0">
+                  <a:pos x="connsiteX41" y="connsiteY41"/>
+                </a:cxn>
+                <a:cxn ang="0">
+                  <a:pos x="connsiteX42" y="connsiteY42"/>
+                </a:cxn>
+                <a:cxn ang="0">
+                  <a:pos x="connsiteX43" y="connsiteY43"/>
+                </a:cxn>
+                <a:cxn ang="0">
+                  <a:pos x="connsiteX44" y="connsiteY44"/>
+                </a:cxn>
+                <a:cxn ang="0">
+                  <a:pos x="connsiteX45" y="connsiteY45"/>
+                </a:cxn>
+                <a:cxn ang="0">
+                  <a:pos x="connsiteX46" y="connsiteY46"/>
+                </a:cxn>
+                <a:cxn ang="0">
+                  <a:pos x="connsiteX47" y="connsiteY47"/>
+                </a:cxn>
+                <a:cxn ang="0">
+                  <a:pos x="connsiteX48" y="connsiteY48"/>
+                </a:cxn>
+                <a:cxn ang="0">
+                  <a:pos x="connsiteX49" y="connsiteY49"/>
+                </a:cxn>
+                <a:cxn ang="0">
+                  <a:pos x="connsiteX50" y="connsiteY50"/>
+                </a:cxn>
+                <a:cxn ang="0">
+                  <a:pos x="connsiteX51" y="connsiteY51"/>
+                </a:cxn>
+                <a:cxn ang="0">
+                  <a:pos x="connsiteX52" y="connsiteY52"/>
+                </a:cxn>
+                <a:cxn ang="0">
+                  <a:pos x="connsiteX53" y="connsiteY53"/>
+                </a:cxn>
+                <a:cxn ang="0">
+                  <a:pos x="connsiteX54" y="connsiteY54"/>
+                </a:cxn>
+                <a:cxn ang="0">
+                  <a:pos x="connsiteX55" y="connsiteY55"/>
+                </a:cxn>
+                <a:cxn ang="0">
+                  <a:pos x="connsiteX56" y="connsiteY56"/>
+                </a:cxn>
+                <a:cxn ang="0">
+                  <a:pos x="connsiteX57" y="connsiteY57"/>
+                </a:cxn>
+                <a:cxn ang="0">
+                  <a:pos x="connsiteX58" y="connsiteY58"/>
+                </a:cxn>
+                <a:cxn ang="0">
+                  <a:pos x="connsiteX59" y="connsiteY59"/>
+                </a:cxn>
+                <a:cxn ang="0">
+                  <a:pos x="connsiteX60" y="connsiteY60"/>
+                </a:cxn>
+                <a:cxn ang="0">
+                  <a:pos x="connsiteX61" y="connsiteY61"/>
+                </a:cxn>
+                <a:cxn ang="0">
+                  <a:pos x="connsiteX62" y="connsiteY62"/>
+                </a:cxn>
+                <a:cxn ang="0">
+                  <a:pos x="connsiteX63" y="connsiteY63"/>
+                </a:cxn>
+              </a:cxnLst>
+              <a:rect l="l" t="t" r="r" b="b"/>
+              <a:pathLst>
+                <a:path w="6264586" h="6858001">
+                  <a:moveTo>
+                    <a:pt x="6264586" y="6646464"/>
+                  </a:moveTo>
+                  <a:lnTo>
+                    <a:pt x="6264586" y="6858001"/>
+                  </a:lnTo>
+                  <a:lnTo>
+                    <a:pt x="5997170" y="6858001"/>
+                  </a:lnTo>
+                  <a:lnTo>
+                    <a:pt x="6121512" y="6761029"/>
+                  </a:lnTo>
+                  <a:close/>
+                  <a:moveTo>
+                    <a:pt x="2693206" y="0"/>
+                  </a:moveTo>
+                  <a:lnTo>
+                    <a:pt x="5872285" y="0"/>
+                  </a:lnTo>
+                  <a:lnTo>
+                    <a:pt x="6024875" y="68385"/>
+                  </a:lnTo>
+                  <a:cubicBezTo>
+                    <a:pt x="6086250" y="97989"/>
+                    <a:pt x="6146793" y="129318"/>
+                    <a:pt x="6206432" y="162336"/>
+                  </a:cubicBezTo>
+                  <a:lnTo>
+                    <a:pt x="6264586" y="196704"/>
+                  </a:lnTo>
+                  <a:lnTo>
+                    <a:pt x="6264586" y="537242"/>
+                  </a:lnTo>
+                  <a:lnTo>
+                    <a:pt x="6230189" y="517260"/>
+                  </a:lnTo>
+                  <a:cubicBezTo>
+                    <a:pt x="6012226" y="399931"/>
+                    <a:pt x="5780573" y="310008"/>
+                    <a:pt x="5540536" y="249543"/>
+                  </a:cubicBezTo>
+                  <a:cubicBezTo>
+                    <a:pt x="5421375" y="219324"/>
+                    <a:pt x="5300641" y="195644"/>
+                    <a:pt x="5178896" y="178606"/>
+                  </a:cubicBezTo>
+                  <a:cubicBezTo>
+                    <a:pt x="5057977" y="161840"/>
+                    <a:pt x="4936276" y="151186"/>
+                    <a:pt x="4814279" y="146683"/>
+                  </a:cubicBezTo>
+                  <a:cubicBezTo>
+                    <a:pt x="4761501" y="144556"/>
+                    <a:pt x="4708015" y="143421"/>
+                    <a:pt x="4655095" y="143421"/>
+                  </a:cubicBezTo>
+                  <a:cubicBezTo>
+                    <a:pt x="4462968" y="143573"/>
+                    <a:pt x="4271111" y="157799"/>
+                    <a:pt x="4081069" y="185983"/>
+                  </a:cubicBezTo>
+                  <a:cubicBezTo>
+                    <a:pt x="3956361" y="205703"/>
+                    <a:pt x="3835058" y="229396"/>
+                    <a:pt x="3720566" y="256921"/>
+                  </a:cubicBezTo>
+                  <a:cubicBezTo>
+                    <a:pt x="3596708" y="286714"/>
+                    <a:pt x="3477677" y="320905"/>
+                    <a:pt x="3365879" y="357651"/>
+                  </a:cubicBezTo>
+                  <a:cubicBezTo>
+                    <a:pt x="3249257" y="395958"/>
+                    <a:pt x="3133487" y="438945"/>
+                    <a:pt x="3020555" y="486190"/>
+                  </a:cubicBezTo>
+                  <a:cubicBezTo>
+                    <a:pt x="2907623" y="533434"/>
+                    <a:pt x="2794832" y="585786"/>
+                    <a:pt x="2685163" y="641542"/>
+                  </a:cubicBezTo>
+                  <a:cubicBezTo>
+                    <a:pt x="2463995" y="754348"/>
+                    <a:pt x="2250998" y="882488"/>
+                    <a:pt x="2047720" y="1025030"/>
+                  </a:cubicBezTo>
+                  <a:cubicBezTo>
+                    <a:pt x="2006151" y="1054399"/>
+                    <a:pt x="1951528" y="1093415"/>
+                    <a:pt x="1897333" y="1134983"/>
+                  </a:cubicBezTo>
+                  <a:cubicBezTo>
+                    <a:pt x="1876761" y="1150164"/>
+                    <a:pt x="1855905" y="1166479"/>
+                    <a:pt x="1835758" y="1182227"/>
+                  </a:cubicBezTo>
+                  <a:lnTo>
+                    <a:pt x="1823273" y="1192016"/>
+                  </a:lnTo>
+                  <a:cubicBezTo>
+                    <a:pt x="1797027" y="1211879"/>
+                    <a:pt x="1772057" y="1232309"/>
+                    <a:pt x="1750918" y="1249760"/>
+                  </a:cubicBezTo>
+                  <a:cubicBezTo>
+                    <a:pt x="1645931" y="1335737"/>
+                    <a:pt x="1554422" y="1416605"/>
+                    <a:pt x="1469297" y="1496906"/>
+                  </a:cubicBezTo>
+                  <a:cubicBezTo>
+                    <a:pt x="1286595" y="1668957"/>
+                    <a:pt x="1118818" y="1856190"/>
+                    <a:pt x="967769" y="2056602"/>
+                  </a:cubicBezTo>
+                  <a:cubicBezTo>
+                    <a:pt x="890731" y="2159603"/>
+                    <a:pt x="818800" y="2264590"/>
+                    <a:pt x="754105" y="2368727"/>
+                  </a:cubicBezTo>
+                  <a:cubicBezTo>
+                    <a:pt x="681749" y="2488328"/>
+                    <a:pt x="622304" y="2596720"/>
+                    <a:pt x="572364" y="2701140"/>
+                  </a:cubicBezTo>
+                  <a:cubicBezTo>
+                    <a:pt x="557609" y="2730507"/>
+                    <a:pt x="543989" y="2760443"/>
+                    <a:pt x="532497" y="2786265"/>
+                  </a:cubicBezTo>
+                  <a:lnTo>
+                    <a:pt x="512918" y="2828827"/>
+                  </a:lnTo>
+                  <a:lnTo>
+                    <a:pt x="494475" y="2872240"/>
+                  </a:lnTo>
+                  <a:lnTo>
+                    <a:pt x="491637" y="2878908"/>
+                  </a:lnTo>
+                  <a:cubicBezTo>
+                    <a:pt x="480146" y="2906575"/>
+                    <a:pt x="469220" y="2932821"/>
+                    <a:pt x="459290" y="2959635"/>
+                  </a:cubicBezTo>
+                  <a:cubicBezTo>
+                    <a:pt x="455176" y="2970559"/>
+                    <a:pt x="451060" y="2981484"/>
+                    <a:pt x="446805" y="2992408"/>
+                  </a:cubicBezTo>
+                  <a:cubicBezTo>
+                    <a:pt x="439427" y="3012412"/>
+                    <a:pt x="432333" y="3030572"/>
+                    <a:pt x="426090" y="3049158"/>
+                  </a:cubicBezTo>
+                  <a:lnTo>
+                    <a:pt x="426090" y="3049867"/>
+                  </a:lnTo>
+                  <a:cubicBezTo>
+                    <a:pt x="383010" y="3169099"/>
+                    <a:pt x="346959" y="3290756"/>
+                    <a:pt x="318124" y="3414202"/>
+                  </a:cubicBezTo>
+                  <a:cubicBezTo>
+                    <a:pt x="260107" y="3661703"/>
+                    <a:pt x="230780" y="3915049"/>
+                    <a:pt x="230729" y="4169260"/>
+                  </a:cubicBezTo>
+                  <a:cubicBezTo>
+                    <a:pt x="231621" y="4295173"/>
+                    <a:pt x="244398" y="4420719"/>
+                    <a:pt x="268893" y="4544236"/>
+                  </a:cubicBezTo>
+                  <a:cubicBezTo>
+                    <a:pt x="293708" y="4666304"/>
+                    <a:pt x="330882" y="4785521"/>
+                    <a:pt x="379840" y="4900056"/>
+                  </a:cubicBezTo>
+                  <a:cubicBezTo>
+                    <a:pt x="387926" y="4919919"/>
+                    <a:pt x="397006" y="4939498"/>
+                    <a:pt x="406512" y="4960211"/>
+                  </a:cubicBezTo>
+                  <a:cubicBezTo>
+                    <a:pt x="410343" y="4968299"/>
+                    <a:pt x="414173" y="4976385"/>
+                    <a:pt x="417862" y="4984613"/>
+                  </a:cubicBezTo>
+                  <a:lnTo>
+                    <a:pt x="428077" y="5005043"/>
+                  </a:lnTo>
+                  <a:cubicBezTo>
+                    <a:pt x="438860" y="5026751"/>
+                    <a:pt x="449075" y="5047181"/>
+                    <a:pt x="460140" y="5067327"/>
+                  </a:cubicBezTo>
+                  <a:cubicBezTo>
+                    <a:pt x="485536" y="5116273"/>
+                    <a:pt x="514763" y="5165789"/>
+                    <a:pt x="555197" y="5229773"/>
+                  </a:cubicBezTo>
+                  <a:cubicBezTo>
+                    <a:pt x="586836" y="5280282"/>
+                    <a:pt x="620318" y="5329511"/>
+                    <a:pt x="660611" y="5387396"/>
+                  </a:cubicBezTo>
+                  <a:cubicBezTo>
+                    <a:pt x="698065" y="5440741"/>
+                    <a:pt x="737223" y="5493094"/>
+                    <a:pt x="774110" y="5542182"/>
+                  </a:cubicBezTo>
+                  <a:cubicBezTo>
+                    <a:pt x="821070" y="5604324"/>
+                    <a:pt x="870301" y="5667173"/>
+                    <a:pt x="917829" y="5727896"/>
+                  </a:cubicBezTo>
+                  <a:cubicBezTo>
+                    <a:pt x="949042" y="5767762"/>
+                    <a:pt x="979828" y="5807063"/>
+                    <a:pt x="1012885" y="5849767"/>
+                  </a:cubicBezTo>
+                  <a:cubicBezTo>
+                    <a:pt x="1045942" y="5892471"/>
+                    <a:pt x="1089497" y="5948796"/>
+                    <a:pt x="1133053" y="6006822"/>
+                  </a:cubicBezTo>
+                  <a:cubicBezTo>
+                    <a:pt x="1153624" y="6034345"/>
+                    <a:pt x="1175332" y="6063998"/>
+                    <a:pt x="1194343" y="6090245"/>
+                  </a:cubicBezTo>
+                  <a:cubicBezTo>
+                    <a:pt x="1213355" y="6116491"/>
+                    <a:pt x="1231372" y="6141178"/>
+                    <a:pt x="1249390" y="6165155"/>
+                  </a:cubicBezTo>
+                  <a:cubicBezTo>
+                    <a:pt x="1280461" y="6208000"/>
+                    <a:pt x="1313659" y="6250847"/>
+                    <a:pt x="1345724" y="6292132"/>
+                  </a:cubicBezTo>
+                  <a:lnTo>
+                    <a:pt x="1364310" y="6316251"/>
+                  </a:lnTo>
+                  <a:lnTo>
+                    <a:pt x="1373673" y="6327885"/>
+                  </a:lnTo>
+                  <a:cubicBezTo>
+                    <a:pt x="1409566" y="6372433"/>
+                    <a:pt x="1446738" y="6418542"/>
+                    <a:pt x="1484619" y="6462240"/>
+                  </a:cubicBezTo>
+                  <a:cubicBezTo>
+                    <a:pt x="1567899" y="6559850"/>
+                    <a:pt x="1653876" y="6652211"/>
+                    <a:pt x="1739000" y="6737335"/>
+                  </a:cubicBezTo>
+                  <a:lnTo>
+                    <a:pt x="1866801" y="6858001"/>
+                  </a:lnTo>
+                  <a:lnTo>
+                    <a:pt x="1144149" y="6858001"/>
+                  </a:lnTo>
+                  <a:lnTo>
+                    <a:pt x="1058349" y="6766452"/>
+                  </a:lnTo>
+                  <a:cubicBezTo>
+                    <a:pt x="878978" y="6562465"/>
+                    <a:pt x="718756" y="6341104"/>
+                    <a:pt x="580309" y="6105000"/>
+                  </a:cubicBezTo>
+                  <a:cubicBezTo>
+                    <a:pt x="200401" y="5454007"/>
+                    <a:pt x="146" y="4713831"/>
+                    <a:pt x="1" y="3960094"/>
+                  </a:cubicBezTo>
+                  <a:cubicBezTo>
+                    <a:pt x="-335" y="2196754"/>
+                    <a:pt x="1071479" y="683605"/>
+                    <a:pt x="2599292" y="37050"/>
+                  </a:cubicBezTo>
+                  <a:close/>
+                </a:path>
+              </a:pathLst>
+            </a:custGeom>
+            <a:gradFill>
+              <a:gsLst>
+                <a:gs pos="2000">
+                  <a:schemeClr val="bg1">
+                    <a:alpha val="10000"/>
+                  </a:schemeClr>
+                </a:gs>
+                <a:gs pos="16000">
+                  <a:schemeClr val="accent6">
+                    <a:alpha val="10000"/>
+                  </a:schemeClr>
+                </a:gs>
+                <a:gs pos="100000">
+                  <a:schemeClr val="bg1">
+                    <a:alpha val="10000"/>
+                  </a:schemeClr>
+                </a:gs>
+                <a:gs pos="85000">
+                  <a:schemeClr val="accent1">
+                    <a:alpha val="10000"/>
+                  </a:schemeClr>
+                </a:gs>
+              </a:gsLst>
+              <a:lin ang="12000000" scaled="0"/>
+            </a:gradFill>
+            <a:ln>
+              <a:noFill/>
+            </a:ln>
+          </p:spPr>
+          <p:style>
+            <a:lnRef idx="2">
+              <a:schemeClr val="accent1">
+                <a:shade val="50000"/>
+              </a:schemeClr>
+            </a:lnRef>
+            <a:fillRef idx="1">
+              <a:schemeClr val="accent1"/>
+            </a:fillRef>
+            <a:effectRef idx="0">
+              <a:schemeClr val="accent1"/>
+            </a:effectRef>
+            <a:fontRef idx="minor">
+              <a:schemeClr val="lt1"/>
+            </a:fontRef>
+          </p:style>
+          <p:txBody>
+            <a:bodyPr rtlCol="0" anchor="ctr"/>
+            <a:lstStyle/>
+            <a:p>
+              <a:pPr algn="ctr"/>
+              <a:endParaRPr lang="en-US" dirty="0"/>
+            </a:p>
+          </p:txBody>
+        </p:sp>
+        <p:sp>
+          <p:nvSpPr>
+            <p:cNvPr id="17" name="Freeform: Shape 16">
+              <a:extLst>
+                <a:ext uri="{FF2B5EF4-FFF2-40B4-BE49-F238E27FC236}">
+                  <a16:creationId xmlns:a16="http://schemas.microsoft.com/office/drawing/2014/main" id="{C093DC50-3BD7-46B1-A300-CD207E152FF4}"/>
+                </a:ext>
+                <a:ext uri="{C183D7F6-B498-43B3-948B-1728B52AA6E4}">
+                  <adec:decorative xmlns:adec="http://schemas.microsoft.com/office/drawing/2017/decorative" val="1"/>
+                </a:ext>
+              </a:extLst>
+            </p:cNvPr>
+            <p:cNvSpPr/>
+            <p:nvPr>
+              <p:extLst>
+                <p:ext uri="{386F3935-93C4-4BCD-93E2-E3B085C9AB24}">
+                  <p16:designElem xmlns:p16="http://schemas.microsoft.com/office/powerpoint/2015/main" val="1"/>
+                </p:ext>
+              </p:extLst>
+            </p:nvPr>
+          </p:nvSpPr>
+          <p:spPr>
+            <a:xfrm flipH="1">
+              <a:off x="305" y="-5977"/>
+              <a:ext cx="6238675" cy="6858001"/>
+            </a:xfrm>
+            <a:custGeom>
+              <a:avLst/>
+              <a:gdLst>
+                <a:gd name="connsiteX0" fmla="*/ 6264586 w 6264586"/>
+                <a:gd name="connsiteY0" fmla="*/ 6646464 h 6858001"/>
+                <a:gd name="connsiteX1" fmla="*/ 6264586 w 6264586"/>
+                <a:gd name="connsiteY1" fmla="*/ 6858001 h 6858001"/>
+                <a:gd name="connsiteX2" fmla="*/ 5997170 w 6264586"/>
+                <a:gd name="connsiteY2" fmla="*/ 6858001 h 6858001"/>
+                <a:gd name="connsiteX3" fmla="*/ 6121512 w 6264586"/>
+                <a:gd name="connsiteY3" fmla="*/ 6761029 h 6858001"/>
+                <a:gd name="connsiteX4" fmla="*/ 2693206 w 6264586"/>
+                <a:gd name="connsiteY4" fmla="*/ 0 h 6858001"/>
+                <a:gd name="connsiteX5" fmla="*/ 5872285 w 6264586"/>
+                <a:gd name="connsiteY5" fmla="*/ 0 h 6858001"/>
+                <a:gd name="connsiteX6" fmla="*/ 6024875 w 6264586"/>
+                <a:gd name="connsiteY6" fmla="*/ 68385 h 6858001"/>
+                <a:gd name="connsiteX7" fmla="*/ 6206432 w 6264586"/>
+                <a:gd name="connsiteY7" fmla="*/ 162336 h 6858001"/>
+                <a:gd name="connsiteX8" fmla="*/ 6264586 w 6264586"/>
+                <a:gd name="connsiteY8" fmla="*/ 196704 h 6858001"/>
+                <a:gd name="connsiteX9" fmla="*/ 6264586 w 6264586"/>
+                <a:gd name="connsiteY9" fmla="*/ 537242 h 6858001"/>
+                <a:gd name="connsiteX10" fmla="*/ 6230189 w 6264586"/>
+                <a:gd name="connsiteY10" fmla="*/ 517260 h 6858001"/>
+                <a:gd name="connsiteX11" fmla="*/ 5540536 w 6264586"/>
+                <a:gd name="connsiteY11" fmla="*/ 249543 h 6858001"/>
+                <a:gd name="connsiteX12" fmla="*/ 5178896 w 6264586"/>
+                <a:gd name="connsiteY12" fmla="*/ 178606 h 6858001"/>
+                <a:gd name="connsiteX13" fmla="*/ 4814279 w 6264586"/>
+                <a:gd name="connsiteY13" fmla="*/ 146683 h 6858001"/>
+                <a:gd name="connsiteX14" fmla="*/ 4655095 w 6264586"/>
+                <a:gd name="connsiteY14" fmla="*/ 143421 h 6858001"/>
+                <a:gd name="connsiteX15" fmla="*/ 4081069 w 6264586"/>
+                <a:gd name="connsiteY15" fmla="*/ 185983 h 6858001"/>
+                <a:gd name="connsiteX16" fmla="*/ 3720566 w 6264586"/>
+                <a:gd name="connsiteY16" fmla="*/ 256921 h 6858001"/>
+                <a:gd name="connsiteX17" fmla="*/ 3365879 w 6264586"/>
+                <a:gd name="connsiteY17" fmla="*/ 357651 h 6858001"/>
+                <a:gd name="connsiteX18" fmla="*/ 3020555 w 6264586"/>
+                <a:gd name="connsiteY18" fmla="*/ 486190 h 6858001"/>
+                <a:gd name="connsiteX19" fmla="*/ 2685163 w 6264586"/>
+                <a:gd name="connsiteY19" fmla="*/ 641542 h 6858001"/>
+                <a:gd name="connsiteX20" fmla="*/ 2047720 w 6264586"/>
+                <a:gd name="connsiteY20" fmla="*/ 1025030 h 6858001"/>
+                <a:gd name="connsiteX21" fmla="*/ 1897333 w 6264586"/>
+                <a:gd name="connsiteY21" fmla="*/ 1134983 h 6858001"/>
+                <a:gd name="connsiteX22" fmla="*/ 1835758 w 6264586"/>
+                <a:gd name="connsiteY22" fmla="*/ 1182227 h 6858001"/>
+                <a:gd name="connsiteX23" fmla="*/ 1823273 w 6264586"/>
+                <a:gd name="connsiteY23" fmla="*/ 1192016 h 6858001"/>
+                <a:gd name="connsiteX24" fmla="*/ 1750918 w 6264586"/>
+                <a:gd name="connsiteY24" fmla="*/ 1249760 h 6858001"/>
+                <a:gd name="connsiteX25" fmla="*/ 1469297 w 6264586"/>
+                <a:gd name="connsiteY25" fmla="*/ 1496906 h 6858001"/>
+                <a:gd name="connsiteX26" fmla="*/ 967769 w 6264586"/>
+                <a:gd name="connsiteY26" fmla="*/ 2056602 h 6858001"/>
+                <a:gd name="connsiteX27" fmla="*/ 754105 w 6264586"/>
+                <a:gd name="connsiteY27" fmla="*/ 2368727 h 6858001"/>
+                <a:gd name="connsiteX28" fmla="*/ 572364 w 6264586"/>
+                <a:gd name="connsiteY28" fmla="*/ 2701140 h 6858001"/>
+                <a:gd name="connsiteX29" fmla="*/ 532497 w 6264586"/>
+                <a:gd name="connsiteY29" fmla="*/ 2786265 h 6858001"/>
+                <a:gd name="connsiteX30" fmla="*/ 512918 w 6264586"/>
+                <a:gd name="connsiteY30" fmla="*/ 2828827 h 6858001"/>
+                <a:gd name="connsiteX31" fmla="*/ 494475 w 6264586"/>
+                <a:gd name="connsiteY31" fmla="*/ 2872240 h 6858001"/>
+                <a:gd name="connsiteX32" fmla="*/ 491637 w 6264586"/>
+                <a:gd name="connsiteY32" fmla="*/ 2878908 h 6858001"/>
+                <a:gd name="connsiteX33" fmla="*/ 459290 w 6264586"/>
+                <a:gd name="connsiteY33" fmla="*/ 2959635 h 6858001"/>
+                <a:gd name="connsiteX34" fmla="*/ 446805 w 6264586"/>
+                <a:gd name="connsiteY34" fmla="*/ 2992408 h 6858001"/>
+                <a:gd name="connsiteX35" fmla="*/ 426090 w 6264586"/>
+                <a:gd name="connsiteY35" fmla="*/ 3049158 h 6858001"/>
+                <a:gd name="connsiteX36" fmla="*/ 426090 w 6264586"/>
+                <a:gd name="connsiteY36" fmla="*/ 3049867 h 6858001"/>
+                <a:gd name="connsiteX37" fmla="*/ 318124 w 6264586"/>
+                <a:gd name="connsiteY37" fmla="*/ 3414202 h 6858001"/>
+                <a:gd name="connsiteX38" fmla="*/ 230729 w 6264586"/>
+                <a:gd name="connsiteY38" fmla="*/ 4169260 h 6858001"/>
+                <a:gd name="connsiteX39" fmla="*/ 268893 w 6264586"/>
+                <a:gd name="connsiteY39" fmla="*/ 4544236 h 6858001"/>
+                <a:gd name="connsiteX40" fmla="*/ 379840 w 6264586"/>
+                <a:gd name="connsiteY40" fmla="*/ 4900056 h 6858001"/>
+                <a:gd name="connsiteX41" fmla="*/ 406512 w 6264586"/>
+                <a:gd name="connsiteY41" fmla="*/ 4960211 h 6858001"/>
+                <a:gd name="connsiteX42" fmla="*/ 417862 w 6264586"/>
+                <a:gd name="connsiteY42" fmla="*/ 4984613 h 6858001"/>
+                <a:gd name="connsiteX43" fmla="*/ 428077 w 6264586"/>
+                <a:gd name="connsiteY43" fmla="*/ 5005043 h 6858001"/>
+                <a:gd name="connsiteX44" fmla="*/ 460140 w 6264586"/>
+                <a:gd name="connsiteY44" fmla="*/ 5067327 h 6858001"/>
+                <a:gd name="connsiteX45" fmla="*/ 555197 w 6264586"/>
+                <a:gd name="connsiteY45" fmla="*/ 5229773 h 6858001"/>
+                <a:gd name="connsiteX46" fmla="*/ 660611 w 6264586"/>
+                <a:gd name="connsiteY46" fmla="*/ 5387396 h 6858001"/>
+                <a:gd name="connsiteX47" fmla="*/ 774110 w 6264586"/>
+                <a:gd name="connsiteY47" fmla="*/ 5542182 h 6858001"/>
+                <a:gd name="connsiteX48" fmla="*/ 917829 w 6264586"/>
+                <a:gd name="connsiteY48" fmla="*/ 5727896 h 6858001"/>
+                <a:gd name="connsiteX49" fmla="*/ 1012885 w 6264586"/>
+                <a:gd name="connsiteY49" fmla="*/ 5849767 h 6858001"/>
+                <a:gd name="connsiteX50" fmla="*/ 1133053 w 6264586"/>
+                <a:gd name="connsiteY50" fmla="*/ 6006822 h 6858001"/>
+                <a:gd name="connsiteX51" fmla="*/ 1194343 w 6264586"/>
+                <a:gd name="connsiteY51" fmla="*/ 6090245 h 6858001"/>
+                <a:gd name="connsiteX52" fmla="*/ 1249390 w 6264586"/>
+                <a:gd name="connsiteY52" fmla="*/ 6165155 h 6858001"/>
+                <a:gd name="connsiteX53" fmla="*/ 1345724 w 6264586"/>
+                <a:gd name="connsiteY53" fmla="*/ 6292132 h 6858001"/>
+                <a:gd name="connsiteX54" fmla="*/ 1364310 w 6264586"/>
+                <a:gd name="connsiteY54" fmla="*/ 6316251 h 6858001"/>
+                <a:gd name="connsiteX55" fmla="*/ 1373673 w 6264586"/>
+                <a:gd name="connsiteY55" fmla="*/ 6327885 h 6858001"/>
+                <a:gd name="connsiteX56" fmla="*/ 1484619 w 6264586"/>
+                <a:gd name="connsiteY56" fmla="*/ 6462240 h 6858001"/>
+                <a:gd name="connsiteX57" fmla="*/ 1739000 w 6264586"/>
+                <a:gd name="connsiteY57" fmla="*/ 6737335 h 6858001"/>
+                <a:gd name="connsiteX58" fmla="*/ 1866801 w 6264586"/>
+                <a:gd name="connsiteY58" fmla="*/ 6858001 h 6858001"/>
+                <a:gd name="connsiteX59" fmla="*/ 1144149 w 6264586"/>
+                <a:gd name="connsiteY59" fmla="*/ 6858001 h 6858001"/>
+                <a:gd name="connsiteX60" fmla="*/ 1058349 w 6264586"/>
+                <a:gd name="connsiteY60" fmla="*/ 6766452 h 6858001"/>
+                <a:gd name="connsiteX61" fmla="*/ 580309 w 6264586"/>
+                <a:gd name="connsiteY61" fmla="*/ 6105000 h 6858001"/>
+                <a:gd name="connsiteX62" fmla="*/ 1 w 6264586"/>
+                <a:gd name="connsiteY62" fmla="*/ 3960094 h 6858001"/>
+                <a:gd name="connsiteX63" fmla="*/ 2599292 w 6264586"/>
+                <a:gd name="connsiteY63" fmla="*/ 37050 h 6858001"/>
+              </a:gdLst>
+              <a:ahLst/>
+              <a:cxnLst>
+                <a:cxn ang="0">
+                  <a:pos x="connsiteX0" y="connsiteY0"/>
+                </a:cxn>
+                <a:cxn ang="0">
+                  <a:pos x="connsiteX1" y="connsiteY1"/>
+                </a:cxn>
+                <a:cxn ang="0">
+                  <a:pos x="connsiteX2" y="connsiteY2"/>
+                </a:cxn>
+                <a:cxn ang="0">
+                  <a:pos x="connsiteX3" y="connsiteY3"/>
+                </a:cxn>
+                <a:cxn ang="0">
+                  <a:pos x="connsiteX4" y="connsiteY4"/>
+                </a:cxn>
+                <a:cxn ang="0">
+                  <a:pos x="connsiteX5" y="connsiteY5"/>
+                </a:cxn>
+                <a:cxn ang="0">
+                  <a:pos x="connsiteX6" y="connsiteY6"/>
+                </a:cxn>
+                <a:cxn ang="0">
+                  <a:pos x="connsiteX7" y="connsiteY7"/>
+                </a:cxn>
+                <a:cxn ang="0">
+                  <a:pos x="connsiteX8" y="connsiteY8"/>
+                </a:cxn>
+                <a:cxn ang="0">
+                  <a:pos x="connsiteX9" y="connsiteY9"/>
+                </a:cxn>
+                <a:cxn ang="0">
+                  <a:pos x="connsiteX10" y="connsiteY10"/>
+                </a:cxn>
+                <a:cxn ang="0">
+                  <a:pos x="connsiteX11" y="connsiteY11"/>
+                </a:cxn>
+                <a:cxn ang="0">
+                  <a:pos x="connsiteX12" y="connsiteY12"/>
+                </a:cxn>
+                <a:cxn ang="0">
+                  <a:pos x="connsiteX13" y="connsiteY13"/>
+                </a:cxn>
+                <a:cxn ang="0">
+                  <a:pos x="connsiteX14" y="connsiteY14"/>
+                </a:cxn>
+                <a:cxn ang="0">
+                  <a:pos x="connsiteX15" y="connsiteY15"/>
+                </a:cxn>
+                <a:cxn ang="0">
+                  <a:pos x="connsiteX16" y="connsiteY16"/>
+                </a:cxn>
+                <a:cxn ang="0">
+                  <a:pos x="connsiteX17" y="connsiteY17"/>
+                </a:cxn>
+                <a:cxn ang="0">
+                  <a:pos x="connsiteX18" y="connsiteY18"/>
+                </a:cxn>
+                <a:cxn ang="0">
+                  <a:pos x="connsiteX19" y="connsiteY19"/>
+                </a:cxn>
+                <a:cxn ang="0">
+                  <a:pos x="connsiteX20" y="connsiteY20"/>
+                </a:cxn>
+                <a:cxn ang="0">
+                  <a:pos x="connsiteX21" y="connsiteY21"/>
+                </a:cxn>
+                <a:cxn ang="0">
+                  <a:pos x="connsiteX22" y="connsiteY22"/>
+                </a:cxn>
+                <a:cxn ang="0">
+                  <a:pos x="connsiteX23" y="connsiteY23"/>
+                </a:cxn>
+                <a:cxn ang="0">
+                  <a:pos x="connsiteX24" y="connsiteY24"/>
+                </a:cxn>
+                <a:cxn ang="0">
+                  <a:pos x="connsiteX25" y="connsiteY25"/>
+                </a:cxn>
+                <a:cxn ang="0">
+                  <a:pos x="connsiteX26" y="connsiteY26"/>
+                </a:cxn>
+                <a:cxn ang="0">
+                  <a:pos x="connsiteX27" y="connsiteY27"/>
+                </a:cxn>
+                <a:cxn ang="0">
+                  <a:pos x="connsiteX28" y="connsiteY28"/>
+                </a:cxn>
+                <a:cxn ang="0">
+                  <a:pos x="connsiteX29" y="connsiteY29"/>
+                </a:cxn>
+                <a:cxn ang="0">
+                  <a:pos x="connsiteX30" y="connsiteY30"/>
+                </a:cxn>
+                <a:cxn ang="0">
+                  <a:pos x="connsiteX31" y="connsiteY31"/>
+                </a:cxn>
+                <a:cxn ang="0">
+                  <a:pos x="connsiteX32" y="connsiteY32"/>
+                </a:cxn>
+                <a:cxn ang="0">
+                  <a:pos x="connsiteX33" y="connsiteY33"/>
+                </a:cxn>
+                <a:cxn ang="0">
+                  <a:pos x="connsiteX34" y="connsiteY34"/>
+                </a:cxn>
+                <a:cxn ang="0">
+                  <a:pos x="connsiteX35" y="connsiteY35"/>
+                </a:cxn>
+                <a:cxn ang="0">
+                  <a:pos x="connsiteX36" y="connsiteY36"/>
+                </a:cxn>
+                <a:cxn ang="0">
+                  <a:pos x="connsiteX37" y="connsiteY37"/>
+                </a:cxn>
+                <a:cxn ang="0">
+                  <a:pos x="connsiteX38" y="connsiteY38"/>
+                </a:cxn>
+                <a:cxn ang="0">
+                  <a:pos x="connsiteX39" y="connsiteY39"/>
+                </a:cxn>
+                <a:cxn ang="0">
+                  <a:pos x="connsiteX40" y="connsiteY40"/>
+                </a:cxn>
+                <a:cxn ang="0">
+                  <a:pos x="connsiteX41" y="connsiteY41"/>
+                </a:cxn>
+                <a:cxn ang="0">
+                  <a:pos x="connsiteX42" y="connsiteY42"/>
+                </a:cxn>
+                <a:cxn ang="0">
+                  <a:pos x="connsiteX43" y="connsiteY43"/>
+                </a:cxn>
+                <a:cxn ang="0">
+                  <a:pos x="connsiteX44" y="connsiteY44"/>
+                </a:cxn>
+                <a:cxn ang="0">
+                  <a:pos x="connsiteX45" y="connsiteY45"/>
+                </a:cxn>
+                <a:cxn ang="0">
+                  <a:pos x="connsiteX46" y="connsiteY46"/>
+                </a:cxn>
+                <a:cxn ang="0">
+                  <a:pos x="connsiteX47" y="connsiteY47"/>
+                </a:cxn>
+                <a:cxn ang="0">
+                  <a:pos x="connsiteX48" y="connsiteY48"/>
+                </a:cxn>
+                <a:cxn ang="0">
+                  <a:pos x="connsiteX49" y="connsiteY49"/>
+                </a:cxn>
+                <a:cxn ang="0">
+                  <a:pos x="connsiteX50" y="connsiteY50"/>
+                </a:cxn>
+                <a:cxn ang="0">
+                  <a:pos x="connsiteX51" y="connsiteY51"/>
+                </a:cxn>
+                <a:cxn ang="0">
+                  <a:pos x="connsiteX52" y="connsiteY52"/>
+                </a:cxn>
+                <a:cxn ang="0">
+                  <a:pos x="connsiteX53" y="connsiteY53"/>
+                </a:cxn>
+                <a:cxn ang="0">
+                  <a:pos x="connsiteX54" y="connsiteY54"/>
+                </a:cxn>
+                <a:cxn ang="0">
+                  <a:pos x="connsiteX55" y="connsiteY55"/>
+                </a:cxn>
+                <a:cxn ang="0">
+                  <a:pos x="connsiteX56" y="connsiteY56"/>
+                </a:cxn>
+                <a:cxn ang="0">
+                  <a:pos x="connsiteX57" y="connsiteY57"/>
+                </a:cxn>
+                <a:cxn ang="0">
+                  <a:pos x="connsiteX58" y="connsiteY58"/>
+                </a:cxn>
+                <a:cxn ang="0">
+                  <a:pos x="connsiteX59" y="connsiteY59"/>
+                </a:cxn>
+                <a:cxn ang="0">
+                  <a:pos x="connsiteX60" y="connsiteY60"/>
+                </a:cxn>
+                <a:cxn ang="0">
+                  <a:pos x="connsiteX61" y="connsiteY61"/>
+                </a:cxn>
+                <a:cxn ang="0">
+                  <a:pos x="connsiteX62" y="connsiteY62"/>
+                </a:cxn>
+                <a:cxn ang="0">
+                  <a:pos x="connsiteX63" y="connsiteY63"/>
+                </a:cxn>
+              </a:cxnLst>
+              <a:rect l="l" t="t" r="r" b="b"/>
+              <a:pathLst>
+                <a:path w="6264586" h="6858001">
+                  <a:moveTo>
+                    <a:pt x="6264586" y="6646464"/>
+                  </a:moveTo>
+                  <a:lnTo>
+                    <a:pt x="6264586" y="6858001"/>
+                  </a:lnTo>
+                  <a:lnTo>
+                    <a:pt x="5997170" y="6858001"/>
+                  </a:lnTo>
+                  <a:lnTo>
+                    <a:pt x="6121512" y="6761029"/>
+                  </a:lnTo>
+                  <a:close/>
+                  <a:moveTo>
+                    <a:pt x="2693206" y="0"/>
+                  </a:moveTo>
+                  <a:lnTo>
+                    <a:pt x="5872285" y="0"/>
+                  </a:lnTo>
+                  <a:lnTo>
+                    <a:pt x="6024875" y="68385"/>
+                  </a:lnTo>
+                  <a:cubicBezTo>
+                    <a:pt x="6086250" y="97989"/>
+                    <a:pt x="6146793" y="129318"/>
+                    <a:pt x="6206432" y="162336"/>
+                  </a:cubicBezTo>
+                  <a:lnTo>
+                    <a:pt x="6264586" y="196704"/>
+                  </a:lnTo>
+                  <a:lnTo>
+                    <a:pt x="6264586" y="537242"/>
+                  </a:lnTo>
+                  <a:lnTo>
+                    <a:pt x="6230189" y="517260"/>
+                  </a:lnTo>
+                  <a:cubicBezTo>
+                    <a:pt x="6012226" y="399931"/>
+                    <a:pt x="5780573" y="310008"/>
+                    <a:pt x="5540536" y="249543"/>
+                  </a:cubicBezTo>
+                  <a:cubicBezTo>
+                    <a:pt x="5421375" y="219324"/>
+                    <a:pt x="5300641" y="195644"/>
+                    <a:pt x="5178896" y="178606"/>
+                  </a:cubicBezTo>
+                  <a:cubicBezTo>
+                    <a:pt x="5057977" y="161840"/>
+                    <a:pt x="4936276" y="151186"/>
+                    <a:pt x="4814279" y="146683"/>
+                  </a:cubicBezTo>
+                  <a:cubicBezTo>
+                    <a:pt x="4761501" y="144556"/>
+                    <a:pt x="4708015" y="143421"/>
+                    <a:pt x="4655095" y="143421"/>
+                  </a:cubicBezTo>
+                  <a:cubicBezTo>
+                    <a:pt x="4462968" y="143573"/>
+                    <a:pt x="4271111" y="157799"/>
+                    <a:pt x="4081069" y="185983"/>
+                  </a:cubicBezTo>
+                  <a:cubicBezTo>
+                    <a:pt x="3956361" y="205703"/>
+                    <a:pt x="3835058" y="229396"/>
+                    <a:pt x="3720566" y="256921"/>
+                  </a:cubicBezTo>
+                  <a:cubicBezTo>
+                    <a:pt x="3596708" y="286714"/>
+                    <a:pt x="3477677" y="320905"/>
+                    <a:pt x="3365879" y="357651"/>
+                  </a:cubicBezTo>
+                  <a:cubicBezTo>
+                    <a:pt x="3249257" y="395958"/>
+                    <a:pt x="3133487" y="438945"/>
+                    <a:pt x="3020555" y="486190"/>
+                  </a:cubicBezTo>
+                  <a:cubicBezTo>
+                    <a:pt x="2907623" y="533434"/>
+                    <a:pt x="2794832" y="585786"/>
+                    <a:pt x="2685163" y="641542"/>
+                  </a:cubicBezTo>
+                  <a:cubicBezTo>
+                    <a:pt x="2463995" y="754348"/>
+                    <a:pt x="2250998" y="882488"/>
+                    <a:pt x="2047720" y="1025030"/>
+                  </a:cubicBezTo>
+                  <a:cubicBezTo>
+                    <a:pt x="2006151" y="1054399"/>
+                    <a:pt x="1951528" y="1093415"/>
+                    <a:pt x="1897333" y="1134983"/>
+                  </a:cubicBezTo>
+                  <a:cubicBezTo>
+                    <a:pt x="1876761" y="1150164"/>
+                    <a:pt x="1855905" y="1166479"/>
+                    <a:pt x="1835758" y="1182227"/>
+                  </a:cubicBezTo>
+                  <a:lnTo>
+                    <a:pt x="1823273" y="1192016"/>
+                  </a:lnTo>
+                  <a:cubicBezTo>
+                    <a:pt x="1797027" y="1211879"/>
+                    <a:pt x="1772057" y="1232309"/>
+                    <a:pt x="1750918" y="1249760"/>
+                  </a:cubicBezTo>
+                  <a:cubicBezTo>
+                    <a:pt x="1645931" y="1335737"/>
+                    <a:pt x="1554422" y="1416605"/>
+                    <a:pt x="1469297" y="1496906"/>
+                  </a:cubicBezTo>
+                  <a:cubicBezTo>
+                    <a:pt x="1286595" y="1668957"/>
+                    <a:pt x="1118818" y="1856190"/>
+                    <a:pt x="967769" y="2056602"/>
+                  </a:cubicBezTo>
+                  <a:cubicBezTo>
+                    <a:pt x="890731" y="2159603"/>
+                    <a:pt x="818800" y="2264590"/>
+                    <a:pt x="754105" y="2368727"/>
+                  </a:cubicBezTo>
+                  <a:cubicBezTo>
+                    <a:pt x="681749" y="2488328"/>
+                    <a:pt x="622304" y="2596720"/>
+                    <a:pt x="572364" y="2701140"/>
+                  </a:cubicBezTo>
+                  <a:cubicBezTo>
+                    <a:pt x="557609" y="2730507"/>
+                    <a:pt x="543989" y="2760443"/>
+                    <a:pt x="532497" y="2786265"/>
+                  </a:cubicBezTo>
+                  <a:lnTo>
+                    <a:pt x="512918" y="2828827"/>
+                  </a:lnTo>
+                  <a:lnTo>
+                    <a:pt x="494475" y="2872240"/>
+                  </a:lnTo>
+                  <a:lnTo>
+                    <a:pt x="491637" y="2878908"/>
+                  </a:lnTo>
+                  <a:cubicBezTo>
+                    <a:pt x="480146" y="2906575"/>
+                    <a:pt x="469220" y="2932821"/>
+                    <a:pt x="459290" y="2959635"/>
+                  </a:cubicBezTo>
+                  <a:cubicBezTo>
+                    <a:pt x="455176" y="2970559"/>
+                    <a:pt x="451060" y="2981484"/>
+                    <a:pt x="446805" y="2992408"/>
+                  </a:cubicBezTo>
+                  <a:cubicBezTo>
+                    <a:pt x="439427" y="3012412"/>
+                    <a:pt x="432333" y="3030572"/>
+                    <a:pt x="426090" y="3049158"/>
+                  </a:cubicBezTo>
+                  <a:lnTo>
+                    <a:pt x="426090" y="3049867"/>
+                  </a:lnTo>
+                  <a:cubicBezTo>
+                    <a:pt x="383010" y="3169099"/>
+                    <a:pt x="346959" y="3290756"/>
+                    <a:pt x="318124" y="3414202"/>
+                  </a:cubicBezTo>
+                  <a:cubicBezTo>
+                    <a:pt x="260107" y="3661703"/>
+                    <a:pt x="230780" y="3915049"/>
+                    <a:pt x="230729" y="4169260"/>
+                  </a:cubicBezTo>
+                  <a:cubicBezTo>
+                    <a:pt x="231621" y="4295173"/>
+                    <a:pt x="244398" y="4420719"/>
+                    <a:pt x="268893" y="4544236"/>
+                  </a:cubicBezTo>
+                  <a:cubicBezTo>
+                    <a:pt x="293708" y="4666304"/>
+                    <a:pt x="330882" y="4785521"/>
+                    <a:pt x="379840" y="4900056"/>
+                  </a:cubicBezTo>
+                  <a:cubicBezTo>
+                    <a:pt x="387926" y="4919919"/>
+                    <a:pt x="397006" y="4939498"/>
+                    <a:pt x="406512" y="4960211"/>
+                  </a:cubicBezTo>
+                  <a:cubicBezTo>
+                    <a:pt x="410343" y="4968299"/>
+                    <a:pt x="414173" y="4976385"/>
+                    <a:pt x="417862" y="4984613"/>
+                  </a:cubicBezTo>
+                  <a:lnTo>
+                    <a:pt x="428077" y="5005043"/>
+                  </a:lnTo>
+                  <a:cubicBezTo>
+                    <a:pt x="438860" y="5026751"/>
+                    <a:pt x="449075" y="5047181"/>
+                    <a:pt x="460140" y="5067327"/>
+                  </a:cubicBezTo>
+                  <a:cubicBezTo>
+                    <a:pt x="485536" y="5116273"/>
+                    <a:pt x="514763" y="5165789"/>
+                    <a:pt x="555197" y="5229773"/>
+                  </a:cubicBezTo>
+                  <a:cubicBezTo>
+                    <a:pt x="586836" y="5280282"/>
+                    <a:pt x="620318" y="5329511"/>
+                    <a:pt x="660611" y="5387396"/>
+                  </a:cubicBezTo>
+                  <a:cubicBezTo>
+                    <a:pt x="698065" y="5440741"/>
+                    <a:pt x="737223" y="5493094"/>
+                    <a:pt x="774110" y="5542182"/>
+                  </a:cubicBezTo>
+                  <a:cubicBezTo>
+                    <a:pt x="821070" y="5604324"/>
+                    <a:pt x="870301" y="5667173"/>
+                    <a:pt x="917829" y="5727896"/>
+                  </a:cubicBezTo>
+                  <a:cubicBezTo>
+                    <a:pt x="949042" y="5767762"/>
+                    <a:pt x="979828" y="5807063"/>
+                    <a:pt x="1012885" y="5849767"/>
+                  </a:cubicBezTo>
+                  <a:cubicBezTo>
+                    <a:pt x="1045942" y="5892471"/>
+                    <a:pt x="1089497" y="5948796"/>
+                    <a:pt x="1133053" y="6006822"/>
+                  </a:cubicBezTo>
+                  <a:cubicBezTo>
+                    <a:pt x="1153624" y="6034345"/>
+                    <a:pt x="1175332" y="6063998"/>
+                    <a:pt x="1194343" y="6090245"/>
+                  </a:cubicBezTo>
+                  <a:cubicBezTo>
+                    <a:pt x="1213355" y="6116491"/>
+                    <a:pt x="1231372" y="6141178"/>
+                    <a:pt x="1249390" y="6165155"/>
+                  </a:cubicBezTo>
+                  <a:cubicBezTo>
+                    <a:pt x="1280461" y="6208000"/>
+                    <a:pt x="1313659" y="6250847"/>
+                    <a:pt x="1345724" y="6292132"/>
+                  </a:cubicBezTo>
+                  <a:lnTo>
+                    <a:pt x="1364310" y="6316251"/>
+                  </a:lnTo>
+                  <a:lnTo>
+                    <a:pt x="1373673" y="6327885"/>
+                  </a:lnTo>
+                  <a:cubicBezTo>
+                    <a:pt x="1409566" y="6372433"/>
+                    <a:pt x="1446738" y="6418542"/>
+                    <a:pt x="1484619" y="6462240"/>
+                  </a:cubicBezTo>
+                  <a:cubicBezTo>
+                    <a:pt x="1567899" y="6559850"/>
+                    <a:pt x="1653876" y="6652211"/>
+                    <a:pt x="1739000" y="6737335"/>
+                  </a:cubicBezTo>
+                  <a:lnTo>
+                    <a:pt x="1866801" y="6858001"/>
+                  </a:lnTo>
+                  <a:lnTo>
+                    <a:pt x="1144149" y="6858001"/>
+                  </a:lnTo>
+                  <a:lnTo>
+                    <a:pt x="1058349" y="6766452"/>
+                  </a:lnTo>
+                  <a:cubicBezTo>
+                    <a:pt x="878978" y="6562465"/>
+                    <a:pt x="718756" y="6341104"/>
+                    <a:pt x="580309" y="6105000"/>
+                  </a:cubicBezTo>
+                  <a:cubicBezTo>
+                    <a:pt x="200401" y="5454007"/>
+                    <a:pt x="146" y="4713831"/>
+                    <a:pt x="1" y="3960094"/>
+                  </a:cubicBezTo>
+                  <a:cubicBezTo>
+                    <a:pt x="-335" y="2196754"/>
+                    <a:pt x="1071479" y="683605"/>
+                    <a:pt x="2599292" y="37050"/>
+                  </a:cubicBezTo>
+                  <a:close/>
+                </a:path>
+              </a:pathLst>
+            </a:custGeom>
+            <a:gradFill>
+              <a:gsLst>
+                <a:gs pos="2000">
+                  <a:schemeClr val="bg1">
+                    <a:alpha val="10000"/>
+                  </a:schemeClr>
+                </a:gs>
+                <a:gs pos="16000">
+                  <a:schemeClr val="accent6">
+                    <a:alpha val="10000"/>
+                  </a:schemeClr>
+                </a:gs>
+                <a:gs pos="100000">
+                  <a:schemeClr val="bg1">
+                    <a:alpha val="10000"/>
+                  </a:schemeClr>
+                </a:gs>
+                <a:gs pos="85000">
+                  <a:schemeClr val="accent1">
+                    <a:alpha val="10000"/>
+                  </a:schemeClr>
+                </a:gs>
+              </a:gsLst>
+              <a:lin ang="12000000" scaled="0"/>
+            </a:gradFill>
+            <a:ln>
+              <a:noFill/>
+            </a:ln>
+          </p:spPr>
+          <p:style>
+            <a:lnRef idx="2">
+              <a:schemeClr val="accent1">
+                <a:shade val="50000"/>
+              </a:schemeClr>
+            </a:lnRef>
+            <a:fillRef idx="1">
+              <a:schemeClr val="accent1"/>
+            </a:fillRef>
+            <a:effectRef idx="0">
+              <a:schemeClr val="accent1"/>
+            </a:effectRef>
+            <a:fontRef idx="minor">
+              <a:schemeClr val="lt1"/>
+            </a:fontRef>
+          </p:style>
+          <p:txBody>
+            <a:bodyPr rtlCol="0" anchor="ctr"/>
+            <a:lstStyle/>
+            <a:p>
+              <a:pPr algn="ctr"/>
+              <a:endParaRPr lang="en-US" dirty="0"/>
+            </a:p>
+          </p:txBody>
+        </p:sp>
+      </p:grpSp>
     </p:spTree>
     <p:extLst>
       <p:ext uri="{BB962C8B-B14F-4D97-AF65-F5344CB8AC3E}">
-        <p14:creationId xmlns:p14="http://schemas.microsoft.com/office/powerpoint/2010/main" val="3818315877"/>
+        <p14:creationId xmlns:p14="http://schemas.microsoft.com/office/powerpoint/2010/main" val="3337598874"/>
       </p:ext>
     </p:extLst>
   </p:cSld>
@@ -4790,6 +7334,14 @@
 <file path=ppt/slides/slide5.xml><?xml version="1.0" encoding="utf-8"?>
 <p:sld xmlns:a="http://schemas.openxmlformats.org/drawingml/2006/main" xmlns:r="http://schemas.openxmlformats.org/officeDocument/2006/relationships" xmlns:p="http://schemas.openxmlformats.org/presentationml/2006/main">
   <p:cSld>
+    <p:bg>
+      <p:bgPr>
+        <a:solidFill>
+          <a:schemeClr val="bg1"/>
+        </a:solidFill>
+        <a:effectLst/>
+      </p:bgPr>
+    </p:bg>
     <p:spTree>
       <p:nvGrpSpPr>
         <p:cNvPr id="1" name=""/>
@@ -4804,12 +7356,72 @@
           <a:chExt cx="0" cy="0"/>
         </a:xfrm>
       </p:grpSpPr>
+      <p:sp useBgFill="1">
+        <p:nvSpPr>
+          <p:cNvPr id="1031" name="Rectangle 1030">
+            <a:extLst>
+              <a:ext uri="{FF2B5EF4-FFF2-40B4-BE49-F238E27FC236}">
+                <a16:creationId xmlns:a16="http://schemas.microsoft.com/office/drawing/2014/main" id="{2B97F24A-32CE-4C1C-A50D-3016B394DCFB}"/>
+              </a:ext>
+              <a:ext uri="{C183D7F6-B498-43B3-948B-1728B52AA6E4}">
+                <adec:decorative xmlns:adec="http://schemas.microsoft.com/office/drawing/2017/decorative" val="1"/>
+              </a:ext>
+            </a:extLst>
+          </p:cNvPr>
+          <p:cNvSpPr>
+            <a:spLocks noGrp="1" noRot="1" noChangeAspect="1" noMove="1" noResize="1" noEditPoints="1" noAdjustHandles="1" noChangeArrowheads="1" noChangeShapeType="1" noTextEdit="1"/>
+          </p:cNvSpPr>
+          <p:nvPr>
+            <p:extLst>
+              <p:ext uri="{386F3935-93C4-4BCD-93E2-E3B085C9AB24}">
+                <p16:designElem xmlns:p16="http://schemas.microsoft.com/office/powerpoint/2015/main" val="1"/>
+              </p:ext>
+            </p:extLst>
+          </p:nvPr>
+        </p:nvSpPr>
+        <p:spPr>
+          <a:xfrm>
+            <a:off x="0" y="0"/>
+            <a:ext cx="12192000" cy="6858000"/>
+          </a:xfrm>
+          <a:prstGeom prst="rect">
+            <a:avLst/>
+          </a:prstGeom>
+          <a:ln>
+            <a:noFill/>
+          </a:ln>
+        </p:spPr>
+        <p:style>
+          <a:lnRef idx="2">
+            <a:schemeClr val="accent1">
+              <a:shade val="50000"/>
+            </a:schemeClr>
+          </a:lnRef>
+          <a:fillRef idx="1">
+            <a:schemeClr val="accent1"/>
+          </a:fillRef>
+          <a:effectRef idx="0">
+            <a:schemeClr val="accent1"/>
+          </a:effectRef>
+          <a:fontRef idx="minor">
+            <a:schemeClr val="lt1"/>
+          </a:fontRef>
+        </p:style>
+        <p:txBody>
+          <a:bodyPr rtlCol="0" anchor="ctr"/>
+          <a:lstStyle/>
+          <a:p>
+            <a:pPr algn="ctr"/>
+            <a:endParaRPr lang="en-US"/>
+          </a:p>
+        </p:txBody>
+      </p:sp>
       <p:sp>
         <p:nvSpPr>
           <p:cNvPr id="2" name="Titel 1">
             <a:extLst>
               <a:ext uri="{FF2B5EF4-FFF2-40B4-BE49-F238E27FC236}">
-                <a16:creationId xmlns:a16="http://schemas.microsoft.com/office/drawing/2014/main" id="{63EFB95D-B035-3EB4-7125-B9E36D92F575}"/>
+                <a16:creationId xmlns:a16="http://schemas.microsoft.com/office/drawing/2014/main" id="{ADFE0223-8267-6951-0680-8EA83F4AFCAE}"/>
               </a:ext>
             </a:extLst>
           </p:cNvPr>
@@ -4820,15 +7432,295 @@
             <p:ph type="title"/>
           </p:nvPr>
         </p:nvSpPr>
-        <p:spPr/>
+        <p:spPr>
+          <a:xfrm>
+            <a:off x="630936" y="639520"/>
+            <a:ext cx="3429000" cy="1719072"/>
+          </a:xfrm>
+        </p:spPr>
         <p:txBody>
-          <a:bodyPr/>
+          <a:bodyPr anchor="b">
+            <a:normAutofit/>
+          </a:bodyPr>
           <a:lstStyle/>
           <a:p>
             <a:r>
-              <a:rPr lang="de-AT" dirty="0"/>
-              <a:t>Erbauer</a:t>
+              <a:rPr lang="de-AT" sz="5400"/>
+              <a:t>Direktor</a:t>
             </a:r>
+          </a:p>
+        </p:txBody>
+      </p:sp>
+      <p:sp>
+        <p:nvSpPr>
+          <p:cNvPr id="1033" name="sketch line">
+            <a:extLst>
+              <a:ext uri="{FF2B5EF4-FFF2-40B4-BE49-F238E27FC236}">
+                <a16:creationId xmlns:a16="http://schemas.microsoft.com/office/drawing/2014/main" id="{CD8B4F24-440B-49E9-B85D-733523DC064B}"/>
+              </a:ext>
+              <a:ext uri="{C183D7F6-B498-43B3-948B-1728B52AA6E4}">
+                <adec:decorative xmlns:adec="http://schemas.microsoft.com/office/drawing/2017/decorative" val="1"/>
+              </a:ext>
+            </a:extLst>
+          </p:cNvPr>
+          <p:cNvSpPr>
+            <a:spLocks noGrp="1" noRot="1" noChangeAspect="1" noMove="1" noResize="1" noEditPoints="1" noAdjustHandles="1" noChangeArrowheads="1" noChangeShapeType="1" noTextEdit="1"/>
+          </p:cNvSpPr>
+          <p:nvPr>
+            <p:extLst>
+              <p:ext uri="{386F3935-93C4-4BCD-93E2-E3B085C9AB24}">
+                <p16:designElem xmlns:p16="http://schemas.microsoft.com/office/powerpoint/2015/main" val="1"/>
+              </p:ext>
+            </p:extLst>
+          </p:nvPr>
+        </p:nvSpPr>
+        <p:spPr>
+          <a:xfrm>
+            <a:off x="643278" y="2573756"/>
+            <a:ext cx="3255095" cy="18288"/>
+          </a:xfrm>
+          <a:custGeom>
+            <a:avLst/>
+            <a:gdLst>
+              <a:gd name="connsiteX0" fmla="*/ 0 w 3255095"/>
+              <a:gd name="connsiteY0" fmla="*/ 0 h 18288"/>
+              <a:gd name="connsiteX1" fmla="*/ 618468 w 3255095"/>
+              <a:gd name="connsiteY1" fmla="*/ 0 h 18288"/>
+              <a:gd name="connsiteX2" fmla="*/ 1269487 w 3255095"/>
+              <a:gd name="connsiteY2" fmla="*/ 0 h 18288"/>
+              <a:gd name="connsiteX3" fmla="*/ 1953057 w 3255095"/>
+              <a:gd name="connsiteY3" fmla="*/ 0 h 18288"/>
+              <a:gd name="connsiteX4" fmla="*/ 2636627 w 3255095"/>
+              <a:gd name="connsiteY4" fmla="*/ 0 h 18288"/>
+              <a:gd name="connsiteX5" fmla="*/ 3255095 w 3255095"/>
+              <a:gd name="connsiteY5" fmla="*/ 0 h 18288"/>
+              <a:gd name="connsiteX6" fmla="*/ 3255095 w 3255095"/>
+              <a:gd name="connsiteY6" fmla="*/ 18288 h 18288"/>
+              <a:gd name="connsiteX7" fmla="*/ 2538974 w 3255095"/>
+              <a:gd name="connsiteY7" fmla="*/ 18288 h 18288"/>
+              <a:gd name="connsiteX8" fmla="*/ 1822853 w 3255095"/>
+              <a:gd name="connsiteY8" fmla="*/ 18288 h 18288"/>
+              <a:gd name="connsiteX9" fmla="*/ 1171834 w 3255095"/>
+              <a:gd name="connsiteY9" fmla="*/ 18288 h 18288"/>
+              <a:gd name="connsiteX10" fmla="*/ 0 w 3255095"/>
+              <a:gd name="connsiteY10" fmla="*/ 18288 h 18288"/>
+              <a:gd name="connsiteX11" fmla="*/ 0 w 3255095"/>
+              <a:gd name="connsiteY11" fmla="*/ 0 h 18288"/>
+            </a:gdLst>
+            <a:ahLst/>
+            <a:cxnLst>
+              <a:cxn ang="0">
+                <a:pos x="connsiteX0" y="connsiteY0"/>
+              </a:cxn>
+              <a:cxn ang="0">
+                <a:pos x="connsiteX1" y="connsiteY1"/>
+              </a:cxn>
+              <a:cxn ang="0">
+                <a:pos x="connsiteX2" y="connsiteY2"/>
+              </a:cxn>
+              <a:cxn ang="0">
+                <a:pos x="connsiteX3" y="connsiteY3"/>
+              </a:cxn>
+              <a:cxn ang="0">
+                <a:pos x="connsiteX4" y="connsiteY4"/>
+              </a:cxn>
+              <a:cxn ang="0">
+                <a:pos x="connsiteX5" y="connsiteY5"/>
+              </a:cxn>
+              <a:cxn ang="0">
+                <a:pos x="connsiteX6" y="connsiteY6"/>
+              </a:cxn>
+              <a:cxn ang="0">
+                <a:pos x="connsiteX7" y="connsiteY7"/>
+              </a:cxn>
+              <a:cxn ang="0">
+                <a:pos x="connsiteX8" y="connsiteY8"/>
+              </a:cxn>
+              <a:cxn ang="0">
+                <a:pos x="connsiteX9" y="connsiteY9"/>
+              </a:cxn>
+              <a:cxn ang="0">
+                <a:pos x="connsiteX10" y="connsiteY10"/>
+              </a:cxn>
+              <a:cxn ang="0">
+                <a:pos x="connsiteX11" y="connsiteY11"/>
+              </a:cxn>
+            </a:cxnLst>
+            <a:rect l="l" t="t" r="r" b="b"/>
+            <a:pathLst>
+              <a:path w="3255095" h="18288" fill="none" extrusionOk="0">
+                <a:moveTo>
+                  <a:pt x="0" y="0"/>
+                </a:moveTo>
+                <a:cubicBezTo>
+                  <a:pt x="240201" y="-22123"/>
+                  <a:pt x="462021" y="-19623"/>
+                  <a:pt x="618468" y="0"/>
+                </a:cubicBezTo>
+                <a:cubicBezTo>
+                  <a:pt x="774915" y="19623"/>
+                  <a:pt x="974734" y="2035"/>
+                  <a:pt x="1269487" y="0"/>
+                </a:cubicBezTo>
+                <a:cubicBezTo>
+                  <a:pt x="1564240" y="-2035"/>
+                  <a:pt x="1733579" y="10639"/>
+                  <a:pt x="1953057" y="0"/>
+                </a:cubicBezTo>
+                <a:cubicBezTo>
+                  <a:pt x="2172535" y="-10639"/>
+                  <a:pt x="2453962" y="14018"/>
+                  <a:pt x="2636627" y="0"/>
+                </a:cubicBezTo>
+                <a:cubicBezTo>
+                  <a:pt x="2819292" y="-14018"/>
+                  <a:pt x="3121375" y="5399"/>
+                  <a:pt x="3255095" y="0"/>
+                </a:cubicBezTo>
+                <a:cubicBezTo>
+                  <a:pt x="3254386" y="8157"/>
+                  <a:pt x="3254682" y="12125"/>
+                  <a:pt x="3255095" y="18288"/>
+                </a:cubicBezTo>
+                <a:cubicBezTo>
+                  <a:pt x="3088545" y="23203"/>
+                  <a:pt x="2687475" y="7419"/>
+                  <a:pt x="2538974" y="18288"/>
+                </a:cubicBezTo>
+                <a:cubicBezTo>
+                  <a:pt x="2390473" y="29157"/>
+                  <a:pt x="2137381" y="-8959"/>
+                  <a:pt x="1822853" y="18288"/>
+                </a:cubicBezTo>
+                <a:cubicBezTo>
+                  <a:pt x="1508325" y="45535"/>
+                  <a:pt x="1466437" y="20385"/>
+                  <a:pt x="1171834" y="18288"/>
+                </a:cubicBezTo>
+                <a:cubicBezTo>
+                  <a:pt x="877231" y="16191"/>
+                  <a:pt x="561097" y="37643"/>
+                  <a:pt x="0" y="18288"/>
+                </a:cubicBezTo>
+                <a:cubicBezTo>
+                  <a:pt x="-46" y="12483"/>
+                  <a:pt x="-203" y="6491"/>
+                  <a:pt x="0" y="0"/>
+                </a:cubicBezTo>
+                <a:close/>
+              </a:path>
+              <a:path w="3255095" h="18288" stroke="0" extrusionOk="0">
+                <a:moveTo>
+                  <a:pt x="0" y="0"/>
+                </a:moveTo>
+                <a:cubicBezTo>
+                  <a:pt x="291965" y="19429"/>
+                  <a:pt x="363155" y="8568"/>
+                  <a:pt x="618468" y="0"/>
+                </a:cubicBezTo>
+                <a:cubicBezTo>
+                  <a:pt x="873781" y="-8568"/>
+                  <a:pt x="904459" y="-19505"/>
+                  <a:pt x="1171834" y="0"/>
+                </a:cubicBezTo>
+                <a:cubicBezTo>
+                  <a:pt x="1439209" y="19505"/>
+                  <a:pt x="1744369" y="9790"/>
+                  <a:pt x="1887955" y="0"/>
+                </a:cubicBezTo>
+                <a:cubicBezTo>
+                  <a:pt x="2031541" y="-9790"/>
+                  <a:pt x="2346378" y="21240"/>
+                  <a:pt x="2506423" y="0"/>
+                </a:cubicBezTo>
+                <a:cubicBezTo>
+                  <a:pt x="2666468" y="-21240"/>
+                  <a:pt x="2990257" y="30414"/>
+                  <a:pt x="3255095" y="0"/>
+                </a:cubicBezTo>
+                <a:cubicBezTo>
+                  <a:pt x="3254831" y="4493"/>
+                  <a:pt x="3255479" y="9472"/>
+                  <a:pt x="3255095" y="18288"/>
+                </a:cubicBezTo>
+                <a:cubicBezTo>
+                  <a:pt x="3120743" y="16690"/>
+                  <a:pt x="2759628" y="42462"/>
+                  <a:pt x="2604076" y="18288"/>
+                </a:cubicBezTo>
+                <a:cubicBezTo>
+                  <a:pt x="2448524" y="-5886"/>
+                  <a:pt x="2184336" y="19599"/>
+                  <a:pt x="1887955" y="18288"/>
+                </a:cubicBezTo>
+                <a:cubicBezTo>
+                  <a:pt x="1591574" y="16977"/>
+                  <a:pt x="1548845" y="6870"/>
+                  <a:pt x="1334589" y="18288"/>
+                </a:cubicBezTo>
+                <a:cubicBezTo>
+                  <a:pt x="1120333" y="29706"/>
+                  <a:pt x="996014" y="9662"/>
+                  <a:pt x="683570" y="18288"/>
+                </a:cubicBezTo>
+                <a:cubicBezTo>
+                  <a:pt x="371126" y="26914"/>
+                  <a:pt x="198687" y="16167"/>
+                  <a:pt x="0" y="18288"/>
+                </a:cubicBezTo>
+                <a:cubicBezTo>
+                  <a:pt x="843" y="9577"/>
+                  <a:pt x="371" y="6900"/>
+                  <a:pt x="0" y="0"/>
+                </a:cubicBezTo>
+                <a:close/>
+              </a:path>
+            </a:pathLst>
+          </a:custGeom>
+          <a:solidFill>
+            <a:schemeClr val="accent2"/>
+          </a:solidFill>
+          <a:ln w="38100" cap="rnd">
+            <a:solidFill>
+              <a:schemeClr val="accent2"/>
+            </a:solidFill>
+            <a:round/>
+            <a:extLst>
+              <a:ext uri="{C807C97D-BFC1-408E-A445-0C87EB9F89A2}">
+                <ask:lineSketchStyleProps xmlns:ask="http://schemas.microsoft.com/office/drawing/2018/sketchyshapes" sd="1219033472">
+                  <a:prstGeom prst="rect">
+                    <a:avLst/>
+                  </a:prstGeom>
+                  <ask:type>
+                    <ask:lineSketchFreehand/>
+                  </ask:type>
+                </ask:lineSketchStyleProps>
+              </a:ext>
+            </a:extLst>
+          </a:ln>
+        </p:spPr>
+        <p:style>
+          <a:lnRef idx="2">
+            <a:schemeClr val="accent1">
+              <a:shade val="50000"/>
+            </a:schemeClr>
+          </a:lnRef>
+          <a:fillRef idx="1">
+            <a:schemeClr val="accent1"/>
+          </a:fillRef>
+          <a:effectRef idx="0">
+            <a:schemeClr val="accent1"/>
+          </a:effectRef>
+          <a:fontRef idx="minor">
+            <a:schemeClr val="lt1"/>
+          </a:fontRef>
+        </p:style>
+        <p:txBody>
+          <a:bodyPr rtlCol="0" anchor="ctr"/>
+          <a:lstStyle/>
+          <a:p>
+            <a:pPr algn="ctr"/>
+            <a:endParaRPr lang="en-US"/>
           </a:p>
         </p:txBody>
       </p:sp>
@@ -4837,7 +7729,7 @@
           <p:cNvPr id="3" name="Inhaltsplatzhalter 2">
             <a:extLst>
               <a:ext uri="{FF2B5EF4-FFF2-40B4-BE49-F238E27FC236}">
-                <a16:creationId xmlns:a16="http://schemas.microsoft.com/office/drawing/2014/main" id="{C54959BF-3383-ABCC-B548-1046E171C962}"/>
+                <a16:creationId xmlns:a16="http://schemas.microsoft.com/office/drawing/2014/main" id="{0B53D1E8-7ECA-94B2-31E0-B9392C7E5950}"/>
               </a:ext>
             </a:extLst>
           </p:cNvPr>
@@ -4848,25 +7740,96 @@
             <p:ph idx="1"/>
           </p:nvPr>
         </p:nvSpPr>
-        <p:spPr/>
+        <p:spPr>
+          <a:xfrm>
+            <a:off x="630936" y="2807208"/>
+            <a:ext cx="3429000" cy="3410712"/>
+          </a:xfrm>
+        </p:spPr>
         <p:txBody>
-          <a:bodyPr/>
+          <a:bodyPr anchor="t">
+            <a:normAutofit/>
+          </a:bodyPr>
           <a:lstStyle/>
           <a:p>
             <a:r>
-              <a:rPr lang="de-AT" dirty="0"/>
-              <a:t>Hat eine Schnittstelle zur Erzeugung der Bestandteile des Produktes</a:t>
+              <a:rPr lang="de-AT" sz="2200" dirty="0"/>
+              <a:t>Steuer den Bauprozess</a:t>
             </a:r>
           </a:p>
           <a:p>
-            <a:endParaRPr lang="de-AT" dirty="0"/>
+            <a:r>
+              <a:rPr lang="de-AT" sz="2200" dirty="0"/>
+              <a:t>Erhält Anforderungen vom Kunden </a:t>
+            </a:r>
+          </a:p>
+          <a:p>
+            <a:r>
+              <a:rPr lang="de-AT" sz="2200" dirty="0"/>
+              <a:t>Gibt Anforderungen an Erbauer weiter</a:t>
+            </a:r>
+          </a:p>
+          <a:p>
+            <a:r>
+              <a:rPr lang="de-AT" sz="2200" dirty="0"/>
+              <a:t>Kennt keine spezifischen Details</a:t>
+            </a:r>
+          </a:p>
+          <a:p>
+            <a:endParaRPr lang="de-AT" sz="2200" dirty="0"/>
           </a:p>
         </p:txBody>
       </p:sp>
+      <p:pic>
+        <p:nvPicPr>
+          <p:cNvPr id="1026" name="Picture 2">
+            <a:extLst>
+              <a:ext uri="{FF2B5EF4-FFF2-40B4-BE49-F238E27FC236}">
+                <a16:creationId xmlns:a16="http://schemas.microsoft.com/office/drawing/2014/main" id="{0A9AE52B-EBAF-97B5-0961-4F29BB9DB7B6}"/>
+              </a:ext>
+            </a:extLst>
+          </p:cNvPr>
+          <p:cNvPicPr>
+            <a:picLocks noChangeAspect="1" noChangeArrowheads="1"/>
+          </p:cNvPicPr>
+          <p:nvPr/>
+        </p:nvPicPr>
+        <p:blipFill>
+          <a:blip r:embed="rId2">
+            <a:extLst>
+              <a:ext uri="{28A0092B-C50C-407E-A947-70E740481C1C}">
+                <a14:useLocalDpi xmlns:a14="http://schemas.microsoft.com/office/drawing/2010/main" val="0"/>
+              </a:ext>
+            </a:extLst>
+          </a:blip>
+          <a:stretch>
+            <a:fillRect/>
+          </a:stretch>
+        </p:blipFill>
+        <p:spPr bwMode="auto">
+          <a:xfrm>
+            <a:off x="4654296" y="1703070"/>
+            <a:ext cx="6903720" cy="3451860"/>
+          </a:xfrm>
+          <a:prstGeom prst="rect">
+            <a:avLst/>
+          </a:prstGeom>
+          <a:noFill/>
+          <a:extLst>
+            <a:ext uri="{909E8E84-426E-40DD-AFC4-6F175D3DCCD1}">
+              <a14:hiddenFill xmlns:a14="http://schemas.microsoft.com/office/drawing/2010/main">
+                <a:solidFill>
+                  <a:srgbClr val="FFFFFF"/>
+                </a:solidFill>
+              </a14:hiddenFill>
+            </a:ext>
+          </a:extLst>
+        </p:spPr>
+      </p:pic>
     </p:spTree>
     <p:extLst>
       <p:ext uri="{BB962C8B-B14F-4D97-AF65-F5344CB8AC3E}">
-        <p14:creationId xmlns:p14="http://schemas.microsoft.com/office/powerpoint/2010/main" val="2209125167"/>
+        <p14:creationId xmlns:p14="http://schemas.microsoft.com/office/powerpoint/2010/main" val="3818315877"/>
       </p:ext>
     </p:extLst>
   </p:cSld>
@@ -4879,6 +7842,14 @@
 <file path=ppt/slides/slide6.xml><?xml version="1.0" encoding="utf-8"?>
 <p:sld xmlns:a="http://schemas.openxmlformats.org/drawingml/2006/main" xmlns:r="http://schemas.openxmlformats.org/officeDocument/2006/relationships" xmlns:p="http://schemas.openxmlformats.org/presentationml/2006/main">
   <p:cSld>
+    <p:bg>
+      <p:bgPr>
+        <a:solidFill>
+          <a:schemeClr val="bg1"/>
+        </a:solidFill>
+        <a:effectLst/>
+      </p:bgPr>
+    </p:bg>
     <p:spTree>
       <p:nvGrpSpPr>
         <p:cNvPr id="1" name=""/>
@@ -4893,12 +7864,72 @@
           <a:chExt cx="0" cy="0"/>
         </a:xfrm>
       </p:grpSpPr>
+      <p:sp useBgFill="1">
+        <p:nvSpPr>
+          <p:cNvPr id="2055" name="Rectangle 2054">
+            <a:extLst>
+              <a:ext uri="{FF2B5EF4-FFF2-40B4-BE49-F238E27FC236}">
+                <a16:creationId xmlns:a16="http://schemas.microsoft.com/office/drawing/2014/main" id="{2B97F24A-32CE-4C1C-A50D-3016B394DCFB}"/>
+              </a:ext>
+              <a:ext uri="{C183D7F6-B498-43B3-948B-1728B52AA6E4}">
+                <adec:decorative xmlns:adec="http://schemas.microsoft.com/office/drawing/2017/decorative" val="1"/>
+              </a:ext>
+            </a:extLst>
+          </p:cNvPr>
+          <p:cNvSpPr>
+            <a:spLocks noGrp="1" noRot="1" noChangeAspect="1" noMove="1" noResize="1" noEditPoints="1" noAdjustHandles="1" noChangeArrowheads="1" noChangeShapeType="1" noTextEdit="1"/>
+          </p:cNvSpPr>
+          <p:nvPr>
+            <p:extLst>
+              <p:ext uri="{386F3935-93C4-4BCD-93E2-E3B085C9AB24}">
+                <p16:designElem xmlns:p16="http://schemas.microsoft.com/office/powerpoint/2015/main" val="1"/>
+              </p:ext>
+            </p:extLst>
+          </p:nvPr>
+        </p:nvSpPr>
+        <p:spPr>
+          <a:xfrm>
+            <a:off x="0" y="0"/>
+            <a:ext cx="12192000" cy="6858000"/>
+          </a:xfrm>
+          <a:prstGeom prst="rect">
+            <a:avLst/>
+          </a:prstGeom>
+          <a:ln>
+            <a:noFill/>
+          </a:ln>
+        </p:spPr>
+        <p:style>
+          <a:lnRef idx="2">
+            <a:schemeClr val="accent1">
+              <a:shade val="50000"/>
+            </a:schemeClr>
+          </a:lnRef>
+          <a:fillRef idx="1">
+            <a:schemeClr val="accent1"/>
+          </a:fillRef>
+          <a:effectRef idx="0">
+            <a:schemeClr val="accent1"/>
+          </a:effectRef>
+          <a:fontRef idx="minor">
+            <a:schemeClr val="lt1"/>
+          </a:fontRef>
+        </p:style>
+        <p:txBody>
+          <a:bodyPr rtlCol="0" anchor="ctr"/>
+          <a:lstStyle/>
+          <a:p>
+            <a:pPr algn="ctr"/>
+            <a:endParaRPr lang="en-US"/>
+          </a:p>
+        </p:txBody>
+      </p:sp>
       <p:sp>
         <p:nvSpPr>
           <p:cNvPr id="2" name="Titel 1">
             <a:extLst>
               <a:ext uri="{FF2B5EF4-FFF2-40B4-BE49-F238E27FC236}">
-                <a16:creationId xmlns:a16="http://schemas.microsoft.com/office/drawing/2014/main" id="{CD8743DE-5105-0E49-AB20-5E28CF961ADB}"/>
+                <a16:creationId xmlns:a16="http://schemas.microsoft.com/office/drawing/2014/main" id="{63EFB95D-B035-3EB4-7125-B9E36D92F575}"/>
               </a:ext>
             </a:extLst>
           </p:cNvPr>
@@ -4909,15 +7940,295 @@
             <p:ph type="title"/>
           </p:nvPr>
         </p:nvSpPr>
-        <p:spPr/>
+        <p:spPr>
+          <a:xfrm>
+            <a:off x="630936" y="639520"/>
+            <a:ext cx="3429000" cy="1719072"/>
+          </a:xfrm>
+        </p:spPr>
         <p:txBody>
-          <a:bodyPr/>
+          <a:bodyPr anchor="b">
+            <a:normAutofit/>
+          </a:bodyPr>
           <a:lstStyle/>
           <a:p>
             <a:r>
-              <a:rPr lang="de-AT" dirty="0"/>
-              <a:t>Konkreter Erbauer</a:t>
+              <a:rPr lang="de-AT" sz="5400"/>
+              <a:t>Erbauer</a:t>
             </a:r>
+          </a:p>
+        </p:txBody>
+      </p:sp>
+      <p:sp>
+        <p:nvSpPr>
+          <p:cNvPr id="2057" name="sketch line">
+            <a:extLst>
+              <a:ext uri="{FF2B5EF4-FFF2-40B4-BE49-F238E27FC236}">
+                <a16:creationId xmlns:a16="http://schemas.microsoft.com/office/drawing/2014/main" id="{CD8B4F24-440B-49E9-B85D-733523DC064B}"/>
+              </a:ext>
+              <a:ext uri="{C183D7F6-B498-43B3-948B-1728B52AA6E4}">
+                <adec:decorative xmlns:adec="http://schemas.microsoft.com/office/drawing/2017/decorative" val="1"/>
+              </a:ext>
+            </a:extLst>
+          </p:cNvPr>
+          <p:cNvSpPr>
+            <a:spLocks noGrp="1" noRot="1" noChangeAspect="1" noMove="1" noResize="1" noEditPoints="1" noAdjustHandles="1" noChangeArrowheads="1" noChangeShapeType="1" noTextEdit="1"/>
+          </p:cNvSpPr>
+          <p:nvPr>
+            <p:extLst>
+              <p:ext uri="{386F3935-93C4-4BCD-93E2-E3B085C9AB24}">
+                <p16:designElem xmlns:p16="http://schemas.microsoft.com/office/powerpoint/2015/main" val="1"/>
+              </p:ext>
+            </p:extLst>
+          </p:nvPr>
+        </p:nvSpPr>
+        <p:spPr>
+          <a:xfrm>
+            <a:off x="643278" y="2573756"/>
+            <a:ext cx="3255095" cy="18288"/>
+          </a:xfrm>
+          <a:custGeom>
+            <a:avLst/>
+            <a:gdLst>
+              <a:gd name="connsiteX0" fmla="*/ 0 w 3255095"/>
+              <a:gd name="connsiteY0" fmla="*/ 0 h 18288"/>
+              <a:gd name="connsiteX1" fmla="*/ 618468 w 3255095"/>
+              <a:gd name="connsiteY1" fmla="*/ 0 h 18288"/>
+              <a:gd name="connsiteX2" fmla="*/ 1269487 w 3255095"/>
+              <a:gd name="connsiteY2" fmla="*/ 0 h 18288"/>
+              <a:gd name="connsiteX3" fmla="*/ 1953057 w 3255095"/>
+              <a:gd name="connsiteY3" fmla="*/ 0 h 18288"/>
+              <a:gd name="connsiteX4" fmla="*/ 2636627 w 3255095"/>
+              <a:gd name="connsiteY4" fmla="*/ 0 h 18288"/>
+              <a:gd name="connsiteX5" fmla="*/ 3255095 w 3255095"/>
+              <a:gd name="connsiteY5" fmla="*/ 0 h 18288"/>
+              <a:gd name="connsiteX6" fmla="*/ 3255095 w 3255095"/>
+              <a:gd name="connsiteY6" fmla="*/ 18288 h 18288"/>
+              <a:gd name="connsiteX7" fmla="*/ 2538974 w 3255095"/>
+              <a:gd name="connsiteY7" fmla="*/ 18288 h 18288"/>
+              <a:gd name="connsiteX8" fmla="*/ 1822853 w 3255095"/>
+              <a:gd name="connsiteY8" fmla="*/ 18288 h 18288"/>
+              <a:gd name="connsiteX9" fmla="*/ 1171834 w 3255095"/>
+              <a:gd name="connsiteY9" fmla="*/ 18288 h 18288"/>
+              <a:gd name="connsiteX10" fmla="*/ 0 w 3255095"/>
+              <a:gd name="connsiteY10" fmla="*/ 18288 h 18288"/>
+              <a:gd name="connsiteX11" fmla="*/ 0 w 3255095"/>
+              <a:gd name="connsiteY11" fmla="*/ 0 h 18288"/>
+            </a:gdLst>
+            <a:ahLst/>
+            <a:cxnLst>
+              <a:cxn ang="0">
+                <a:pos x="connsiteX0" y="connsiteY0"/>
+              </a:cxn>
+              <a:cxn ang="0">
+                <a:pos x="connsiteX1" y="connsiteY1"/>
+              </a:cxn>
+              <a:cxn ang="0">
+                <a:pos x="connsiteX2" y="connsiteY2"/>
+              </a:cxn>
+              <a:cxn ang="0">
+                <a:pos x="connsiteX3" y="connsiteY3"/>
+              </a:cxn>
+              <a:cxn ang="0">
+                <a:pos x="connsiteX4" y="connsiteY4"/>
+              </a:cxn>
+              <a:cxn ang="0">
+                <a:pos x="connsiteX5" y="connsiteY5"/>
+              </a:cxn>
+              <a:cxn ang="0">
+                <a:pos x="connsiteX6" y="connsiteY6"/>
+              </a:cxn>
+              <a:cxn ang="0">
+                <a:pos x="connsiteX7" y="connsiteY7"/>
+              </a:cxn>
+              <a:cxn ang="0">
+                <a:pos x="connsiteX8" y="connsiteY8"/>
+              </a:cxn>
+              <a:cxn ang="0">
+                <a:pos x="connsiteX9" y="connsiteY9"/>
+              </a:cxn>
+              <a:cxn ang="0">
+                <a:pos x="connsiteX10" y="connsiteY10"/>
+              </a:cxn>
+              <a:cxn ang="0">
+                <a:pos x="connsiteX11" y="connsiteY11"/>
+              </a:cxn>
+            </a:cxnLst>
+            <a:rect l="l" t="t" r="r" b="b"/>
+            <a:pathLst>
+              <a:path w="3255095" h="18288" fill="none" extrusionOk="0">
+                <a:moveTo>
+                  <a:pt x="0" y="0"/>
+                </a:moveTo>
+                <a:cubicBezTo>
+                  <a:pt x="240201" y="-22123"/>
+                  <a:pt x="462021" y="-19623"/>
+                  <a:pt x="618468" y="0"/>
+                </a:cubicBezTo>
+                <a:cubicBezTo>
+                  <a:pt x="774915" y="19623"/>
+                  <a:pt x="974734" y="2035"/>
+                  <a:pt x="1269487" y="0"/>
+                </a:cubicBezTo>
+                <a:cubicBezTo>
+                  <a:pt x="1564240" y="-2035"/>
+                  <a:pt x="1733579" y="10639"/>
+                  <a:pt x="1953057" y="0"/>
+                </a:cubicBezTo>
+                <a:cubicBezTo>
+                  <a:pt x="2172535" y="-10639"/>
+                  <a:pt x="2453962" y="14018"/>
+                  <a:pt x="2636627" y="0"/>
+                </a:cubicBezTo>
+                <a:cubicBezTo>
+                  <a:pt x="2819292" y="-14018"/>
+                  <a:pt x="3121375" y="5399"/>
+                  <a:pt x="3255095" y="0"/>
+                </a:cubicBezTo>
+                <a:cubicBezTo>
+                  <a:pt x="3254386" y="8157"/>
+                  <a:pt x="3254682" y="12125"/>
+                  <a:pt x="3255095" y="18288"/>
+                </a:cubicBezTo>
+                <a:cubicBezTo>
+                  <a:pt x="3088545" y="23203"/>
+                  <a:pt x="2687475" y="7419"/>
+                  <a:pt x="2538974" y="18288"/>
+                </a:cubicBezTo>
+                <a:cubicBezTo>
+                  <a:pt x="2390473" y="29157"/>
+                  <a:pt x="2137381" y="-8959"/>
+                  <a:pt x="1822853" y="18288"/>
+                </a:cubicBezTo>
+                <a:cubicBezTo>
+                  <a:pt x="1508325" y="45535"/>
+                  <a:pt x="1466437" y="20385"/>
+                  <a:pt x="1171834" y="18288"/>
+                </a:cubicBezTo>
+                <a:cubicBezTo>
+                  <a:pt x="877231" y="16191"/>
+                  <a:pt x="561097" y="37643"/>
+                  <a:pt x="0" y="18288"/>
+                </a:cubicBezTo>
+                <a:cubicBezTo>
+                  <a:pt x="-46" y="12483"/>
+                  <a:pt x="-203" y="6491"/>
+                  <a:pt x="0" y="0"/>
+                </a:cubicBezTo>
+                <a:close/>
+              </a:path>
+              <a:path w="3255095" h="18288" stroke="0" extrusionOk="0">
+                <a:moveTo>
+                  <a:pt x="0" y="0"/>
+                </a:moveTo>
+                <a:cubicBezTo>
+                  <a:pt x="291965" y="19429"/>
+                  <a:pt x="363155" y="8568"/>
+                  <a:pt x="618468" y="0"/>
+                </a:cubicBezTo>
+                <a:cubicBezTo>
+                  <a:pt x="873781" y="-8568"/>
+                  <a:pt x="904459" y="-19505"/>
+                  <a:pt x="1171834" y="0"/>
+                </a:cubicBezTo>
+                <a:cubicBezTo>
+                  <a:pt x="1439209" y="19505"/>
+                  <a:pt x="1744369" y="9790"/>
+                  <a:pt x="1887955" y="0"/>
+                </a:cubicBezTo>
+                <a:cubicBezTo>
+                  <a:pt x="2031541" y="-9790"/>
+                  <a:pt x="2346378" y="21240"/>
+                  <a:pt x="2506423" y="0"/>
+                </a:cubicBezTo>
+                <a:cubicBezTo>
+                  <a:pt x="2666468" y="-21240"/>
+                  <a:pt x="2990257" y="30414"/>
+                  <a:pt x="3255095" y="0"/>
+                </a:cubicBezTo>
+                <a:cubicBezTo>
+                  <a:pt x="3254831" y="4493"/>
+                  <a:pt x="3255479" y="9472"/>
+                  <a:pt x="3255095" y="18288"/>
+                </a:cubicBezTo>
+                <a:cubicBezTo>
+                  <a:pt x="3120743" y="16690"/>
+                  <a:pt x="2759628" y="42462"/>
+                  <a:pt x="2604076" y="18288"/>
+                </a:cubicBezTo>
+                <a:cubicBezTo>
+                  <a:pt x="2448524" y="-5886"/>
+                  <a:pt x="2184336" y="19599"/>
+                  <a:pt x="1887955" y="18288"/>
+                </a:cubicBezTo>
+                <a:cubicBezTo>
+                  <a:pt x="1591574" y="16977"/>
+                  <a:pt x="1548845" y="6870"/>
+                  <a:pt x="1334589" y="18288"/>
+                </a:cubicBezTo>
+                <a:cubicBezTo>
+                  <a:pt x="1120333" y="29706"/>
+                  <a:pt x="996014" y="9662"/>
+                  <a:pt x="683570" y="18288"/>
+                </a:cubicBezTo>
+                <a:cubicBezTo>
+                  <a:pt x="371126" y="26914"/>
+                  <a:pt x="198687" y="16167"/>
+                  <a:pt x="0" y="18288"/>
+                </a:cubicBezTo>
+                <a:cubicBezTo>
+                  <a:pt x="843" y="9577"/>
+                  <a:pt x="371" y="6900"/>
+                  <a:pt x="0" y="0"/>
+                </a:cubicBezTo>
+                <a:close/>
+              </a:path>
+            </a:pathLst>
+          </a:custGeom>
+          <a:solidFill>
+            <a:schemeClr val="accent2"/>
+          </a:solidFill>
+          <a:ln w="38100" cap="rnd">
+            <a:solidFill>
+              <a:schemeClr val="accent2"/>
+            </a:solidFill>
+            <a:round/>
+            <a:extLst>
+              <a:ext uri="{C807C97D-BFC1-408E-A445-0C87EB9F89A2}">
+                <ask:lineSketchStyleProps xmlns:ask="http://schemas.microsoft.com/office/drawing/2018/sketchyshapes" sd="1219033472">
+                  <a:prstGeom prst="rect">
+                    <a:avLst/>
+                  </a:prstGeom>
+                  <ask:type>
+                    <ask:lineSketchFreehand/>
+                  </ask:type>
+                </ask:lineSketchStyleProps>
+              </a:ext>
+            </a:extLst>
+          </a:ln>
+        </p:spPr>
+        <p:style>
+          <a:lnRef idx="2">
+            <a:schemeClr val="accent1">
+              <a:shade val="50000"/>
+            </a:schemeClr>
+          </a:lnRef>
+          <a:fillRef idx="1">
+            <a:schemeClr val="accent1"/>
+          </a:fillRef>
+          <a:effectRef idx="0">
+            <a:schemeClr val="accent1"/>
+          </a:effectRef>
+          <a:fontRef idx="minor">
+            <a:schemeClr val="lt1"/>
+          </a:fontRef>
+        </p:style>
+        <p:txBody>
+          <a:bodyPr rtlCol="0" anchor="ctr"/>
+          <a:lstStyle/>
+          <a:p>
+            <a:pPr algn="ctr"/>
+            <a:endParaRPr lang="en-US"/>
           </a:p>
         </p:txBody>
       </p:sp>
@@ -4926,7 +8237,7 @@
           <p:cNvPr id="3" name="Inhaltsplatzhalter 2">
             <a:extLst>
               <a:ext uri="{FF2B5EF4-FFF2-40B4-BE49-F238E27FC236}">
-                <a16:creationId xmlns:a16="http://schemas.microsoft.com/office/drawing/2014/main" id="{B277E79E-0809-CBA3-FFE5-58606DA3C791}"/>
+                <a16:creationId xmlns:a16="http://schemas.microsoft.com/office/drawing/2014/main" id="{C54959BF-3383-ABCC-B548-1046E171C962}"/>
               </a:ext>
             </a:extLst>
           </p:cNvPr>
@@ -4937,28 +8248,138 @@
             <p:ph idx="1"/>
           </p:nvPr>
         </p:nvSpPr>
-        <p:spPr/>
+        <p:spPr>
+          <a:xfrm>
+            <a:off x="630936" y="2807208"/>
+            <a:ext cx="3429000" cy="3410712"/>
+          </a:xfrm>
+        </p:spPr>
         <p:txBody>
-          <a:bodyPr/>
+          <a:bodyPr anchor="t">
+            <a:normAutofit/>
+          </a:bodyPr>
           <a:lstStyle/>
           <a:p>
             <a:r>
-              <a:rPr lang="de-AT" dirty="0"/>
-              <a:t>Erzeugt die Teile des Produktes </a:t>
+              <a:rPr lang="de-AT" sz="2200"/>
+              <a:t>Hat eine Schnittstelle zur Erzeugung der Bestandteile des Produktes</a:t>
             </a:r>
           </a:p>
           <a:p>
             <a:r>
-              <a:rPr lang="de-AT" dirty="0"/>
-              <a:t>Hält eine Schnittstelle zur Ausgabe des Produktes </a:t>
+              <a:rPr lang="de-AT" sz="2200"/>
+              <a:t>Besitzt Methoden zum Erstellen Einzelner Teile des Produktes</a:t>
+            </a:r>
+          </a:p>
+          <a:p>
+            <a:r>
+              <a:rPr lang="de-AT" sz="2200"/>
+              <a:t>Ermöglicht die Erstellung verschiedener Konkreter Erbauer</a:t>
             </a:r>
           </a:p>
         </p:txBody>
       </p:sp>
+      <p:pic>
+        <p:nvPicPr>
+          <p:cNvPr id="2050" name="Picture 2" descr="Builder">
+            <a:extLst>
+              <a:ext uri="{FF2B5EF4-FFF2-40B4-BE49-F238E27FC236}">
+                <a16:creationId xmlns:a16="http://schemas.microsoft.com/office/drawing/2014/main" id="{583785CF-89E1-87C0-5E71-3DF600C8B6CE}"/>
+              </a:ext>
+            </a:extLst>
+          </p:cNvPr>
+          <p:cNvPicPr>
+            <a:picLocks noChangeAspect="1" noChangeArrowheads="1"/>
+          </p:cNvPicPr>
+          <p:nvPr/>
+        </p:nvPicPr>
+        <p:blipFill>
+          <a:blip r:embed="rId2">
+            <a:extLst>
+              <a:ext uri="{28A0092B-C50C-407E-A947-70E740481C1C}">
+                <a14:useLocalDpi xmlns:a14="http://schemas.microsoft.com/office/drawing/2010/main" val="0"/>
+              </a:ext>
+            </a:extLst>
+          </a:blip>
+          <a:stretch>
+            <a:fillRect/>
+          </a:stretch>
+        </p:blipFill>
+        <p:spPr bwMode="auto">
+          <a:xfrm>
+            <a:off x="4654296" y="1415415"/>
+            <a:ext cx="6903720" cy="4027170"/>
+          </a:xfrm>
+          <a:prstGeom prst="rect">
+            <a:avLst/>
+          </a:prstGeom>
+          <a:noFill/>
+          <a:extLst>
+            <a:ext uri="{909E8E84-426E-40DD-AFC4-6F175D3DCCD1}">
+              <a14:hiddenFill xmlns:a14="http://schemas.microsoft.com/office/drawing/2010/main">
+                <a:solidFill>
+                  <a:srgbClr val="FFFFFF"/>
+                </a:solidFill>
+              </a14:hiddenFill>
+            </a:ext>
+          </a:extLst>
+        </p:spPr>
+      </p:pic>
+      <mc:AlternateContent xmlns:mc="http://schemas.openxmlformats.org/markup-compatibility/2006">
+        <mc:Choice xmlns:p14="http://schemas.microsoft.com/office/powerpoint/2010/main" Requires="p14">
+          <p:contentPart p14:bwMode="auto" r:id="rId3">
+            <p14:nvContentPartPr>
+              <p14:cNvPr id="4" name="Freihand 3">
+                <a:extLst>
+                  <a:ext uri="{FF2B5EF4-FFF2-40B4-BE49-F238E27FC236}">
+                    <a16:creationId xmlns:a16="http://schemas.microsoft.com/office/drawing/2014/main" id="{D8507ECC-6EA7-3DA1-ED21-F05AD0447BC6}"/>
+                  </a:ext>
+                </a:extLst>
+              </p14:cNvPr>
+              <p14:cNvContentPartPr/>
+              <p14:nvPr/>
+            </p14:nvContentPartPr>
+            <p14:xfrm>
+              <a:off x="7110684" y="1329433"/>
+              <a:ext cx="1969560" cy="2014920"/>
+            </p14:xfrm>
+          </p:contentPart>
+        </mc:Choice>
+        <mc:Fallback>
+          <p:pic>
+            <p:nvPicPr>
+              <p:cNvPr id="4" name="Freihand 3">
+                <a:extLst>
+                  <a:ext uri="{FF2B5EF4-FFF2-40B4-BE49-F238E27FC236}">
+                    <a16:creationId xmlns:a16="http://schemas.microsoft.com/office/drawing/2014/main" id="{D8507ECC-6EA7-3DA1-ED21-F05AD0447BC6}"/>
+                  </a:ext>
+                </a:extLst>
+              </p:cNvPr>
+              <p:cNvPicPr/>
+              <p:nvPr/>
+            </p:nvPicPr>
+            <p:blipFill>
+              <a:blip r:embed="rId4"/>
+              <a:stretch>
+                <a:fillRect/>
+              </a:stretch>
+            </p:blipFill>
+            <p:spPr>
+              <a:xfrm>
+                <a:off x="7104564" y="1323313"/>
+                <a:ext cx="1981800" cy="2027160"/>
+              </a:xfrm>
+              <a:prstGeom prst="rect">
+                <a:avLst/>
+              </a:prstGeom>
+            </p:spPr>
+          </p:pic>
+        </mc:Fallback>
+      </mc:AlternateContent>
     </p:spTree>
     <p:extLst>
       <p:ext uri="{BB962C8B-B14F-4D97-AF65-F5344CB8AC3E}">
-        <p14:creationId xmlns:p14="http://schemas.microsoft.com/office/powerpoint/2010/main" val="277911558"/>
+        <p14:creationId xmlns:p14="http://schemas.microsoft.com/office/powerpoint/2010/main" val="2209125167"/>
       </p:ext>
     </p:extLst>
   </p:cSld>
@@ -4971,6 +8392,14 @@
 <file path=ppt/slides/slide7.xml><?xml version="1.0" encoding="utf-8"?>
 <p:sld xmlns:a="http://schemas.openxmlformats.org/drawingml/2006/main" xmlns:r="http://schemas.openxmlformats.org/officeDocument/2006/relationships" xmlns:p="http://schemas.openxmlformats.org/presentationml/2006/main">
   <p:cSld>
+    <p:bg>
+      <p:bgPr>
+        <a:solidFill>
+          <a:schemeClr val="bg1"/>
+        </a:solidFill>
+        <a:effectLst/>
+      </p:bgPr>
+    </p:bg>
     <p:spTree>
       <p:nvGrpSpPr>
         <p:cNvPr id="1" name=""/>
@@ -4985,12 +8414,72 @@
           <a:chExt cx="0" cy="0"/>
         </a:xfrm>
       </p:grpSpPr>
+      <p:sp useBgFill="1">
+        <p:nvSpPr>
+          <p:cNvPr id="3087" name="Rectangle 3078">
+            <a:extLst>
+              <a:ext uri="{FF2B5EF4-FFF2-40B4-BE49-F238E27FC236}">
+                <a16:creationId xmlns:a16="http://schemas.microsoft.com/office/drawing/2014/main" id="{2B97F24A-32CE-4C1C-A50D-3016B394DCFB}"/>
+              </a:ext>
+              <a:ext uri="{C183D7F6-B498-43B3-948B-1728B52AA6E4}">
+                <adec:decorative xmlns:adec="http://schemas.microsoft.com/office/drawing/2017/decorative" val="1"/>
+              </a:ext>
+            </a:extLst>
+          </p:cNvPr>
+          <p:cNvSpPr>
+            <a:spLocks noGrp="1" noRot="1" noChangeAspect="1" noMove="1" noResize="1" noEditPoints="1" noAdjustHandles="1" noChangeArrowheads="1" noChangeShapeType="1" noTextEdit="1"/>
+          </p:cNvSpPr>
+          <p:nvPr>
+            <p:extLst>
+              <p:ext uri="{386F3935-93C4-4BCD-93E2-E3B085C9AB24}">
+                <p16:designElem xmlns:p16="http://schemas.microsoft.com/office/powerpoint/2015/main" val="1"/>
+              </p:ext>
+            </p:extLst>
+          </p:nvPr>
+        </p:nvSpPr>
+        <p:spPr>
+          <a:xfrm>
+            <a:off x="0" y="0"/>
+            <a:ext cx="12192000" cy="6858000"/>
+          </a:xfrm>
+          <a:prstGeom prst="rect">
+            <a:avLst/>
+          </a:prstGeom>
+          <a:ln>
+            <a:noFill/>
+          </a:ln>
+        </p:spPr>
+        <p:style>
+          <a:lnRef idx="2">
+            <a:schemeClr val="accent1">
+              <a:shade val="50000"/>
+            </a:schemeClr>
+          </a:lnRef>
+          <a:fillRef idx="1">
+            <a:schemeClr val="accent1"/>
+          </a:fillRef>
+          <a:effectRef idx="0">
+            <a:schemeClr val="accent1"/>
+          </a:effectRef>
+          <a:fontRef idx="minor">
+            <a:schemeClr val="lt1"/>
+          </a:fontRef>
+        </p:style>
+        <p:txBody>
+          <a:bodyPr rtlCol="0" anchor="ctr"/>
+          <a:lstStyle/>
+          <a:p>
+            <a:pPr algn="ctr"/>
+            <a:endParaRPr lang="en-US"/>
+          </a:p>
+        </p:txBody>
+      </p:sp>
       <p:sp>
         <p:nvSpPr>
           <p:cNvPr id="2" name="Titel 1">
             <a:extLst>
               <a:ext uri="{FF2B5EF4-FFF2-40B4-BE49-F238E27FC236}">
-                <a16:creationId xmlns:a16="http://schemas.microsoft.com/office/drawing/2014/main" id="{E50CFCD1-718A-726D-BDA4-B3A2D4FF64AA}"/>
+                <a16:creationId xmlns:a16="http://schemas.microsoft.com/office/drawing/2014/main" id="{CD8743DE-5105-0E49-AB20-5E28CF961ADB}"/>
               </a:ext>
             </a:extLst>
           </p:cNvPr>
@@ -5001,15 +8490,295 @@
             <p:ph type="title"/>
           </p:nvPr>
         </p:nvSpPr>
-        <p:spPr/>
+        <p:spPr>
+          <a:xfrm>
+            <a:off x="630936" y="639520"/>
+            <a:ext cx="3429000" cy="1719072"/>
+          </a:xfrm>
+        </p:spPr>
         <p:txBody>
-          <a:bodyPr/>
+          <a:bodyPr anchor="b">
+            <a:normAutofit/>
+          </a:bodyPr>
           <a:lstStyle/>
           <a:p>
             <a:r>
-              <a:rPr lang="de-AT" dirty="0"/>
-              <a:t>Produkt</a:t>
+              <a:rPr lang="de-AT" sz="5400"/>
+              <a:t>Konkreter Erbauer</a:t>
             </a:r>
+          </a:p>
+        </p:txBody>
+      </p:sp>
+      <p:sp>
+        <p:nvSpPr>
+          <p:cNvPr id="3088" name="sketch line">
+            <a:extLst>
+              <a:ext uri="{FF2B5EF4-FFF2-40B4-BE49-F238E27FC236}">
+                <a16:creationId xmlns:a16="http://schemas.microsoft.com/office/drawing/2014/main" id="{6357EC4F-235E-4222-A36F-C7878ACE37F2}"/>
+              </a:ext>
+              <a:ext uri="{C183D7F6-B498-43B3-948B-1728B52AA6E4}">
+                <adec:decorative xmlns:adec="http://schemas.microsoft.com/office/drawing/2017/decorative" val="1"/>
+              </a:ext>
+            </a:extLst>
+          </p:cNvPr>
+          <p:cNvSpPr>
+            <a:spLocks noGrp="1" noRot="1" noChangeAspect="1" noMove="1" noResize="1" noEditPoints="1" noAdjustHandles="1" noChangeArrowheads="1" noChangeShapeType="1" noTextEdit="1"/>
+          </p:cNvSpPr>
+          <p:nvPr>
+            <p:extLst>
+              <p:ext uri="{386F3935-93C4-4BCD-93E2-E3B085C9AB24}">
+                <p16:designElem xmlns:p16="http://schemas.microsoft.com/office/powerpoint/2015/main" val="1"/>
+              </p:ext>
+            </p:extLst>
+          </p:nvPr>
+        </p:nvSpPr>
+        <p:spPr>
+          <a:xfrm>
+            <a:off x="643278" y="2573756"/>
+            <a:ext cx="3255095" cy="18288"/>
+          </a:xfrm>
+          <a:custGeom>
+            <a:avLst/>
+            <a:gdLst>
+              <a:gd name="connsiteX0" fmla="*/ 0 w 3255095"/>
+              <a:gd name="connsiteY0" fmla="*/ 0 h 18288"/>
+              <a:gd name="connsiteX1" fmla="*/ 618468 w 3255095"/>
+              <a:gd name="connsiteY1" fmla="*/ 0 h 18288"/>
+              <a:gd name="connsiteX2" fmla="*/ 1269487 w 3255095"/>
+              <a:gd name="connsiteY2" fmla="*/ 0 h 18288"/>
+              <a:gd name="connsiteX3" fmla="*/ 1953057 w 3255095"/>
+              <a:gd name="connsiteY3" fmla="*/ 0 h 18288"/>
+              <a:gd name="connsiteX4" fmla="*/ 2636627 w 3255095"/>
+              <a:gd name="connsiteY4" fmla="*/ 0 h 18288"/>
+              <a:gd name="connsiteX5" fmla="*/ 3255095 w 3255095"/>
+              <a:gd name="connsiteY5" fmla="*/ 0 h 18288"/>
+              <a:gd name="connsiteX6" fmla="*/ 3255095 w 3255095"/>
+              <a:gd name="connsiteY6" fmla="*/ 18288 h 18288"/>
+              <a:gd name="connsiteX7" fmla="*/ 2538974 w 3255095"/>
+              <a:gd name="connsiteY7" fmla="*/ 18288 h 18288"/>
+              <a:gd name="connsiteX8" fmla="*/ 1822853 w 3255095"/>
+              <a:gd name="connsiteY8" fmla="*/ 18288 h 18288"/>
+              <a:gd name="connsiteX9" fmla="*/ 1171834 w 3255095"/>
+              <a:gd name="connsiteY9" fmla="*/ 18288 h 18288"/>
+              <a:gd name="connsiteX10" fmla="*/ 0 w 3255095"/>
+              <a:gd name="connsiteY10" fmla="*/ 18288 h 18288"/>
+              <a:gd name="connsiteX11" fmla="*/ 0 w 3255095"/>
+              <a:gd name="connsiteY11" fmla="*/ 0 h 18288"/>
+            </a:gdLst>
+            <a:ahLst/>
+            <a:cxnLst>
+              <a:cxn ang="0">
+                <a:pos x="connsiteX0" y="connsiteY0"/>
+              </a:cxn>
+              <a:cxn ang="0">
+                <a:pos x="connsiteX1" y="connsiteY1"/>
+              </a:cxn>
+              <a:cxn ang="0">
+                <a:pos x="connsiteX2" y="connsiteY2"/>
+              </a:cxn>
+              <a:cxn ang="0">
+                <a:pos x="connsiteX3" y="connsiteY3"/>
+              </a:cxn>
+              <a:cxn ang="0">
+                <a:pos x="connsiteX4" y="connsiteY4"/>
+              </a:cxn>
+              <a:cxn ang="0">
+                <a:pos x="connsiteX5" y="connsiteY5"/>
+              </a:cxn>
+              <a:cxn ang="0">
+                <a:pos x="connsiteX6" y="connsiteY6"/>
+              </a:cxn>
+              <a:cxn ang="0">
+                <a:pos x="connsiteX7" y="connsiteY7"/>
+              </a:cxn>
+              <a:cxn ang="0">
+                <a:pos x="connsiteX8" y="connsiteY8"/>
+              </a:cxn>
+              <a:cxn ang="0">
+                <a:pos x="connsiteX9" y="connsiteY9"/>
+              </a:cxn>
+              <a:cxn ang="0">
+                <a:pos x="connsiteX10" y="connsiteY10"/>
+              </a:cxn>
+              <a:cxn ang="0">
+                <a:pos x="connsiteX11" y="connsiteY11"/>
+              </a:cxn>
+            </a:cxnLst>
+            <a:rect l="l" t="t" r="r" b="b"/>
+            <a:pathLst>
+              <a:path w="3255095" h="18288" fill="none" extrusionOk="0">
+                <a:moveTo>
+                  <a:pt x="0" y="0"/>
+                </a:moveTo>
+                <a:cubicBezTo>
+                  <a:pt x="240201" y="-22123"/>
+                  <a:pt x="462021" y="-19623"/>
+                  <a:pt x="618468" y="0"/>
+                </a:cubicBezTo>
+                <a:cubicBezTo>
+                  <a:pt x="774915" y="19623"/>
+                  <a:pt x="974734" y="2035"/>
+                  <a:pt x="1269487" y="0"/>
+                </a:cubicBezTo>
+                <a:cubicBezTo>
+                  <a:pt x="1564240" y="-2035"/>
+                  <a:pt x="1733579" y="10639"/>
+                  <a:pt x="1953057" y="0"/>
+                </a:cubicBezTo>
+                <a:cubicBezTo>
+                  <a:pt x="2172535" y="-10639"/>
+                  <a:pt x="2453962" y="14018"/>
+                  <a:pt x="2636627" y="0"/>
+                </a:cubicBezTo>
+                <a:cubicBezTo>
+                  <a:pt x="2819292" y="-14018"/>
+                  <a:pt x="3121375" y="5399"/>
+                  <a:pt x="3255095" y="0"/>
+                </a:cubicBezTo>
+                <a:cubicBezTo>
+                  <a:pt x="3254386" y="8157"/>
+                  <a:pt x="3254682" y="12125"/>
+                  <a:pt x="3255095" y="18288"/>
+                </a:cubicBezTo>
+                <a:cubicBezTo>
+                  <a:pt x="3088545" y="23203"/>
+                  <a:pt x="2687475" y="7419"/>
+                  <a:pt x="2538974" y="18288"/>
+                </a:cubicBezTo>
+                <a:cubicBezTo>
+                  <a:pt x="2390473" y="29157"/>
+                  <a:pt x="2137381" y="-8959"/>
+                  <a:pt x="1822853" y="18288"/>
+                </a:cubicBezTo>
+                <a:cubicBezTo>
+                  <a:pt x="1508325" y="45535"/>
+                  <a:pt x="1466437" y="20385"/>
+                  <a:pt x="1171834" y="18288"/>
+                </a:cubicBezTo>
+                <a:cubicBezTo>
+                  <a:pt x="877231" y="16191"/>
+                  <a:pt x="561097" y="37643"/>
+                  <a:pt x="0" y="18288"/>
+                </a:cubicBezTo>
+                <a:cubicBezTo>
+                  <a:pt x="-46" y="12483"/>
+                  <a:pt x="-203" y="6491"/>
+                  <a:pt x="0" y="0"/>
+                </a:cubicBezTo>
+                <a:close/>
+              </a:path>
+              <a:path w="3255095" h="18288" stroke="0" extrusionOk="0">
+                <a:moveTo>
+                  <a:pt x="0" y="0"/>
+                </a:moveTo>
+                <a:cubicBezTo>
+                  <a:pt x="291965" y="19429"/>
+                  <a:pt x="363155" y="8568"/>
+                  <a:pt x="618468" y="0"/>
+                </a:cubicBezTo>
+                <a:cubicBezTo>
+                  <a:pt x="873781" y="-8568"/>
+                  <a:pt x="904459" y="-19505"/>
+                  <a:pt x="1171834" y="0"/>
+                </a:cubicBezTo>
+                <a:cubicBezTo>
+                  <a:pt x="1439209" y="19505"/>
+                  <a:pt x="1744369" y="9790"/>
+                  <a:pt x="1887955" y="0"/>
+                </a:cubicBezTo>
+                <a:cubicBezTo>
+                  <a:pt x="2031541" y="-9790"/>
+                  <a:pt x="2346378" y="21240"/>
+                  <a:pt x="2506423" y="0"/>
+                </a:cubicBezTo>
+                <a:cubicBezTo>
+                  <a:pt x="2666468" y="-21240"/>
+                  <a:pt x="2990257" y="30414"/>
+                  <a:pt x="3255095" y="0"/>
+                </a:cubicBezTo>
+                <a:cubicBezTo>
+                  <a:pt x="3254831" y="4493"/>
+                  <a:pt x="3255479" y="9472"/>
+                  <a:pt x="3255095" y="18288"/>
+                </a:cubicBezTo>
+                <a:cubicBezTo>
+                  <a:pt x="3120743" y="16690"/>
+                  <a:pt x="2759628" y="42462"/>
+                  <a:pt x="2604076" y="18288"/>
+                </a:cubicBezTo>
+                <a:cubicBezTo>
+                  <a:pt x="2448524" y="-5886"/>
+                  <a:pt x="2184336" y="19599"/>
+                  <a:pt x="1887955" y="18288"/>
+                </a:cubicBezTo>
+                <a:cubicBezTo>
+                  <a:pt x="1591574" y="16977"/>
+                  <a:pt x="1548845" y="6870"/>
+                  <a:pt x="1334589" y="18288"/>
+                </a:cubicBezTo>
+                <a:cubicBezTo>
+                  <a:pt x="1120333" y="29706"/>
+                  <a:pt x="996014" y="9662"/>
+                  <a:pt x="683570" y="18288"/>
+                </a:cubicBezTo>
+                <a:cubicBezTo>
+                  <a:pt x="371126" y="26914"/>
+                  <a:pt x="198687" y="16167"/>
+                  <a:pt x="0" y="18288"/>
+                </a:cubicBezTo>
+                <a:cubicBezTo>
+                  <a:pt x="843" y="9577"/>
+                  <a:pt x="371" y="6900"/>
+                  <a:pt x="0" y="0"/>
+                </a:cubicBezTo>
+                <a:close/>
+              </a:path>
+            </a:pathLst>
+          </a:custGeom>
+          <a:solidFill>
+            <a:schemeClr val="accent2"/>
+          </a:solidFill>
+          <a:ln w="38100" cap="rnd">
+            <a:solidFill>
+              <a:schemeClr val="accent2"/>
+            </a:solidFill>
+            <a:round/>
+            <a:extLst>
+              <a:ext uri="{C807C97D-BFC1-408E-A445-0C87EB9F89A2}">
+                <ask:lineSketchStyleProps xmlns:ask="http://schemas.microsoft.com/office/drawing/2018/sketchyshapes" sd="1219033472">
+                  <a:prstGeom prst="rect">
+                    <a:avLst/>
+                  </a:prstGeom>
+                  <ask:type>
+                    <ask:lineSketchFreehand/>
+                  </ask:type>
+                </ask:lineSketchStyleProps>
+              </a:ext>
+            </a:extLst>
+          </a:ln>
+        </p:spPr>
+        <p:style>
+          <a:lnRef idx="2">
+            <a:schemeClr val="accent1">
+              <a:shade val="50000"/>
+            </a:schemeClr>
+          </a:lnRef>
+          <a:fillRef idx="1">
+            <a:schemeClr val="accent1"/>
+          </a:fillRef>
+          <a:effectRef idx="0">
+            <a:schemeClr val="accent1"/>
+          </a:effectRef>
+          <a:fontRef idx="minor">
+            <a:schemeClr val="lt1"/>
+          </a:fontRef>
+        </p:style>
+        <p:txBody>
+          <a:bodyPr rtlCol="0" anchor="ctr"/>
+          <a:lstStyle/>
+          <a:p>
+            <a:pPr algn="ctr"/>
+            <a:endParaRPr lang="en-US"/>
           </a:p>
         </p:txBody>
       </p:sp>
@@ -5018,7 +8787,7 @@
           <p:cNvPr id="3" name="Inhaltsplatzhalter 2">
             <a:extLst>
               <a:ext uri="{FF2B5EF4-FFF2-40B4-BE49-F238E27FC236}">
-                <a16:creationId xmlns:a16="http://schemas.microsoft.com/office/drawing/2014/main" id="{4A623800-23E7-4F5E-C62F-8B42D30464C5}"/>
+                <a16:creationId xmlns:a16="http://schemas.microsoft.com/office/drawing/2014/main" id="{B277E79E-0809-CBA3-FFE5-58606DA3C791}"/>
               </a:ext>
             </a:extLst>
           </p:cNvPr>
@@ -5029,32 +8798,749 @@
             <p:ph idx="1"/>
           </p:nvPr>
         </p:nvSpPr>
-        <p:spPr/>
+        <p:spPr>
+          <a:xfrm>
+            <a:off x="630936" y="2807208"/>
+            <a:ext cx="3429000" cy="3410712"/>
+          </a:xfrm>
+        </p:spPr>
         <p:txBody>
-          <a:bodyPr/>
+          <a:bodyPr anchor="t">
+            <a:normAutofit/>
+          </a:bodyPr>
           <a:lstStyle/>
           <a:p>
             <a:r>
-              <a:rPr lang="de-AT" dirty="0"/>
+              <a:rPr lang="de-AT" sz="2000"/>
+              <a:t>Erzeugt eine bestimmte Variation des Produktes</a:t>
+            </a:r>
+          </a:p>
+          <a:p>
+            <a:r>
+              <a:rPr lang="de-AT" sz="2000"/>
+              <a:t>Hält eine Schnittstelle zur Ausgabe des Produktes</a:t>
+            </a:r>
+          </a:p>
+          <a:p>
+            <a:r>
+              <a:rPr lang="de-AT" sz="2000"/>
+              <a:t>Besitzt Methoden zum Festlegen oder Konstruieren jedes Teils des Produktes</a:t>
+            </a:r>
+          </a:p>
+          <a:p>
+            <a:pPr marL="0" indent="0">
+              <a:buNone/>
+            </a:pPr>
+            <a:r>
+              <a:rPr lang="de-AT" sz="2000"/>
+              <a:t> </a:t>
+            </a:r>
+          </a:p>
+          <a:p>
+            <a:endParaRPr lang="de-AT" sz="2000"/>
+          </a:p>
+        </p:txBody>
+      </p:sp>
+      <p:pic>
+        <p:nvPicPr>
+          <p:cNvPr id="3074" name="Picture 2" descr="Builder">
+            <a:extLst>
+              <a:ext uri="{FF2B5EF4-FFF2-40B4-BE49-F238E27FC236}">
+                <a16:creationId xmlns:a16="http://schemas.microsoft.com/office/drawing/2014/main" id="{17886556-4C70-CA36-3789-1D032B8EFD6E}"/>
+              </a:ext>
+            </a:extLst>
+          </p:cNvPr>
+          <p:cNvPicPr>
+            <a:picLocks noChangeAspect="1" noChangeArrowheads="1"/>
+          </p:cNvPicPr>
+          <p:nvPr/>
+        </p:nvPicPr>
+        <p:blipFill>
+          <a:blip r:embed="rId2">
+            <a:extLst>
+              <a:ext uri="{28A0092B-C50C-407E-A947-70E740481C1C}">
+                <a14:useLocalDpi xmlns:a14="http://schemas.microsoft.com/office/drawing/2010/main" val="0"/>
+              </a:ext>
+            </a:extLst>
+          </a:blip>
+          <a:stretch>
+            <a:fillRect/>
+          </a:stretch>
+        </p:blipFill>
+        <p:spPr bwMode="auto">
+          <a:xfrm>
+            <a:off x="4654296" y="1415415"/>
+            <a:ext cx="6903720" cy="4027170"/>
+          </a:xfrm>
+          <a:prstGeom prst="rect">
+            <a:avLst/>
+          </a:prstGeom>
+          <a:noFill/>
+          <a:extLst>
+            <a:ext uri="{909E8E84-426E-40DD-AFC4-6F175D3DCCD1}">
+              <a14:hiddenFill xmlns:a14="http://schemas.microsoft.com/office/drawing/2010/main">
+                <a:solidFill>
+                  <a:srgbClr val="FFFFFF"/>
+                </a:solidFill>
+              </a14:hiddenFill>
+            </a:ext>
+          </a:extLst>
+        </p:spPr>
+      </p:pic>
+      <mc:AlternateContent xmlns:mc="http://schemas.openxmlformats.org/markup-compatibility/2006">
+        <mc:Choice xmlns:p14="http://schemas.microsoft.com/office/powerpoint/2010/main" Requires="p14">
+          <p:contentPart p14:bwMode="auto" r:id="rId3">
+            <p14:nvContentPartPr>
+              <p14:cNvPr id="5" name="Freihand 4">
+                <a:extLst>
+                  <a:ext uri="{FF2B5EF4-FFF2-40B4-BE49-F238E27FC236}">
+                    <a16:creationId xmlns:a16="http://schemas.microsoft.com/office/drawing/2014/main" id="{53BA75E1-9FD8-707D-EEB0-41BCA7EBAD79}"/>
+                  </a:ext>
+                </a:extLst>
+              </p14:cNvPr>
+              <p14:cNvContentPartPr/>
+              <p14:nvPr/>
+            </p14:nvContentPartPr>
+            <p14:xfrm>
+              <a:off x="4550724" y="2723713"/>
+              <a:ext cx="3504240" cy="1728720"/>
+            </p14:xfrm>
+          </p:contentPart>
+        </mc:Choice>
+        <mc:Fallback>
+          <p:pic>
+            <p:nvPicPr>
+              <p:cNvPr id="5" name="Freihand 4">
+                <a:extLst>
+                  <a:ext uri="{FF2B5EF4-FFF2-40B4-BE49-F238E27FC236}">
+                    <a16:creationId xmlns:a16="http://schemas.microsoft.com/office/drawing/2014/main" id="{53BA75E1-9FD8-707D-EEB0-41BCA7EBAD79}"/>
+                  </a:ext>
+                </a:extLst>
+              </p:cNvPr>
+              <p:cNvPicPr/>
+              <p:nvPr/>
+            </p:nvPicPr>
+            <p:blipFill>
+              <a:blip r:embed="rId4"/>
+              <a:stretch>
+                <a:fillRect/>
+              </a:stretch>
+            </p:blipFill>
+            <p:spPr>
+              <a:xfrm>
+                <a:off x="4544604" y="2717593"/>
+                <a:ext cx="3516480" cy="1740960"/>
+              </a:xfrm>
+              <a:prstGeom prst="rect">
+                <a:avLst/>
+              </a:prstGeom>
+            </p:spPr>
+          </p:pic>
+        </mc:Fallback>
+      </mc:AlternateContent>
+    </p:spTree>
+    <p:extLst>
+      <p:ext uri="{BB962C8B-B14F-4D97-AF65-F5344CB8AC3E}">
+        <p14:creationId xmlns:p14="http://schemas.microsoft.com/office/powerpoint/2010/main" val="277911558"/>
+      </p:ext>
+    </p:extLst>
+  </p:cSld>
+  <p:clrMapOvr>
+    <a:masterClrMapping/>
+  </p:clrMapOvr>
+</p:sld>
+</file>
+
+<file path=ppt/slides/slide8.xml><?xml version="1.0" encoding="utf-8"?>
+<p:sld xmlns:a="http://schemas.openxmlformats.org/drawingml/2006/main" xmlns:r="http://schemas.openxmlformats.org/officeDocument/2006/relationships" xmlns:p="http://schemas.openxmlformats.org/presentationml/2006/main">
+  <p:cSld>
+    <p:bg>
+      <p:bgPr>
+        <a:solidFill>
+          <a:schemeClr val="bg1"/>
+        </a:solidFill>
+        <a:effectLst/>
+      </p:bgPr>
+    </p:bg>
+    <p:spTree>
+      <p:nvGrpSpPr>
+        <p:cNvPr id="1" name=""/>
+        <p:cNvGrpSpPr/>
+        <p:nvPr/>
+      </p:nvGrpSpPr>
+      <p:grpSpPr>
+        <a:xfrm>
+          <a:off x="0" y="0"/>
+          <a:ext cx="0" cy="0"/>
+          <a:chOff x="0" y="0"/>
+          <a:chExt cx="0" cy="0"/>
+        </a:xfrm>
+      </p:grpSpPr>
+      <p:sp useBgFill="1">
+        <p:nvSpPr>
+          <p:cNvPr id="10" name="Rectangle 9">
+            <a:extLst>
+              <a:ext uri="{FF2B5EF4-FFF2-40B4-BE49-F238E27FC236}">
+                <a16:creationId xmlns:a16="http://schemas.microsoft.com/office/drawing/2014/main" id="{2B97F24A-32CE-4C1C-A50D-3016B394DCFB}"/>
+              </a:ext>
+              <a:ext uri="{C183D7F6-B498-43B3-948B-1728B52AA6E4}">
+                <adec:decorative xmlns:adec="http://schemas.microsoft.com/office/drawing/2017/decorative" val="1"/>
+              </a:ext>
+            </a:extLst>
+          </p:cNvPr>
+          <p:cNvSpPr>
+            <a:spLocks noGrp="1" noRot="1" noChangeAspect="1" noMove="1" noResize="1" noEditPoints="1" noAdjustHandles="1" noChangeArrowheads="1" noChangeShapeType="1" noTextEdit="1"/>
+          </p:cNvSpPr>
+          <p:nvPr>
+            <p:extLst>
+              <p:ext uri="{386F3935-93C4-4BCD-93E2-E3B085C9AB24}">
+                <p16:designElem xmlns:p16="http://schemas.microsoft.com/office/powerpoint/2015/main" val="1"/>
+              </p:ext>
+            </p:extLst>
+          </p:nvPr>
+        </p:nvSpPr>
+        <p:spPr>
+          <a:xfrm>
+            <a:off x="0" y="0"/>
+            <a:ext cx="12192000" cy="6858000"/>
+          </a:xfrm>
+          <a:prstGeom prst="rect">
+            <a:avLst/>
+          </a:prstGeom>
+          <a:ln>
+            <a:noFill/>
+          </a:ln>
+        </p:spPr>
+        <p:style>
+          <a:lnRef idx="2">
+            <a:schemeClr val="accent1">
+              <a:shade val="50000"/>
+            </a:schemeClr>
+          </a:lnRef>
+          <a:fillRef idx="1">
+            <a:schemeClr val="accent1"/>
+          </a:fillRef>
+          <a:effectRef idx="0">
+            <a:schemeClr val="accent1"/>
+          </a:effectRef>
+          <a:fontRef idx="minor">
+            <a:schemeClr val="lt1"/>
+          </a:fontRef>
+        </p:style>
+        <p:txBody>
+          <a:bodyPr rtlCol="0" anchor="ctr"/>
+          <a:lstStyle/>
+          <a:p>
+            <a:pPr algn="ctr"/>
+            <a:endParaRPr lang="en-US"/>
+          </a:p>
+        </p:txBody>
+      </p:sp>
+      <p:sp>
+        <p:nvSpPr>
+          <p:cNvPr id="2" name="Titel 1">
+            <a:extLst>
+              <a:ext uri="{FF2B5EF4-FFF2-40B4-BE49-F238E27FC236}">
+                <a16:creationId xmlns:a16="http://schemas.microsoft.com/office/drawing/2014/main" id="{E50CFCD1-718A-726D-BDA4-B3A2D4FF64AA}"/>
+              </a:ext>
+            </a:extLst>
+          </p:cNvPr>
+          <p:cNvSpPr>
+            <a:spLocks noGrp="1"/>
+          </p:cNvSpPr>
+          <p:nvPr>
+            <p:ph type="title"/>
+          </p:nvPr>
+        </p:nvSpPr>
+        <p:spPr>
+          <a:xfrm>
+            <a:off x="630936" y="639520"/>
+            <a:ext cx="3429000" cy="1719072"/>
+          </a:xfrm>
+        </p:spPr>
+        <p:txBody>
+          <a:bodyPr anchor="b">
+            <a:normAutofit/>
+          </a:bodyPr>
+          <a:lstStyle/>
+          <a:p>
+            <a:r>
+              <a:rPr lang="de-AT" sz="5400"/>
+              <a:t>Produkt</a:t>
+            </a:r>
+          </a:p>
+        </p:txBody>
+      </p:sp>
+      <p:sp>
+        <p:nvSpPr>
+          <p:cNvPr id="12" name="sketch line">
+            <a:extLst>
+              <a:ext uri="{FF2B5EF4-FFF2-40B4-BE49-F238E27FC236}">
+                <a16:creationId xmlns:a16="http://schemas.microsoft.com/office/drawing/2014/main" id="{CD8B4F24-440B-49E9-B85D-733523DC064B}"/>
+              </a:ext>
+              <a:ext uri="{C183D7F6-B498-43B3-948B-1728B52AA6E4}">
+                <adec:decorative xmlns:adec="http://schemas.microsoft.com/office/drawing/2017/decorative" val="1"/>
+              </a:ext>
+            </a:extLst>
+          </p:cNvPr>
+          <p:cNvSpPr>
+            <a:spLocks noGrp="1" noRot="1" noChangeAspect="1" noMove="1" noResize="1" noEditPoints="1" noAdjustHandles="1" noChangeArrowheads="1" noChangeShapeType="1" noTextEdit="1"/>
+          </p:cNvSpPr>
+          <p:nvPr>
+            <p:extLst>
+              <p:ext uri="{386F3935-93C4-4BCD-93E2-E3B085C9AB24}">
+                <p16:designElem xmlns:p16="http://schemas.microsoft.com/office/powerpoint/2015/main" val="1"/>
+              </p:ext>
+            </p:extLst>
+          </p:nvPr>
+        </p:nvSpPr>
+        <p:spPr>
+          <a:xfrm>
+            <a:off x="643278" y="2573756"/>
+            <a:ext cx="3255095" cy="18288"/>
+          </a:xfrm>
+          <a:custGeom>
+            <a:avLst/>
+            <a:gdLst>
+              <a:gd name="connsiteX0" fmla="*/ 0 w 3255095"/>
+              <a:gd name="connsiteY0" fmla="*/ 0 h 18288"/>
+              <a:gd name="connsiteX1" fmla="*/ 618468 w 3255095"/>
+              <a:gd name="connsiteY1" fmla="*/ 0 h 18288"/>
+              <a:gd name="connsiteX2" fmla="*/ 1269487 w 3255095"/>
+              <a:gd name="connsiteY2" fmla="*/ 0 h 18288"/>
+              <a:gd name="connsiteX3" fmla="*/ 1953057 w 3255095"/>
+              <a:gd name="connsiteY3" fmla="*/ 0 h 18288"/>
+              <a:gd name="connsiteX4" fmla="*/ 2636627 w 3255095"/>
+              <a:gd name="connsiteY4" fmla="*/ 0 h 18288"/>
+              <a:gd name="connsiteX5" fmla="*/ 3255095 w 3255095"/>
+              <a:gd name="connsiteY5" fmla="*/ 0 h 18288"/>
+              <a:gd name="connsiteX6" fmla="*/ 3255095 w 3255095"/>
+              <a:gd name="connsiteY6" fmla="*/ 18288 h 18288"/>
+              <a:gd name="connsiteX7" fmla="*/ 2538974 w 3255095"/>
+              <a:gd name="connsiteY7" fmla="*/ 18288 h 18288"/>
+              <a:gd name="connsiteX8" fmla="*/ 1822853 w 3255095"/>
+              <a:gd name="connsiteY8" fmla="*/ 18288 h 18288"/>
+              <a:gd name="connsiteX9" fmla="*/ 1171834 w 3255095"/>
+              <a:gd name="connsiteY9" fmla="*/ 18288 h 18288"/>
+              <a:gd name="connsiteX10" fmla="*/ 0 w 3255095"/>
+              <a:gd name="connsiteY10" fmla="*/ 18288 h 18288"/>
+              <a:gd name="connsiteX11" fmla="*/ 0 w 3255095"/>
+              <a:gd name="connsiteY11" fmla="*/ 0 h 18288"/>
+            </a:gdLst>
+            <a:ahLst/>
+            <a:cxnLst>
+              <a:cxn ang="0">
+                <a:pos x="connsiteX0" y="connsiteY0"/>
+              </a:cxn>
+              <a:cxn ang="0">
+                <a:pos x="connsiteX1" y="connsiteY1"/>
+              </a:cxn>
+              <a:cxn ang="0">
+                <a:pos x="connsiteX2" y="connsiteY2"/>
+              </a:cxn>
+              <a:cxn ang="0">
+                <a:pos x="connsiteX3" y="connsiteY3"/>
+              </a:cxn>
+              <a:cxn ang="0">
+                <a:pos x="connsiteX4" y="connsiteY4"/>
+              </a:cxn>
+              <a:cxn ang="0">
+                <a:pos x="connsiteX5" y="connsiteY5"/>
+              </a:cxn>
+              <a:cxn ang="0">
+                <a:pos x="connsiteX6" y="connsiteY6"/>
+              </a:cxn>
+              <a:cxn ang="0">
+                <a:pos x="connsiteX7" y="connsiteY7"/>
+              </a:cxn>
+              <a:cxn ang="0">
+                <a:pos x="connsiteX8" y="connsiteY8"/>
+              </a:cxn>
+              <a:cxn ang="0">
+                <a:pos x="connsiteX9" y="connsiteY9"/>
+              </a:cxn>
+              <a:cxn ang="0">
+                <a:pos x="connsiteX10" y="connsiteY10"/>
+              </a:cxn>
+              <a:cxn ang="0">
+                <a:pos x="connsiteX11" y="connsiteY11"/>
+              </a:cxn>
+            </a:cxnLst>
+            <a:rect l="l" t="t" r="r" b="b"/>
+            <a:pathLst>
+              <a:path w="3255095" h="18288" fill="none" extrusionOk="0">
+                <a:moveTo>
+                  <a:pt x="0" y="0"/>
+                </a:moveTo>
+                <a:cubicBezTo>
+                  <a:pt x="240201" y="-22123"/>
+                  <a:pt x="462021" y="-19623"/>
+                  <a:pt x="618468" y="0"/>
+                </a:cubicBezTo>
+                <a:cubicBezTo>
+                  <a:pt x="774915" y="19623"/>
+                  <a:pt x="974734" y="2035"/>
+                  <a:pt x="1269487" y="0"/>
+                </a:cubicBezTo>
+                <a:cubicBezTo>
+                  <a:pt x="1564240" y="-2035"/>
+                  <a:pt x="1733579" y="10639"/>
+                  <a:pt x="1953057" y="0"/>
+                </a:cubicBezTo>
+                <a:cubicBezTo>
+                  <a:pt x="2172535" y="-10639"/>
+                  <a:pt x="2453962" y="14018"/>
+                  <a:pt x="2636627" y="0"/>
+                </a:cubicBezTo>
+                <a:cubicBezTo>
+                  <a:pt x="2819292" y="-14018"/>
+                  <a:pt x="3121375" y="5399"/>
+                  <a:pt x="3255095" y="0"/>
+                </a:cubicBezTo>
+                <a:cubicBezTo>
+                  <a:pt x="3254386" y="8157"/>
+                  <a:pt x="3254682" y="12125"/>
+                  <a:pt x="3255095" y="18288"/>
+                </a:cubicBezTo>
+                <a:cubicBezTo>
+                  <a:pt x="3088545" y="23203"/>
+                  <a:pt x="2687475" y="7419"/>
+                  <a:pt x="2538974" y="18288"/>
+                </a:cubicBezTo>
+                <a:cubicBezTo>
+                  <a:pt x="2390473" y="29157"/>
+                  <a:pt x="2137381" y="-8959"/>
+                  <a:pt x="1822853" y="18288"/>
+                </a:cubicBezTo>
+                <a:cubicBezTo>
+                  <a:pt x="1508325" y="45535"/>
+                  <a:pt x="1466437" y="20385"/>
+                  <a:pt x="1171834" y="18288"/>
+                </a:cubicBezTo>
+                <a:cubicBezTo>
+                  <a:pt x="877231" y="16191"/>
+                  <a:pt x="561097" y="37643"/>
+                  <a:pt x="0" y="18288"/>
+                </a:cubicBezTo>
+                <a:cubicBezTo>
+                  <a:pt x="-46" y="12483"/>
+                  <a:pt x="-203" y="6491"/>
+                  <a:pt x="0" y="0"/>
+                </a:cubicBezTo>
+                <a:close/>
+              </a:path>
+              <a:path w="3255095" h="18288" stroke="0" extrusionOk="0">
+                <a:moveTo>
+                  <a:pt x="0" y="0"/>
+                </a:moveTo>
+                <a:cubicBezTo>
+                  <a:pt x="291965" y="19429"/>
+                  <a:pt x="363155" y="8568"/>
+                  <a:pt x="618468" y="0"/>
+                </a:cubicBezTo>
+                <a:cubicBezTo>
+                  <a:pt x="873781" y="-8568"/>
+                  <a:pt x="904459" y="-19505"/>
+                  <a:pt x="1171834" y="0"/>
+                </a:cubicBezTo>
+                <a:cubicBezTo>
+                  <a:pt x="1439209" y="19505"/>
+                  <a:pt x="1744369" y="9790"/>
+                  <a:pt x="1887955" y="0"/>
+                </a:cubicBezTo>
+                <a:cubicBezTo>
+                  <a:pt x="2031541" y="-9790"/>
+                  <a:pt x="2346378" y="21240"/>
+                  <a:pt x="2506423" y="0"/>
+                </a:cubicBezTo>
+                <a:cubicBezTo>
+                  <a:pt x="2666468" y="-21240"/>
+                  <a:pt x="2990257" y="30414"/>
+                  <a:pt x="3255095" y="0"/>
+                </a:cubicBezTo>
+                <a:cubicBezTo>
+                  <a:pt x="3254831" y="4493"/>
+                  <a:pt x="3255479" y="9472"/>
+                  <a:pt x="3255095" y="18288"/>
+                </a:cubicBezTo>
+                <a:cubicBezTo>
+                  <a:pt x="3120743" y="16690"/>
+                  <a:pt x="2759628" y="42462"/>
+                  <a:pt x="2604076" y="18288"/>
+                </a:cubicBezTo>
+                <a:cubicBezTo>
+                  <a:pt x="2448524" y="-5886"/>
+                  <a:pt x="2184336" y="19599"/>
+                  <a:pt x="1887955" y="18288"/>
+                </a:cubicBezTo>
+                <a:cubicBezTo>
+                  <a:pt x="1591574" y="16977"/>
+                  <a:pt x="1548845" y="6870"/>
+                  <a:pt x="1334589" y="18288"/>
+                </a:cubicBezTo>
+                <a:cubicBezTo>
+                  <a:pt x="1120333" y="29706"/>
+                  <a:pt x="996014" y="9662"/>
+                  <a:pt x="683570" y="18288"/>
+                </a:cubicBezTo>
+                <a:cubicBezTo>
+                  <a:pt x="371126" y="26914"/>
+                  <a:pt x="198687" y="16167"/>
+                  <a:pt x="0" y="18288"/>
+                </a:cubicBezTo>
+                <a:cubicBezTo>
+                  <a:pt x="843" y="9577"/>
+                  <a:pt x="371" y="6900"/>
+                  <a:pt x="0" y="0"/>
+                </a:cubicBezTo>
+                <a:close/>
+              </a:path>
+            </a:pathLst>
+          </a:custGeom>
+          <a:solidFill>
+            <a:schemeClr val="accent2"/>
+          </a:solidFill>
+          <a:ln w="38100" cap="rnd">
+            <a:solidFill>
+              <a:schemeClr val="accent2"/>
+            </a:solidFill>
+            <a:round/>
+            <a:extLst>
+              <a:ext uri="{C807C97D-BFC1-408E-A445-0C87EB9F89A2}">
+                <ask:lineSketchStyleProps xmlns:ask="http://schemas.microsoft.com/office/drawing/2018/sketchyshapes" sd="1219033472">
+                  <a:prstGeom prst="rect">
+                    <a:avLst/>
+                  </a:prstGeom>
+                  <ask:type>
+                    <ask:lineSketchFreehand/>
+                  </ask:type>
+                </ask:lineSketchStyleProps>
+              </a:ext>
+            </a:extLst>
+          </a:ln>
+        </p:spPr>
+        <p:style>
+          <a:lnRef idx="2">
+            <a:schemeClr val="accent1">
+              <a:shade val="50000"/>
+            </a:schemeClr>
+          </a:lnRef>
+          <a:fillRef idx="1">
+            <a:schemeClr val="accent1"/>
+          </a:fillRef>
+          <a:effectRef idx="0">
+            <a:schemeClr val="accent1"/>
+          </a:effectRef>
+          <a:fontRef idx="minor">
+            <a:schemeClr val="lt1"/>
+          </a:fontRef>
+        </p:style>
+        <p:txBody>
+          <a:bodyPr rtlCol="0" anchor="ctr"/>
+          <a:lstStyle/>
+          <a:p>
+            <a:pPr algn="ctr"/>
+            <a:endParaRPr lang="en-US"/>
+          </a:p>
+        </p:txBody>
+      </p:sp>
+      <p:sp>
+        <p:nvSpPr>
+          <p:cNvPr id="3" name="Inhaltsplatzhalter 2">
+            <a:extLst>
+              <a:ext uri="{FF2B5EF4-FFF2-40B4-BE49-F238E27FC236}">
+                <a16:creationId xmlns:a16="http://schemas.microsoft.com/office/drawing/2014/main" id="{4A623800-23E7-4F5E-C62F-8B42D30464C5}"/>
+              </a:ext>
+            </a:extLst>
+          </p:cNvPr>
+          <p:cNvSpPr>
+            <a:spLocks noGrp="1"/>
+          </p:cNvSpPr>
+          <p:nvPr>
+            <p:ph idx="1"/>
+          </p:nvPr>
+        </p:nvSpPr>
+        <p:spPr>
+          <a:xfrm>
+            <a:off x="630936" y="2807208"/>
+            <a:ext cx="3429000" cy="3410712"/>
+          </a:xfrm>
+        </p:spPr>
+        <p:txBody>
+          <a:bodyPr anchor="t">
+            <a:normAutofit/>
+          </a:bodyPr>
+          <a:lstStyle/>
+          <a:p>
+            <a:r>
+              <a:rPr lang="de-AT" sz="2200"/>
               <a:t>Das Endprodukt mit allen Bestandteilen </a:t>
             </a:r>
           </a:p>
           <a:p>
             <a:r>
-              <a:rPr lang="de-AT" dirty="0"/>
-              <a:t>Endergebnis des </a:t>
+              <a:rPr lang="de-AT" sz="2200"/>
+              <a:t>Endergebnis des Builder-Patterns</a:t>
             </a:r>
+          </a:p>
+          <a:p>
             <a:r>
-              <a:rPr lang="de-AT" dirty="0" err="1"/>
-              <a:t>Builder</a:t>
+              <a:rPr lang="de-AT" sz="2200"/>
+              <a:t>Struktur kann je nach Implementierung variieren.</a:t>
             </a:r>
+          </a:p>
+          <a:p>
             <a:r>
-              <a:rPr lang="de-AT" dirty="0"/>
-              <a:t>-Patterns</a:t>
+              <a:rPr lang="de-AT" sz="2200"/>
+              <a:t>Ist typischerweise eine Klasse mit Attributen.  </a:t>
             </a:r>
+          </a:p>
+          <a:p>
+            <a:pPr marL="0" indent="0">
+              <a:buNone/>
+            </a:pPr>
+            <a:endParaRPr lang="de-AT" sz="2200"/>
           </a:p>
         </p:txBody>
       </p:sp>
+      <p:pic>
+        <p:nvPicPr>
+          <p:cNvPr id="5" name="Grafik 4" descr="Ein Bild, das Entwurf, Text, Diagramm, Zeichnung enthält.&#10;&#10;Automatisch generierte Beschreibung">
+            <a:extLst>
+              <a:ext uri="{FF2B5EF4-FFF2-40B4-BE49-F238E27FC236}">
+                <a16:creationId xmlns:a16="http://schemas.microsoft.com/office/drawing/2014/main" id="{5801E670-2170-8A58-CE09-5C2C1DF27C30}"/>
+              </a:ext>
+            </a:extLst>
+          </p:cNvPr>
+          <p:cNvPicPr>
+            <a:picLocks noChangeAspect="1"/>
+          </p:cNvPicPr>
+          <p:nvPr/>
+        </p:nvPicPr>
+        <p:blipFill>
+          <a:blip r:embed="rId2">
+            <a:extLst>
+              <a:ext uri="{28A0092B-C50C-407E-A947-70E740481C1C}">
+                <a14:useLocalDpi xmlns:a14="http://schemas.microsoft.com/office/drawing/2010/main" val="0"/>
+              </a:ext>
+            </a:extLst>
+          </a:blip>
+          <a:stretch>
+            <a:fillRect/>
+          </a:stretch>
+        </p:blipFill>
+        <p:spPr>
+          <a:xfrm>
+            <a:off x="4654296" y="1470069"/>
+            <a:ext cx="6903720" cy="3917861"/>
+          </a:xfrm>
+          <a:prstGeom prst="rect">
+            <a:avLst/>
+          </a:prstGeom>
+        </p:spPr>
+      </p:pic>
+      <mc:AlternateContent xmlns:mc="http://schemas.openxmlformats.org/markup-compatibility/2006">
+        <mc:Choice xmlns:p14="http://schemas.microsoft.com/office/powerpoint/2010/main" Requires="p14">
+          <p:contentPart p14:bwMode="auto" r:id="rId3">
+            <p14:nvContentPartPr>
+              <p14:cNvPr id="6" name="Freihand 5">
+                <a:extLst>
+                  <a:ext uri="{FF2B5EF4-FFF2-40B4-BE49-F238E27FC236}">
+                    <a16:creationId xmlns:a16="http://schemas.microsoft.com/office/drawing/2014/main" id="{9462CA13-CD07-0878-6E31-F1BC2B880A13}"/>
+                  </a:ext>
+                </a:extLst>
+              </p14:cNvPr>
+              <p14:cNvContentPartPr/>
+              <p14:nvPr/>
+            </p14:nvContentPartPr>
+            <p14:xfrm>
+              <a:off x="4847724" y="4128433"/>
+              <a:ext cx="2016000" cy="1535400"/>
+            </p14:xfrm>
+          </p:contentPart>
+        </mc:Choice>
+        <mc:Fallback>
+          <p:pic>
+            <p:nvPicPr>
+              <p:cNvPr id="6" name="Freihand 5">
+                <a:extLst>
+                  <a:ext uri="{FF2B5EF4-FFF2-40B4-BE49-F238E27FC236}">
+                    <a16:creationId xmlns:a16="http://schemas.microsoft.com/office/drawing/2014/main" id="{9462CA13-CD07-0878-6E31-F1BC2B880A13}"/>
+                  </a:ext>
+                </a:extLst>
+              </p:cNvPr>
+              <p:cNvPicPr/>
+              <p:nvPr/>
+            </p:nvPicPr>
+            <p:blipFill>
+              <a:blip r:embed="rId4"/>
+              <a:stretch>
+                <a:fillRect/>
+              </a:stretch>
+            </p:blipFill>
+            <p:spPr>
+              <a:xfrm>
+                <a:off x="4841604" y="4122313"/>
+                <a:ext cx="2028240" cy="1547640"/>
+              </a:xfrm>
+              <a:prstGeom prst="rect">
+                <a:avLst/>
+              </a:prstGeom>
+            </p:spPr>
+          </p:pic>
+        </mc:Fallback>
+      </mc:AlternateContent>
+      <mc:AlternateContent xmlns:mc="http://schemas.openxmlformats.org/markup-compatibility/2006">
+        <mc:Choice xmlns:p14="http://schemas.microsoft.com/office/powerpoint/2010/main" Requires="p14">
+          <p:contentPart p14:bwMode="auto" r:id="rId5">
+            <p14:nvContentPartPr>
+              <p14:cNvPr id="7" name="Freihand 6">
+                <a:extLst>
+                  <a:ext uri="{FF2B5EF4-FFF2-40B4-BE49-F238E27FC236}">
+                    <a16:creationId xmlns:a16="http://schemas.microsoft.com/office/drawing/2014/main" id="{6A16D027-02A1-2B5D-BC30-A9BACA9841FE}"/>
+                  </a:ext>
+                </a:extLst>
+              </p14:cNvPr>
+              <p14:cNvContentPartPr/>
+              <p14:nvPr/>
+            </p14:nvContentPartPr>
+            <p14:xfrm>
+              <a:off x="9050364" y="4026553"/>
+              <a:ext cx="2228760" cy="1765440"/>
+            </p14:xfrm>
+          </p:contentPart>
+        </mc:Choice>
+        <mc:Fallback>
+          <p:pic>
+            <p:nvPicPr>
+              <p:cNvPr id="7" name="Freihand 6">
+                <a:extLst>
+                  <a:ext uri="{FF2B5EF4-FFF2-40B4-BE49-F238E27FC236}">
+                    <a16:creationId xmlns:a16="http://schemas.microsoft.com/office/drawing/2014/main" id="{6A16D027-02A1-2B5D-BC30-A9BACA9841FE}"/>
+                  </a:ext>
+                </a:extLst>
+              </p:cNvPr>
+              <p:cNvPicPr/>
+              <p:nvPr/>
+            </p:nvPicPr>
+            <p:blipFill>
+              <a:blip r:embed="rId6"/>
+              <a:stretch>
+                <a:fillRect/>
+              </a:stretch>
+            </p:blipFill>
+            <p:spPr>
+              <a:xfrm>
+                <a:off x="9044244" y="4020433"/>
+                <a:ext cx="2241000" cy="1777680"/>
+              </a:xfrm>
+              <a:prstGeom prst="rect">
+                <a:avLst/>
+              </a:prstGeom>
+            </p:spPr>
+          </p:pic>
+        </mc:Fallback>
+      </mc:AlternateContent>
     </p:spTree>
     <p:extLst>
       <p:ext uri="{BB962C8B-B14F-4D97-AF65-F5344CB8AC3E}">
@@ -5068,7 +9554,7 @@
 </p:sld>
 </file>
 
-<file path=ppt/slides/slide8.xml><?xml version="1.0" encoding="utf-8"?>
+<file path=ppt/slides/slide9.xml><?xml version="1.0" encoding="utf-8"?>
 <p:sld xmlns:a="http://schemas.openxmlformats.org/drawingml/2006/main" xmlns:r="http://schemas.openxmlformats.org/officeDocument/2006/relationships" xmlns:p="http://schemas.openxmlformats.org/presentationml/2006/main">
   <p:cSld>
     <p:bg>
